--- a/IFB299 - Collaborated User Stories - 2.pptx
+++ b/IFB299 - Collaborated User Stories - 2.pptx
@@ -38,6 +38,7 @@
     <p:sldId id="331" r:id="rId32"/>
     <p:sldId id="332" r:id="rId33"/>
     <p:sldId id="333" r:id="rId34"/>
+    <p:sldId id="340" r:id="rId35"/>
   </p:sldIdLst>
   <p:sldSz cx="12192000" cy="6858000"/>
   <p:notesSz cx="6858000" cy="9144000"/>
@@ -16593,6 +16594,555 @@
     <p:extLst>
       <p:ext uri="{BB962C8B-B14F-4D97-AF65-F5344CB8AC3E}">
         <p14:creationId xmlns:p14="http://schemas.microsoft.com/office/powerpoint/2010/main" val="564421043"/>
+      </p:ext>
+    </p:extLst>
+  </p:cSld>
+  <p:clrMapOvr>
+    <a:masterClrMapping/>
+  </p:clrMapOvr>
+</p:sld>
+</file>
+
+<file path=ppt/slides/slide34.xml><?xml version="1.0" encoding="utf-8"?>
+<p:sld xmlns:a="http://schemas.openxmlformats.org/drawingml/2006/main" xmlns:r="http://schemas.openxmlformats.org/officeDocument/2006/relationships" xmlns:p="http://schemas.openxmlformats.org/presentationml/2006/main">
+  <p:cSld>
+    <p:spTree>
+      <p:nvGrpSpPr>
+        <p:cNvPr id="1" name=""/>
+        <p:cNvGrpSpPr/>
+        <p:nvPr/>
+      </p:nvGrpSpPr>
+      <p:grpSpPr>
+        <a:xfrm>
+          <a:off x="0" y="0"/>
+          <a:ext cx="0" cy="0"/>
+          <a:chOff x="0" y="0"/>
+          <a:chExt cx="0" cy="0"/>
+        </a:xfrm>
+      </p:grpSpPr>
+      <p:sp>
+        <p:nvSpPr>
+          <p:cNvPr id="4" name="Rectangle 3"/>
+          <p:cNvSpPr/>
+          <p:nvPr/>
+        </p:nvSpPr>
+        <p:spPr>
+          <a:xfrm>
+            <a:off x="1182153" y="109410"/>
+            <a:ext cx="720000" cy="761098"/>
+          </a:xfrm>
+          <a:prstGeom prst="rect">
+            <a:avLst/>
+          </a:prstGeom>
+          <a:solidFill>
+            <a:schemeClr val="accent1">
+              <a:lumMod val="40000"/>
+              <a:lumOff val="60000"/>
+            </a:schemeClr>
+          </a:solidFill>
+          <a:ln>
+            <a:solidFill>
+              <a:schemeClr val="accent1">
+                <a:lumMod val="50000"/>
+              </a:schemeClr>
+            </a:solidFill>
+          </a:ln>
+        </p:spPr>
+        <p:style>
+          <a:lnRef idx="2">
+            <a:schemeClr val="accent1">
+              <a:shade val="50000"/>
+            </a:schemeClr>
+          </a:lnRef>
+          <a:fillRef idx="1">
+            <a:schemeClr val="accent1"/>
+          </a:fillRef>
+          <a:effectRef idx="0">
+            <a:schemeClr val="accent1"/>
+          </a:effectRef>
+          <a:fontRef idx="minor">
+            <a:schemeClr val="lt1"/>
+          </a:fontRef>
+        </p:style>
+        <p:txBody>
+          <a:bodyPr wrap="square" lIns="0" rIns="0" rtlCol="0" anchor="ctr"/>
+          <a:lstStyle/>
+          <a:p>
+            <a:pPr algn="ctr"/>
+            <a:r>
+              <a:rPr lang="en-AU" sz="2000" dirty="0">
+                <a:solidFill>
+                  <a:schemeClr val="tx1"/>
+                </a:solidFill>
+              </a:rPr>
+              <a:t>Story </a:t>
+            </a:r>
+            <a:r>
+              <a:rPr lang="en-AU" sz="2000" dirty="0" smtClean="0">
+                <a:solidFill>
+                  <a:schemeClr val="tx1"/>
+                </a:solidFill>
+              </a:rPr>
+              <a:t>42</a:t>
+            </a:r>
+            <a:endParaRPr lang="en-AU" sz="2000" dirty="0">
+              <a:solidFill>
+                <a:schemeClr val="tx1"/>
+              </a:solidFill>
+            </a:endParaRPr>
+          </a:p>
+        </p:txBody>
+      </p:sp>
+      <p:sp>
+        <p:nvSpPr>
+          <p:cNvPr id="6" name="Rectangle 5"/>
+          <p:cNvSpPr/>
+          <p:nvPr/>
+        </p:nvSpPr>
+        <p:spPr>
+          <a:xfrm>
+            <a:off x="1974153" y="109410"/>
+            <a:ext cx="7380000" cy="761098"/>
+          </a:xfrm>
+          <a:prstGeom prst="rect">
+            <a:avLst/>
+          </a:prstGeom>
+          <a:ln>
+            <a:solidFill>
+              <a:schemeClr val="accent1">
+                <a:lumMod val="50000"/>
+              </a:schemeClr>
+            </a:solidFill>
+          </a:ln>
+        </p:spPr>
+        <p:style>
+          <a:lnRef idx="2">
+            <a:schemeClr val="accent1">
+              <a:shade val="50000"/>
+            </a:schemeClr>
+          </a:lnRef>
+          <a:fillRef idx="1">
+            <a:schemeClr val="accent1"/>
+          </a:fillRef>
+          <a:effectRef idx="0">
+            <a:schemeClr val="accent1"/>
+          </a:effectRef>
+          <a:fontRef idx="minor">
+            <a:schemeClr val="lt1"/>
+          </a:fontRef>
+        </p:style>
+        <p:txBody>
+          <a:bodyPr rtlCol="0" anchor="ctr"/>
+          <a:lstStyle/>
+          <a:p>
+            <a:r>
+              <a:rPr lang="en-US" altLang="ko-KR" sz="2800" b="1" dirty="0" smtClean="0"/>
+              <a:t>Administrator Login</a:t>
+            </a:r>
+            <a:endParaRPr lang="en-US" altLang="ko-KR" sz="2800" b="1" dirty="0"/>
+          </a:p>
+        </p:txBody>
+      </p:sp>
+      <p:sp>
+        <p:nvSpPr>
+          <p:cNvPr id="7" name="Rectangle 6"/>
+          <p:cNvSpPr/>
+          <p:nvPr/>
+        </p:nvSpPr>
+        <p:spPr>
+          <a:xfrm>
+            <a:off x="1182153" y="1158968"/>
+            <a:ext cx="9922320" cy="1642757"/>
+          </a:xfrm>
+          <a:prstGeom prst="rect">
+            <a:avLst/>
+          </a:prstGeom>
+          <a:solidFill>
+            <a:schemeClr val="tx2">
+              <a:lumMod val="20000"/>
+              <a:lumOff val="80000"/>
+            </a:schemeClr>
+          </a:solidFill>
+          <a:ln>
+            <a:solidFill>
+              <a:schemeClr val="accent1">
+                <a:lumMod val="50000"/>
+              </a:schemeClr>
+            </a:solidFill>
+          </a:ln>
+        </p:spPr>
+        <p:style>
+          <a:lnRef idx="2">
+            <a:schemeClr val="accent1">
+              <a:shade val="50000"/>
+            </a:schemeClr>
+          </a:lnRef>
+          <a:fillRef idx="1">
+            <a:schemeClr val="accent1"/>
+          </a:fillRef>
+          <a:effectRef idx="0">
+            <a:schemeClr val="accent1"/>
+          </a:effectRef>
+          <a:fontRef idx="minor">
+            <a:schemeClr val="lt1"/>
+          </a:fontRef>
+        </p:style>
+        <p:txBody>
+          <a:bodyPr rtlCol="0" anchor="t" anchorCtr="0"/>
+          <a:lstStyle/>
+          <a:p>
+            <a:r>
+              <a:rPr lang="en-AU" sz="2800" dirty="0">
+                <a:solidFill>
+                  <a:schemeClr val="tx1"/>
+                </a:solidFill>
+              </a:rPr>
+              <a:t>As an administrator I want to be </a:t>
+            </a:r>
+            <a:r>
+              <a:rPr lang="en-AU" sz="2800" dirty="0" smtClean="0">
+                <a:solidFill>
+                  <a:schemeClr val="tx1"/>
+                </a:solidFill>
+              </a:rPr>
+              <a:t>able to login to my account to make changes to the website</a:t>
+            </a:r>
+            <a:endParaRPr lang="en-AU" sz="2800" dirty="0">
+              <a:solidFill>
+                <a:schemeClr val="tx1"/>
+              </a:solidFill>
+            </a:endParaRPr>
+          </a:p>
+        </p:txBody>
+      </p:sp>
+      <p:sp>
+        <p:nvSpPr>
+          <p:cNvPr id="8" name="Rectangle 7"/>
+          <p:cNvSpPr/>
+          <p:nvPr/>
+        </p:nvSpPr>
+        <p:spPr>
+          <a:xfrm>
+            <a:off x="1182153" y="2991713"/>
+            <a:ext cx="9922320" cy="1938731"/>
+          </a:xfrm>
+          <a:prstGeom prst="rect">
+            <a:avLst/>
+          </a:prstGeom>
+          <a:solidFill>
+            <a:schemeClr val="accent1">
+              <a:lumMod val="20000"/>
+              <a:lumOff val="80000"/>
+            </a:schemeClr>
+          </a:solidFill>
+          <a:ln>
+            <a:solidFill>
+              <a:schemeClr val="accent1">
+                <a:lumMod val="50000"/>
+              </a:schemeClr>
+            </a:solidFill>
+          </a:ln>
+        </p:spPr>
+        <p:style>
+          <a:lnRef idx="2">
+            <a:schemeClr val="accent1">
+              <a:shade val="50000"/>
+            </a:schemeClr>
+          </a:lnRef>
+          <a:fillRef idx="1">
+            <a:schemeClr val="accent1"/>
+          </a:fillRef>
+          <a:effectRef idx="0">
+            <a:schemeClr val="accent1"/>
+          </a:effectRef>
+          <a:fontRef idx="minor">
+            <a:schemeClr val="lt1"/>
+          </a:fontRef>
+        </p:style>
+        <p:txBody>
+          <a:bodyPr tIns="36000" rtlCol="0" anchor="t" anchorCtr="0"/>
+          <a:lstStyle/>
+          <a:p>
+            <a:r>
+              <a:rPr lang="en-US" b="1" dirty="0">
+                <a:solidFill>
+                  <a:schemeClr val="tx1"/>
+                </a:solidFill>
+              </a:rPr>
+              <a:t>Acceptance Criteria</a:t>
+            </a:r>
+            <a:endParaRPr lang="en-US" dirty="0">
+              <a:solidFill>
+                <a:schemeClr val="tx1"/>
+              </a:solidFill>
+            </a:endParaRPr>
+          </a:p>
+          <a:p>
+            <a:pPr marL="285750" indent="-285750">
+              <a:buFont typeface="Arial" panose="020B0604020202020204" pitchFamily="34" charset="0"/>
+              <a:buChar char="•"/>
+            </a:pPr>
+            <a:r>
+              <a:rPr lang="en-US" dirty="0">
+                <a:solidFill>
+                  <a:schemeClr val="tx1"/>
+                </a:solidFill>
+              </a:rPr>
+              <a:t>Access to separate page from main users for logging in</a:t>
+            </a:r>
+          </a:p>
+          <a:p>
+            <a:pPr marL="285750" indent="-285750">
+              <a:buFont typeface="Arial" panose="020B0604020202020204" pitchFamily="34" charset="0"/>
+              <a:buChar char="•"/>
+            </a:pPr>
+            <a:r>
+              <a:rPr lang="en-US" dirty="0">
+                <a:solidFill>
+                  <a:schemeClr val="tx1"/>
+                </a:solidFill>
+              </a:rPr>
+              <a:t>Relevant </a:t>
+            </a:r>
+            <a:r>
+              <a:rPr lang="en-US" dirty="0" err="1">
+                <a:solidFill>
+                  <a:schemeClr val="tx1"/>
+                </a:solidFill>
+              </a:rPr>
+              <a:t>synchronisation</a:t>
+            </a:r>
+            <a:r>
+              <a:rPr lang="en-US" dirty="0">
+                <a:solidFill>
+                  <a:schemeClr val="tx1"/>
+                </a:solidFill>
+              </a:rPr>
+              <a:t> with database</a:t>
+            </a:r>
+          </a:p>
+        </p:txBody>
+      </p:sp>
+      <p:sp>
+        <p:nvSpPr>
+          <p:cNvPr id="11" name="Rectangle 10"/>
+          <p:cNvSpPr/>
+          <p:nvPr/>
+        </p:nvSpPr>
+        <p:spPr>
+          <a:xfrm>
+            <a:off x="10290152" y="109410"/>
+            <a:ext cx="814321" cy="900088"/>
+          </a:xfrm>
+          <a:prstGeom prst="rect">
+            <a:avLst/>
+          </a:prstGeom>
+          <a:solidFill>
+            <a:srgbClr val="CCF0CD">
+              <a:alpha val="20000"/>
+            </a:srgbClr>
+          </a:solidFill>
+          <a:ln>
+            <a:solidFill>
+              <a:schemeClr val="accent1">
+                <a:lumMod val="50000"/>
+              </a:schemeClr>
+            </a:solidFill>
+          </a:ln>
+        </p:spPr>
+        <p:style>
+          <a:lnRef idx="2">
+            <a:schemeClr val="accent1">
+              <a:shade val="50000"/>
+            </a:schemeClr>
+          </a:lnRef>
+          <a:fillRef idx="1">
+            <a:schemeClr val="accent1"/>
+          </a:fillRef>
+          <a:effectRef idx="0">
+            <a:schemeClr val="accent1"/>
+          </a:effectRef>
+          <a:fontRef idx="minor">
+            <a:schemeClr val="lt1"/>
+          </a:fontRef>
+        </p:style>
+        <p:txBody>
+          <a:bodyPr wrap="square" lIns="0" rIns="0" rtlCol="0" anchor="ctr"/>
+          <a:lstStyle/>
+          <a:p>
+            <a:pPr algn="ctr"/>
+            <a:r>
+              <a:rPr lang="en-AU" sz="2000" dirty="0">
+                <a:solidFill>
+                  <a:schemeClr val="tx1"/>
+                </a:solidFill>
+              </a:rPr>
+              <a:t>Story Points</a:t>
+            </a:r>
+          </a:p>
+          <a:p>
+            <a:pPr algn="ctr"/>
+            <a:r>
+              <a:rPr lang="en-AU" sz="2000" dirty="0">
+                <a:solidFill>
+                  <a:schemeClr val="tx1"/>
+                </a:solidFill>
+              </a:rPr>
+              <a:t>4</a:t>
+            </a:r>
+          </a:p>
+        </p:txBody>
+      </p:sp>
+      <p:sp>
+        <p:nvSpPr>
+          <p:cNvPr id="12" name="Rectangle 11"/>
+          <p:cNvSpPr/>
+          <p:nvPr/>
+        </p:nvSpPr>
+        <p:spPr>
+          <a:xfrm>
+            <a:off x="9426153" y="109409"/>
+            <a:ext cx="792000" cy="761099"/>
+          </a:xfrm>
+          <a:prstGeom prst="rect">
+            <a:avLst/>
+          </a:prstGeom>
+          <a:solidFill>
+            <a:schemeClr val="accent4">
+              <a:lumMod val="20000"/>
+              <a:lumOff val="80000"/>
+            </a:schemeClr>
+          </a:solidFill>
+          <a:ln>
+            <a:solidFill>
+              <a:schemeClr val="accent1">
+                <a:lumMod val="50000"/>
+              </a:schemeClr>
+            </a:solidFill>
+          </a:ln>
+        </p:spPr>
+        <p:style>
+          <a:lnRef idx="2">
+            <a:schemeClr val="accent1">
+              <a:shade val="50000"/>
+            </a:schemeClr>
+          </a:lnRef>
+          <a:fillRef idx="1">
+            <a:schemeClr val="accent1"/>
+          </a:fillRef>
+          <a:effectRef idx="0">
+            <a:schemeClr val="accent1"/>
+          </a:effectRef>
+          <a:fontRef idx="minor">
+            <a:schemeClr val="lt1"/>
+          </a:fontRef>
+        </p:style>
+        <p:txBody>
+          <a:bodyPr wrap="none" lIns="0" rIns="0" rtlCol="0" anchor="ctr"/>
+          <a:lstStyle/>
+          <a:p>
+            <a:pPr algn="ctr"/>
+            <a:r>
+              <a:rPr lang="en-AU" sz="2000" dirty="0">
+                <a:solidFill>
+                  <a:schemeClr val="tx1"/>
+                </a:solidFill>
+              </a:rPr>
+              <a:t>Priority</a:t>
+            </a:r>
+          </a:p>
+          <a:p>
+            <a:pPr algn="ctr"/>
+            <a:r>
+              <a:rPr lang="en-AU" sz="2000" dirty="0">
+                <a:solidFill>
+                  <a:schemeClr val="tx1"/>
+                </a:solidFill>
+              </a:rPr>
+              <a:t>M</a:t>
+            </a:r>
+            <a:endParaRPr lang="en-AU" sz="2000" dirty="0">
+              <a:solidFill>
+                <a:schemeClr val="tx1"/>
+              </a:solidFill>
+            </a:endParaRPr>
+          </a:p>
+        </p:txBody>
+      </p:sp>
+      <p:sp>
+        <p:nvSpPr>
+          <p:cNvPr id="13" name="Rectangle 12"/>
+          <p:cNvSpPr/>
+          <p:nvPr/>
+        </p:nvSpPr>
+        <p:spPr>
+          <a:xfrm>
+            <a:off x="1182153" y="5157850"/>
+            <a:ext cx="9828000" cy="1620000"/>
+          </a:xfrm>
+          <a:prstGeom prst="rect">
+            <a:avLst/>
+          </a:prstGeom>
+          <a:solidFill>
+            <a:schemeClr val="bg1"/>
+          </a:solidFill>
+          <a:ln>
+            <a:solidFill>
+              <a:schemeClr val="accent1">
+                <a:lumMod val="50000"/>
+              </a:schemeClr>
+            </a:solidFill>
+          </a:ln>
+        </p:spPr>
+        <p:style>
+          <a:lnRef idx="2">
+            <a:schemeClr val="accent1">
+              <a:shade val="50000"/>
+            </a:schemeClr>
+          </a:lnRef>
+          <a:fillRef idx="1">
+            <a:schemeClr val="accent1"/>
+          </a:fillRef>
+          <a:effectRef idx="0">
+            <a:schemeClr val="accent1"/>
+          </a:effectRef>
+          <a:fontRef idx="minor">
+            <a:schemeClr val="lt1"/>
+          </a:fontRef>
+        </p:style>
+        <p:txBody>
+          <a:bodyPr tIns="36000" rtlCol="0" anchor="t" anchorCtr="0"/>
+          <a:lstStyle/>
+          <a:p>
+            <a:r>
+              <a:rPr lang="en-AU" sz="2000" dirty="0">
+                <a:solidFill>
+                  <a:schemeClr val="tx1"/>
+                </a:solidFill>
+              </a:rPr>
+              <a:t>Notes</a:t>
+            </a:r>
+          </a:p>
+          <a:p>
+            <a:pPr marL="179388" indent="-179388">
+              <a:buFont typeface="Arial" pitchFamily="34" charset="0"/>
+              <a:buChar char="•"/>
+            </a:pPr>
+            <a:r>
+              <a:rPr lang="en-AU" sz="2000" dirty="0">
+                <a:solidFill>
+                  <a:schemeClr val="tx1"/>
+                </a:solidFill>
+              </a:rPr>
+              <a:t> </a:t>
+            </a:r>
+          </a:p>
+        </p:txBody>
+      </p:sp>
+    </p:spTree>
+    <p:extLst>
+      <p:ext uri="{BB962C8B-B14F-4D97-AF65-F5344CB8AC3E}">
+        <p14:creationId xmlns:p14="http://schemas.microsoft.com/office/powerpoint/2010/main" val="2144559913"/>
       </p:ext>
     </p:extLst>
   </p:cSld>

--- a/IFB299 - Collaborated User Stories - 2.pptx
+++ b/IFB299 - Collaborated User Stories - 2.pptx
@@ -37,8 +37,10 @@
     <p:sldId id="330" r:id="rId31"/>
     <p:sldId id="331" r:id="rId32"/>
     <p:sldId id="332" r:id="rId33"/>
-    <p:sldId id="333" r:id="rId34"/>
-    <p:sldId id="340" r:id="rId35"/>
+    <p:sldId id="341" r:id="rId34"/>
+    <p:sldId id="333" r:id="rId35"/>
+    <p:sldId id="342" r:id="rId36"/>
+    <p:sldId id="340" r:id="rId37"/>
   </p:sldIdLst>
   <p:sldSz cx="12192000" cy="6858000"/>
   <p:notesSz cx="6858000" cy="9144000"/>
@@ -8599,15 +8601,7 @@
                   <a:schemeClr val="tx1"/>
                 </a:solidFill>
               </a:rPr>
-              <a:t>- </a:t>
-            </a:r>
-            <a:r>
-              <a:rPr lang="en-AU" sz="2000" dirty="0" smtClean="0">
-                <a:solidFill>
-                  <a:schemeClr val="tx1"/>
-                </a:solidFill>
-              </a:rPr>
-              <a:t>Have </a:t>
+              <a:t>- Have </a:t>
             </a:r>
             <a:r>
               <a:rPr lang="en-AU" sz="2000" dirty="0">
@@ -13759,23 +13753,7 @@
                   <a:schemeClr val="tx1"/>
                 </a:solidFill>
               </a:rPr>
-              <a:t>A selection box</a:t>
-            </a:r>
-            <a:r>
-              <a:rPr lang="en-AU" sz="2000" dirty="0" smtClean="0">
-                <a:solidFill>
-                  <a:schemeClr val="tx1"/>
-                </a:solidFill>
-              </a:rPr>
-              <a:t> to select </a:t>
-            </a:r>
-            <a:r>
-              <a:rPr lang="en-AU" sz="2000" dirty="0" smtClean="0">
-                <a:solidFill>
-                  <a:schemeClr val="tx1"/>
-                </a:solidFill>
-              </a:rPr>
-              <a:t>category (hotel, library, zoo, </a:t>
+              <a:t>A selection box to select category (hotel, library, zoo, </a:t>
             </a:r>
             <a:r>
               <a:rPr lang="en-AU" sz="2000" dirty="0" err="1" smtClean="0">
@@ -16165,7 +16143,7 @@
                   <a:schemeClr val="tx1"/>
                 </a:solidFill>
               </a:rPr>
-              <a:t>Story 41</a:t>
+              <a:t>Story 40</a:t>
             </a:r>
           </a:p>
         </p:txBody>
@@ -16213,9 +16191,10 @@
           <a:lstStyle/>
           <a:p>
             <a:r>
-              <a:rPr lang="en-US" altLang="ko-KR" sz="2800" b="1" dirty="0"/>
-              <a:t>User Account Removal</a:t>
-            </a:r>
+              <a:rPr lang="en-US" altLang="ko-KR" sz="2800" b="1" dirty="0" smtClean="0"/>
+              <a:t>Administrator – Database Creation</a:t>
+            </a:r>
+            <a:endParaRPr lang="en-US" altLang="ko-KR" sz="2800" b="1" dirty="0"/>
           </a:p>
         </p:txBody>
       </p:sp>
@@ -16268,13 +16247,18 @@
           <a:lstStyle/>
           <a:p>
             <a:r>
-              <a:rPr lang="en-AU" sz="2800" dirty="0">
-                <a:solidFill>
-                  <a:schemeClr val="tx1"/>
-                </a:solidFill>
-              </a:rPr>
-              <a:t>As an administrator I want to be able to remove user accounts so that I can manage user access</a:t>
-            </a:r>
+              <a:rPr lang="en-AU" sz="2800" dirty="0" smtClean="0">
+                <a:solidFill>
+                  <a:schemeClr val="tx1"/>
+                </a:solidFill>
+              </a:rPr>
+              <a:t>As a developer I want to create the database so that it can be filled with the relevant information.</a:t>
+            </a:r>
+            <a:endParaRPr lang="en-AU" sz="2800" dirty="0">
+              <a:solidFill>
+                <a:schemeClr val="tx1"/>
+              </a:solidFill>
+            </a:endParaRPr>
           </a:p>
         </p:txBody>
       </p:sp>
@@ -16341,13 +16325,26 @@
               <a:buChar char="•"/>
             </a:pPr>
             <a:r>
-              <a:rPr lang="en-AU" sz="2000" dirty="0">
-                <a:solidFill>
-                  <a:schemeClr val="tx1"/>
-                </a:solidFill>
-              </a:rPr>
-              <a:t>Button for removing user accounts</a:t>
-            </a:r>
+              <a:rPr lang="en-AU" sz="2000" dirty="0" smtClean="0">
+                <a:solidFill>
+                  <a:schemeClr val="tx1"/>
+                </a:solidFill>
+              </a:rPr>
+              <a:t>Create database in </a:t>
+            </a:r>
+            <a:r>
+              <a:rPr lang="en-AU" sz="2000" dirty="0" err="1" smtClean="0">
+                <a:solidFill>
+                  <a:schemeClr val="tx1"/>
+                </a:solidFill>
+              </a:rPr>
+              <a:t>sqlite</a:t>
+            </a:r>
+            <a:endParaRPr lang="en-AU" sz="2000" dirty="0" smtClean="0">
+              <a:solidFill>
+                <a:schemeClr val="tx1"/>
+              </a:solidFill>
+            </a:endParaRPr>
           </a:p>
           <a:p>
             <a:pPr marL="342900" indent="-342900">
@@ -16355,12 +16352,12 @@
               <a:buChar char="•"/>
             </a:pPr>
             <a:r>
-              <a:rPr lang="en-AU" sz="2000" dirty="0">
-                <a:solidFill>
-                  <a:schemeClr val="tx1"/>
-                </a:solidFill>
-              </a:rPr>
-              <a:t>Confirmation of action dialog</a:t>
+              <a:rPr lang="en-AU" sz="2000" dirty="0" smtClean="0">
+                <a:solidFill>
+                  <a:schemeClr val="tx1"/>
+                </a:solidFill>
+              </a:rPr>
+              <a:t>Creation of different tables for users, categories and information.</a:t>
             </a:r>
           </a:p>
           <a:p>
@@ -16369,12 +16366,12 @@
               <a:buChar char="•"/>
             </a:pPr>
             <a:r>
-              <a:rPr lang="en-AU" sz="2000" dirty="0">
-                <a:solidFill>
-                  <a:schemeClr val="tx1"/>
-                </a:solidFill>
-              </a:rPr>
-              <a:t>Synchronisation with user database</a:t>
+              <a:rPr lang="en-AU" sz="2000" dirty="0" smtClean="0">
+                <a:solidFill>
+                  <a:schemeClr val="tx1"/>
+                </a:solidFill>
+              </a:rPr>
+              <a:t>Addition of constraints for each field</a:t>
             </a:r>
           </a:p>
         </p:txBody>
@@ -16439,12 +16436,12 @@
           <a:p>
             <a:pPr algn="ctr"/>
             <a:r>
-              <a:rPr lang="en-AU" sz="2000" dirty="0">
-                <a:solidFill>
-                  <a:schemeClr val="tx1"/>
-                </a:solidFill>
-              </a:rPr>
-              <a:t>4</a:t>
+              <a:rPr lang="en-AU" sz="2000" dirty="0" smtClean="0">
+                <a:solidFill>
+                  <a:schemeClr val="tx1"/>
+                </a:solidFill>
+              </a:rPr>
+              <a:t>32</a:t>
             </a:r>
           </a:p>
         </p:txBody>
@@ -16593,7 +16590,7 @@
     </p:spTree>
     <p:extLst>
       <p:ext uri="{BB962C8B-B14F-4D97-AF65-F5344CB8AC3E}">
-        <p14:creationId xmlns:p14="http://schemas.microsoft.com/office/powerpoint/2010/main" val="564421043"/>
+        <p14:creationId xmlns:p14="http://schemas.microsoft.com/office/powerpoint/2010/main" val="19632270"/>
       </p:ext>
     </p:extLst>
   </p:cSld>
@@ -16675,15 +16672,756 @@
                   <a:schemeClr val="tx1"/>
                 </a:solidFill>
               </a:rPr>
-              <a:t>Story </a:t>
-            </a:r>
+              <a:t>Story 41</a:t>
+            </a:r>
+          </a:p>
+        </p:txBody>
+      </p:sp>
+      <p:sp>
+        <p:nvSpPr>
+          <p:cNvPr id="6" name="Rectangle 5"/>
+          <p:cNvSpPr/>
+          <p:nvPr/>
+        </p:nvSpPr>
+        <p:spPr>
+          <a:xfrm>
+            <a:off x="1974153" y="109410"/>
+            <a:ext cx="7380000" cy="761098"/>
+          </a:xfrm>
+          <a:prstGeom prst="rect">
+            <a:avLst/>
+          </a:prstGeom>
+          <a:ln>
+            <a:solidFill>
+              <a:schemeClr val="accent1">
+                <a:lumMod val="50000"/>
+              </a:schemeClr>
+            </a:solidFill>
+          </a:ln>
+        </p:spPr>
+        <p:style>
+          <a:lnRef idx="2">
+            <a:schemeClr val="accent1">
+              <a:shade val="50000"/>
+            </a:schemeClr>
+          </a:lnRef>
+          <a:fillRef idx="1">
+            <a:schemeClr val="accent1"/>
+          </a:fillRef>
+          <a:effectRef idx="0">
+            <a:schemeClr val="accent1"/>
+          </a:effectRef>
+          <a:fontRef idx="minor">
+            <a:schemeClr val="lt1"/>
+          </a:fontRef>
+        </p:style>
+        <p:txBody>
+          <a:bodyPr rtlCol="0" anchor="ctr"/>
+          <a:lstStyle/>
+          <a:p>
+            <a:r>
+              <a:rPr lang="en-US" altLang="ko-KR" sz="2800" b="1" dirty="0"/>
+              <a:t>User Account Removal</a:t>
+            </a:r>
+          </a:p>
+        </p:txBody>
+      </p:sp>
+      <p:sp>
+        <p:nvSpPr>
+          <p:cNvPr id="7" name="Rectangle 6"/>
+          <p:cNvSpPr/>
+          <p:nvPr/>
+        </p:nvSpPr>
+        <p:spPr>
+          <a:xfrm>
+            <a:off x="1182153" y="1158968"/>
+            <a:ext cx="9922320" cy="1642757"/>
+          </a:xfrm>
+          <a:prstGeom prst="rect">
+            <a:avLst/>
+          </a:prstGeom>
+          <a:solidFill>
+            <a:schemeClr val="tx2">
+              <a:lumMod val="20000"/>
+              <a:lumOff val="80000"/>
+            </a:schemeClr>
+          </a:solidFill>
+          <a:ln>
+            <a:solidFill>
+              <a:schemeClr val="accent1">
+                <a:lumMod val="50000"/>
+              </a:schemeClr>
+            </a:solidFill>
+          </a:ln>
+        </p:spPr>
+        <p:style>
+          <a:lnRef idx="2">
+            <a:schemeClr val="accent1">
+              <a:shade val="50000"/>
+            </a:schemeClr>
+          </a:lnRef>
+          <a:fillRef idx="1">
+            <a:schemeClr val="accent1"/>
+          </a:fillRef>
+          <a:effectRef idx="0">
+            <a:schemeClr val="accent1"/>
+          </a:effectRef>
+          <a:fontRef idx="minor">
+            <a:schemeClr val="lt1"/>
+          </a:fontRef>
+        </p:style>
+        <p:txBody>
+          <a:bodyPr rtlCol="0" anchor="t" anchorCtr="0"/>
+          <a:lstStyle/>
+          <a:p>
+            <a:r>
+              <a:rPr lang="en-AU" sz="2800" dirty="0">
+                <a:solidFill>
+                  <a:schemeClr val="tx1"/>
+                </a:solidFill>
+              </a:rPr>
+              <a:t>As an administrator I want to be able to remove user accounts so that I can manage user access</a:t>
+            </a:r>
+          </a:p>
+        </p:txBody>
+      </p:sp>
+      <p:sp>
+        <p:nvSpPr>
+          <p:cNvPr id="8" name="Rectangle 7"/>
+          <p:cNvSpPr/>
+          <p:nvPr/>
+        </p:nvSpPr>
+        <p:spPr>
+          <a:xfrm>
+            <a:off x="1182153" y="2991713"/>
+            <a:ext cx="9922320" cy="1938731"/>
+          </a:xfrm>
+          <a:prstGeom prst="rect">
+            <a:avLst/>
+          </a:prstGeom>
+          <a:solidFill>
+            <a:schemeClr val="accent1">
+              <a:lumMod val="20000"/>
+              <a:lumOff val="80000"/>
+            </a:schemeClr>
+          </a:solidFill>
+          <a:ln>
+            <a:solidFill>
+              <a:schemeClr val="accent1">
+                <a:lumMod val="50000"/>
+              </a:schemeClr>
+            </a:solidFill>
+          </a:ln>
+        </p:spPr>
+        <p:style>
+          <a:lnRef idx="2">
+            <a:schemeClr val="accent1">
+              <a:shade val="50000"/>
+            </a:schemeClr>
+          </a:lnRef>
+          <a:fillRef idx="1">
+            <a:schemeClr val="accent1"/>
+          </a:fillRef>
+          <a:effectRef idx="0">
+            <a:schemeClr val="accent1"/>
+          </a:effectRef>
+          <a:fontRef idx="minor">
+            <a:schemeClr val="lt1"/>
+          </a:fontRef>
+        </p:style>
+        <p:txBody>
+          <a:bodyPr tIns="36000" rtlCol="0" anchor="t" anchorCtr="0"/>
+          <a:lstStyle/>
+          <a:p>
+            <a:r>
+              <a:rPr lang="en-AU" sz="2000" dirty="0">
+                <a:solidFill>
+                  <a:schemeClr val="tx1"/>
+                </a:solidFill>
+              </a:rPr>
+              <a:t>Acceptance Criteria</a:t>
+            </a:r>
+          </a:p>
+          <a:p>
+            <a:pPr marL="342900" indent="-342900">
+              <a:buFont typeface="Arial" panose="020B0604020202020204" pitchFamily="34" charset="0"/>
+              <a:buChar char="•"/>
+            </a:pPr>
+            <a:r>
+              <a:rPr lang="en-AU" sz="2000" dirty="0">
+                <a:solidFill>
+                  <a:schemeClr val="tx1"/>
+                </a:solidFill>
+              </a:rPr>
+              <a:t>Button for removing user accounts</a:t>
+            </a:r>
+          </a:p>
+          <a:p>
+            <a:pPr marL="342900" indent="-342900">
+              <a:buFont typeface="Arial" panose="020B0604020202020204" pitchFamily="34" charset="0"/>
+              <a:buChar char="•"/>
+            </a:pPr>
+            <a:r>
+              <a:rPr lang="en-AU" sz="2000" dirty="0">
+                <a:solidFill>
+                  <a:schemeClr val="tx1"/>
+                </a:solidFill>
+              </a:rPr>
+              <a:t>Confirmation of action dialog</a:t>
+            </a:r>
+          </a:p>
+          <a:p>
+            <a:pPr marL="342900" indent="-342900">
+              <a:buFont typeface="Arial" panose="020B0604020202020204" pitchFamily="34" charset="0"/>
+              <a:buChar char="•"/>
+            </a:pPr>
+            <a:r>
+              <a:rPr lang="en-AU" sz="2000" dirty="0">
+                <a:solidFill>
+                  <a:schemeClr val="tx1"/>
+                </a:solidFill>
+              </a:rPr>
+              <a:t>Synchronisation with user database</a:t>
+            </a:r>
+          </a:p>
+        </p:txBody>
+      </p:sp>
+      <p:sp>
+        <p:nvSpPr>
+          <p:cNvPr id="11" name="Rectangle 10"/>
+          <p:cNvSpPr/>
+          <p:nvPr/>
+        </p:nvSpPr>
+        <p:spPr>
+          <a:xfrm>
+            <a:off x="10290152" y="109410"/>
+            <a:ext cx="814321" cy="900088"/>
+          </a:xfrm>
+          <a:prstGeom prst="rect">
+            <a:avLst/>
+          </a:prstGeom>
+          <a:solidFill>
+            <a:srgbClr val="CCF0CD">
+              <a:alpha val="20000"/>
+            </a:srgbClr>
+          </a:solidFill>
+          <a:ln>
+            <a:solidFill>
+              <a:schemeClr val="accent1">
+                <a:lumMod val="50000"/>
+              </a:schemeClr>
+            </a:solidFill>
+          </a:ln>
+        </p:spPr>
+        <p:style>
+          <a:lnRef idx="2">
+            <a:schemeClr val="accent1">
+              <a:shade val="50000"/>
+            </a:schemeClr>
+          </a:lnRef>
+          <a:fillRef idx="1">
+            <a:schemeClr val="accent1"/>
+          </a:fillRef>
+          <a:effectRef idx="0">
+            <a:schemeClr val="accent1"/>
+          </a:effectRef>
+          <a:fontRef idx="minor">
+            <a:schemeClr val="lt1"/>
+          </a:fontRef>
+        </p:style>
+        <p:txBody>
+          <a:bodyPr wrap="square" lIns="0" rIns="0" rtlCol="0" anchor="ctr"/>
+          <a:lstStyle/>
+          <a:p>
+            <a:pPr algn="ctr"/>
+            <a:r>
+              <a:rPr lang="en-AU" sz="2000" dirty="0">
+                <a:solidFill>
+                  <a:schemeClr val="tx1"/>
+                </a:solidFill>
+              </a:rPr>
+              <a:t>Story Points</a:t>
+            </a:r>
+          </a:p>
+          <a:p>
+            <a:pPr algn="ctr"/>
+            <a:r>
+              <a:rPr lang="en-AU" sz="2000" dirty="0">
+                <a:solidFill>
+                  <a:schemeClr val="tx1"/>
+                </a:solidFill>
+              </a:rPr>
+              <a:t>4</a:t>
+            </a:r>
+          </a:p>
+        </p:txBody>
+      </p:sp>
+      <p:sp>
+        <p:nvSpPr>
+          <p:cNvPr id="12" name="Rectangle 11"/>
+          <p:cNvSpPr/>
+          <p:nvPr/>
+        </p:nvSpPr>
+        <p:spPr>
+          <a:xfrm>
+            <a:off x="9426153" y="109409"/>
+            <a:ext cx="792000" cy="761099"/>
+          </a:xfrm>
+          <a:prstGeom prst="rect">
+            <a:avLst/>
+          </a:prstGeom>
+          <a:solidFill>
+            <a:schemeClr val="accent4">
+              <a:lumMod val="20000"/>
+              <a:lumOff val="80000"/>
+            </a:schemeClr>
+          </a:solidFill>
+          <a:ln>
+            <a:solidFill>
+              <a:schemeClr val="accent1">
+                <a:lumMod val="50000"/>
+              </a:schemeClr>
+            </a:solidFill>
+          </a:ln>
+        </p:spPr>
+        <p:style>
+          <a:lnRef idx="2">
+            <a:schemeClr val="accent1">
+              <a:shade val="50000"/>
+            </a:schemeClr>
+          </a:lnRef>
+          <a:fillRef idx="1">
+            <a:schemeClr val="accent1"/>
+          </a:fillRef>
+          <a:effectRef idx="0">
+            <a:schemeClr val="accent1"/>
+          </a:effectRef>
+          <a:fontRef idx="minor">
+            <a:schemeClr val="lt1"/>
+          </a:fontRef>
+        </p:style>
+        <p:txBody>
+          <a:bodyPr wrap="none" lIns="0" rIns="0" rtlCol="0" anchor="ctr"/>
+          <a:lstStyle/>
+          <a:p>
+            <a:pPr algn="ctr"/>
+            <a:r>
+              <a:rPr lang="en-AU" sz="2000" dirty="0">
+                <a:solidFill>
+                  <a:schemeClr val="tx1"/>
+                </a:solidFill>
+              </a:rPr>
+              <a:t>Priority</a:t>
+            </a:r>
+          </a:p>
+          <a:p>
+            <a:pPr algn="ctr"/>
+            <a:r>
+              <a:rPr lang="en-AU" sz="2000" dirty="0">
+                <a:solidFill>
+                  <a:schemeClr val="tx1"/>
+                </a:solidFill>
+              </a:rPr>
+              <a:t>C</a:t>
+            </a:r>
+          </a:p>
+        </p:txBody>
+      </p:sp>
+      <p:sp>
+        <p:nvSpPr>
+          <p:cNvPr id="13" name="Rectangle 12"/>
+          <p:cNvSpPr/>
+          <p:nvPr/>
+        </p:nvSpPr>
+        <p:spPr>
+          <a:xfrm>
+            <a:off x="1182153" y="5157850"/>
+            <a:ext cx="9828000" cy="1620000"/>
+          </a:xfrm>
+          <a:prstGeom prst="rect">
+            <a:avLst/>
+          </a:prstGeom>
+          <a:solidFill>
+            <a:schemeClr val="bg1"/>
+          </a:solidFill>
+          <a:ln>
+            <a:solidFill>
+              <a:schemeClr val="accent1">
+                <a:lumMod val="50000"/>
+              </a:schemeClr>
+            </a:solidFill>
+          </a:ln>
+        </p:spPr>
+        <p:style>
+          <a:lnRef idx="2">
+            <a:schemeClr val="accent1">
+              <a:shade val="50000"/>
+            </a:schemeClr>
+          </a:lnRef>
+          <a:fillRef idx="1">
+            <a:schemeClr val="accent1"/>
+          </a:fillRef>
+          <a:effectRef idx="0">
+            <a:schemeClr val="accent1"/>
+          </a:effectRef>
+          <a:fontRef idx="minor">
+            <a:schemeClr val="lt1"/>
+          </a:fontRef>
+        </p:style>
+        <p:txBody>
+          <a:bodyPr tIns="36000" rtlCol="0" anchor="t" anchorCtr="0"/>
+          <a:lstStyle/>
+          <a:p>
+            <a:r>
+              <a:rPr lang="en-AU" sz="2000" dirty="0">
+                <a:solidFill>
+                  <a:schemeClr val="tx1"/>
+                </a:solidFill>
+              </a:rPr>
+              <a:t>Notes</a:t>
+            </a:r>
+          </a:p>
+          <a:p>
+            <a:pPr marL="179388" indent="-179388">
+              <a:buFont typeface="Arial" pitchFamily="34" charset="0"/>
+              <a:buChar char="•"/>
+            </a:pPr>
+            <a:r>
+              <a:rPr lang="en-AU" sz="2000" dirty="0">
+                <a:solidFill>
+                  <a:schemeClr val="tx1"/>
+                </a:solidFill>
+              </a:rPr>
+              <a:t> </a:t>
+            </a:r>
+          </a:p>
+        </p:txBody>
+      </p:sp>
+    </p:spTree>
+    <p:extLst>
+      <p:ext uri="{BB962C8B-B14F-4D97-AF65-F5344CB8AC3E}">
+        <p14:creationId xmlns:p14="http://schemas.microsoft.com/office/powerpoint/2010/main" val="564421043"/>
+      </p:ext>
+    </p:extLst>
+  </p:cSld>
+  <p:clrMapOvr>
+    <a:masterClrMapping/>
+  </p:clrMapOvr>
+</p:sld>
+</file>
+
+<file path=ppt/slides/slide35.xml><?xml version="1.0" encoding="utf-8"?>
+<p:sld xmlns:a="http://schemas.openxmlformats.org/drawingml/2006/main" xmlns:r="http://schemas.openxmlformats.org/officeDocument/2006/relationships" xmlns:p="http://schemas.openxmlformats.org/presentationml/2006/main">
+  <p:cSld>
+    <p:spTree>
+      <p:nvGrpSpPr>
+        <p:cNvPr id="1" name=""/>
+        <p:cNvGrpSpPr/>
+        <p:nvPr/>
+      </p:nvGrpSpPr>
+      <p:grpSpPr>
+        <a:xfrm>
+          <a:off x="0" y="0"/>
+          <a:ext cx="0" cy="0"/>
+          <a:chOff x="0" y="0"/>
+          <a:chExt cx="0" cy="0"/>
+        </a:xfrm>
+      </p:grpSpPr>
+      <p:sp>
+        <p:nvSpPr>
+          <p:cNvPr id="4" name="Rectangle 3"/>
+          <p:cNvSpPr/>
+          <p:nvPr/>
+        </p:nvSpPr>
+        <p:spPr>
+          <a:xfrm>
+            <a:off x="1182153" y="109410"/>
+            <a:ext cx="720000" cy="761098"/>
+          </a:xfrm>
+          <a:prstGeom prst="rect">
+            <a:avLst/>
+          </a:prstGeom>
+          <a:solidFill>
+            <a:schemeClr val="accent1">
+              <a:lumMod val="40000"/>
+              <a:lumOff val="60000"/>
+            </a:schemeClr>
+          </a:solidFill>
+          <a:ln>
+            <a:solidFill>
+              <a:schemeClr val="accent1">
+                <a:lumMod val="50000"/>
+              </a:schemeClr>
+            </a:solidFill>
+          </a:ln>
+        </p:spPr>
+        <p:style>
+          <a:lnRef idx="2">
+            <a:schemeClr val="accent1">
+              <a:shade val="50000"/>
+            </a:schemeClr>
+          </a:lnRef>
+          <a:fillRef idx="1">
+            <a:schemeClr val="accent1"/>
+          </a:fillRef>
+          <a:effectRef idx="0">
+            <a:schemeClr val="accent1"/>
+          </a:effectRef>
+          <a:fontRef idx="minor">
+            <a:schemeClr val="lt1"/>
+          </a:fontRef>
+        </p:style>
+        <p:txBody>
+          <a:bodyPr wrap="square" lIns="0" rIns="0" rtlCol="0" anchor="ctr"/>
+          <a:lstStyle/>
+          <a:p>
+            <a:pPr algn="ctr"/>
+            <a:r>
+              <a:rPr lang="en-AU" sz="2000" dirty="0">
+                <a:solidFill>
+                  <a:schemeClr val="tx1"/>
+                </a:solidFill>
+              </a:rPr>
+              <a:t>Story 41</a:t>
+            </a:r>
+          </a:p>
+        </p:txBody>
+      </p:sp>
+      <p:sp>
+        <p:nvSpPr>
+          <p:cNvPr id="6" name="Rectangle 5"/>
+          <p:cNvSpPr/>
+          <p:nvPr/>
+        </p:nvSpPr>
+        <p:spPr>
+          <a:xfrm>
+            <a:off x="1974153" y="109410"/>
+            <a:ext cx="7380000" cy="761098"/>
+          </a:xfrm>
+          <a:prstGeom prst="rect">
+            <a:avLst/>
+          </a:prstGeom>
+          <a:ln>
+            <a:solidFill>
+              <a:schemeClr val="accent1">
+                <a:lumMod val="50000"/>
+              </a:schemeClr>
+            </a:solidFill>
+          </a:ln>
+        </p:spPr>
+        <p:style>
+          <a:lnRef idx="2">
+            <a:schemeClr val="accent1">
+              <a:shade val="50000"/>
+            </a:schemeClr>
+          </a:lnRef>
+          <a:fillRef idx="1">
+            <a:schemeClr val="accent1"/>
+          </a:fillRef>
+          <a:effectRef idx="0">
+            <a:schemeClr val="accent1"/>
+          </a:effectRef>
+          <a:fontRef idx="minor">
+            <a:schemeClr val="lt1"/>
+          </a:fontRef>
+        </p:style>
+        <p:txBody>
+          <a:bodyPr rtlCol="0" anchor="ctr"/>
+          <a:lstStyle/>
+          <a:p>
+            <a:r>
+              <a:rPr lang="en-US" altLang="ko-KR" sz="2800" b="1" dirty="0" smtClean="0"/>
+              <a:t>Administrator Account Creation</a:t>
+            </a:r>
+            <a:endParaRPr lang="en-US" altLang="ko-KR" sz="2800" b="1" dirty="0"/>
+          </a:p>
+        </p:txBody>
+      </p:sp>
+      <p:sp>
+        <p:nvSpPr>
+          <p:cNvPr id="7" name="Rectangle 6"/>
+          <p:cNvSpPr/>
+          <p:nvPr/>
+        </p:nvSpPr>
+        <p:spPr>
+          <a:xfrm>
+            <a:off x="1182153" y="1158968"/>
+            <a:ext cx="9922320" cy="1642757"/>
+          </a:xfrm>
+          <a:prstGeom prst="rect">
+            <a:avLst/>
+          </a:prstGeom>
+          <a:solidFill>
+            <a:schemeClr val="tx2">
+              <a:lumMod val="20000"/>
+              <a:lumOff val="80000"/>
+            </a:schemeClr>
+          </a:solidFill>
+          <a:ln>
+            <a:solidFill>
+              <a:schemeClr val="accent1">
+                <a:lumMod val="50000"/>
+              </a:schemeClr>
+            </a:solidFill>
+          </a:ln>
+        </p:spPr>
+        <p:style>
+          <a:lnRef idx="2">
+            <a:schemeClr val="accent1">
+              <a:shade val="50000"/>
+            </a:schemeClr>
+          </a:lnRef>
+          <a:fillRef idx="1">
+            <a:schemeClr val="accent1"/>
+          </a:fillRef>
+          <a:effectRef idx="0">
+            <a:schemeClr val="accent1"/>
+          </a:effectRef>
+          <a:fontRef idx="minor">
+            <a:schemeClr val="lt1"/>
+          </a:fontRef>
+        </p:style>
+        <p:txBody>
+          <a:bodyPr rtlCol="0" anchor="t" anchorCtr="0"/>
+          <a:lstStyle/>
+          <a:p>
+            <a:r>
+              <a:rPr lang="en-US" sz="2800" dirty="0">
+                <a:solidFill>
+                  <a:schemeClr val="tx1"/>
+                </a:solidFill>
+              </a:rPr>
+              <a:t>As an administrator I want to be able to create/update an administrator account using a separate webpage so that I can manage administrator accounts</a:t>
+            </a:r>
+            <a:endParaRPr lang="en-AU" sz="2800" dirty="0">
+              <a:solidFill>
+                <a:schemeClr val="tx1"/>
+              </a:solidFill>
+            </a:endParaRPr>
+          </a:p>
+        </p:txBody>
+      </p:sp>
+      <p:sp>
+        <p:nvSpPr>
+          <p:cNvPr id="8" name="Rectangle 7"/>
+          <p:cNvSpPr/>
+          <p:nvPr/>
+        </p:nvSpPr>
+        <p:spPr>
+          <a:xfrm>
+            <a:off x="1182153" y="3010422"/>
+            <a:ext cx="9922320" cy="1938731"/>
+          </a:xfrm>
+          <a:prstGeom prst="rect">
+            <a:avLst/>
+          </a:prstGeom>
+          <a:solidFill>
+            <a:schemeClr val="accent1">
+              <a:lumMod val="20000"/>
+              <a:lumOff val="80000"/>
+            </a:schemeClr>
+          </a:solidFill>
+          <a:ln>
+            <a:solidFill>
+              <a:schemeClr val="accent1">
+                <a:lumMod val="50000"/>
+              </a:schemeClr>
+            </a:solidFill>
+          </a:ln>
+        </p:spPr>
+        <p:style>
+          <a:lnRef idx="2">
+            <a:schemeClr val="accent1">
+              <a:shade val="50000"/>
+            </a:schemeClr>
+          </a:lnRef>
+          <a:fillRef idx="1">
+            <a:schemeClr val="accent1"/>
+          </a:fillRef>
+          <a:effectRef idx="0">
+            <a:schemeClr val="accent1"/>
+          </a:effectRef>
+          <a:fontRef idx="minor">
+            <a:schemeClr val="lt1"/>
+          </a:fontRef>
+        </p:style>
+        <p:txBody>
+          <a:bodyPr tIns="36000" rtlCol="0" anchor="t" anchorCtr="0"/>
+          <a:lstStyle/>
+          <a:p>
+            <a:r>
+              <a:rPr lang="en-AU" sz="2000" b="1" dirty="0" smtClean="0">
+                <a:solidFill>
+                  <a:schemeClr val="tx1"/>
+                </a:solidFill>
+              </a:rPr>
+              <a:t>Acceptance Criteria</a:t>
+            </a:r>
+          </a:p>
+          <a:p>
+            <a:pPr marL="342900" indent="-342900">
+              <a:buFont typeface="Arial" panose="020B0604020202020204" pitchFamily="34" charset="0"/>
+              <a:buChar char="•"/>
+            </a:pPr>
             <a:r>
               <a:rPr lang="en-AU" sz="2000" dirty="0" smtClean="0">
                 <a:solidFill>
                   <a:schemeClr val="tx1"/>
                 </a:solidFill>
               </a:rPr>
-              <a:t>42</a:t>
+              <a:t>Button </a:t>
+            </a:r>
+            <a:r>
+              <a:rPr lang="en-AU" sz="2000" dirty="0">
+                <a:solidFill>
+                  <a:schemeClr val="tx1"/>
+                </a:solidFill>
+              </a:rPr>
+              <a:t>available only to administrators for creating/updating administrator user data</a:t>
+            </a:r>
+          </a:p>
+          <a:p>
+            <a:pPr marL="342900" indent="-342900">
+              <a:buFont typeface="Arial" panose="020B0604020202020204" pitchFamily="34" charset="0"/>
+              <a:buChar char="•"/>
+            </a:pPr>
+            <a:r>
+              <a:rPr lang="en-AU" sz="2000" dirty="0" smtClean="0">
+                <a:solidFill>
+                  <a:schemeClr val="tx1"/>
+                </a:solidFill>
+              </a:rPr>
+              <a:t> </a:t>
+            </a:r>
+            <a:r>
+              <a:rPr lang="en-AU" sz="2000" dirty="0">
+                <a:solidFill>
+                  <a:schemeClr val="tx1"/>
+                </a:solidFill>
+              </a:rPr>
+              <a:t>Relevant fields for creating/updating administrator user data</a:t>
+            </a:r>
+          </a:p>
+          <a:p>
+            <a:pPr marL="342900" indent="-342900">
+              <a:buFont typeface="Arial" panose="020B0604020202020204" pitchFamily="34" charset="0"/>
+              <a:buChar char="•"/>
+            </a:pPr>
+            <a:r>
+              <a:rPr lang="en-AU" sz="2000" dirty="0" smtClean="0">
+                <a:solidFill>
+                  <a:schemeClr val="tx1"/>
+                </a:solidFill>
+              </a:rPr>
+              <a:t> </a:t>
+            </a:r>
+            <a:r>
+              <a:rPr lang="en-AU" sz="2000" dirty="0">
+                <a:solidFill>
+                  <a:schemeClr val="tx1"/>
+                </a:solidFill>
+              </a:rPr>
+              <a:t>Synchronisation with relevant database fields</a:t>
             </a:r>
             <a:endParaRPr lang="en-AU" sz="2000" dirty="0">
               <a:solidFill>
@@ -16695,6 +17433,325 @@
       </p:sp>
       <p:sp>
         <p:nvSpPr>
+          <p:cNvPr id="11" name="Rectangle 10"/>
+          <p:cNvSpPr/>
+          <p:nvPr/>
+        </p:nvSpPr>
+        <p:spPr>
+          <a:xfrm>
+            <a:off x="10290152" y="109410"/>
+            <a:ext cx="814321" cy="900088"/>
+          </a:xfrm>
+          <a:prstGeom prst="rect">
+            <a:avLst/>
+          </a:prstGeom>
+          <a:solidFill>
+            <a:srgbClr val="CCF0CD">
+              <a:alpha val="20000"/>
+            </a:srgbClr>
+          </a:solidFill>
+          <a:ln>
+            <a:solidFill>
+              <a:schemeClr val="accent1">
+                <a:lumMod val="50000"/>
+              </a:schemeClr>
+            </a:solidFill>
+          </a:ln>
+        </p:spPr>
+        <p:style>
+          <a:lnRef idx="2">
+            <a:schemeClr val="accent1">
+              <a:shade val="50000"/>
+            </a:schemeClr>
+          </a:lnRef>
+          <a:fillRef idx="1">
+            <a:schemeClr val="accent1"/>
+          </a:fillRef>
+          <a:effectRef idx="0">
+            <a:schemeClr val="accent1"/>
+          </a:effectRef>
+          <a:fontRef idx="minor">
+            <a:schemeClr val="lt1"/>
+          </a:fontRef>
+        </p:style>
+        <p:txBody>
+          <a:bodyPr wrap="square" lIns="0" rIns="0" rtlCol="0" anchor="ctr"/>
+          <a:lstStyle/>
+          <a:p>
+            <a:pPr algn="ctr"/>
+            <a:r>
+              <a:rPr lang="en-AU" sz="2000" dirty="0">
+                <a:solidFill>
+                  <a:schemeClr val="tx1"/>
+                </a:solidFill>
+              </a:rPr>
+              <a:t>Story Points</a:t>
+            </a:r>
+          </a:p>
+          <a:p>
+            <a:pPr algn="ctr"/>
+            <a:r>
+              <a:rPr lang="en-AU" sz="2000" dirty="0">
+                <a:solidFill>
+                  <a:schemeClr val="tx1"/>
+                </a:solidFill>
+              </a:rPr>
+              <a:t>4</a:t>
+            </a:r>
+          </a:p>
+        </p:txBody>
+      </p:sp>
+      <p:sp>
+        <p:nvSpPr>
+          <p:cNvPr id="12" name="Rectangle 11"/>
+          <p:cNvSpPr/>
+          <p:nvPr/>
+        </p:nvSpPr>
+        <p:spPr>
+          <a:xfrm>
+            <a:off x="9426153" y="109409"/>
+            <a:ext cx="792000" cy="761099"/>
+          </a:xfrm>
+          <a:prstGeom prst="rect">
+            <a:avLst/>
+          </a:prstGeom>
+          <a:solidFill>
+            <a:schemeClr val="accent4">
+              <a:lumMod val="20000"/>
+              <a:lumOff val="80000"/>
+            </a:schemeClr>
+          </a:solidFill>
+          <a:ln>
+            <a:solidFill>
+              <a:schemeClr val="accent1">
+                <a:lumMod val="50000"/>
+              </a:schemeClr>
+            </a:solidFill>
+          </a:ln>
+        </p:spPr>
+        <p:style>
+          <a:lnRef idx="2">
+            <a:schemeClr val="accent1">
+              <a:shade val="50000"/>
+            </a:schemeClr>
+          </a:lnRef>
+          <a:fillRef idx="1">
+            <a:schemeClr val="accent1"/>
+          </a:fillRef>
+          <a:effectRef idx="0">
+            <a:schemeClr val="accent1"/>
+          </a:effectRef>
+          <a:fontRef idx="minor">
+            <a:schemeClr val="lt1"/>
+          </a:fontRef>
+        </p:style>
+        <p:txBody>
+          <a:bodyPr wrap="none" lIns="0" rIns="0" rtlCol="0" anchor="ctr"/>
+          <a:lstStyle/>
+          <a:p>
+            <a:pPr algn="ctr"/>
+            <a:r>
+              <a:rPr lang="en-AU" sz="2000" dirty="0">
+                <a:solidFill>
+                  <a:schemeClr val="tx1"/>
+                </a:solidFill>
+              </a:rPr>
+              <a:t>Priority</a:t>
+            </a:r>
+          </a:p>
+          <a:p>
+            <a:pPr algn="ctr"/>
+            <a:r>
+              <a:rPr lang="en-AU" sz="2000" dirty="0" smtClean="0">
+                <a:solidFill>
+                  <a:schemeClr val="tx1"/>
+                </a:solidFill>
+              </a:rPr>
+              <a:t>M</a:t>
+            </a:r>
+            <a:endParaRPr lang="en-AU" sz="2000" dirty="0">
+              <a:solidFill>
+                <a:schemeClr val="tx1"/>
+              </a:solidFill>
+            </a:endParaRPr>
+          </a:p>
+        </p:txBody>
+      </p:sp>
+      <p:sp>
+        <p:nvSpPr>
+          <p:cNvPr id="13" name="Rectangle 12"/>
+          <p:cNvSpPr/>
+          <p:nvPr/>
+        </p:nvSpPr>
+        <p:spPr>
+          <a:xfrm>
+            <a:off x="1182153" y="5157850"/>
+            <a:ext cx="9828000" cy="1620000"/>
+          </a:xfrm>
+          <a:prstGeom prst="rect">
+            <a:avLst/>
+          </a:prstGeom>
+          <a:solidFill>
+            <a:schemeClr val="bg1"/>
+          </a:solidFill>
+          <a:ln>
+            <a:solidFill>
+              <a:schemeClr val="accent1">
+                <a:lumMod val="50000"/>
+              </a:schemeClr>
+            </a:solidFill>
+          </a:ln>
+        </p:spPr>
+        <p:style>
+          <a:lnRef idx="2">
+            <a:schemeClr val="accent1">
+              <a:shade val="50000"/>
+            </a:schemeClr>
+          </a:lnRef>
+          <a:fillRef idx="1">
+            <a:schemeClr val="accent1"/>
+          </a:fillRef>
+          <a:effectRef idx="0">
+            <a:schemeClr val="accent1"/>
+          </a:effectRef>
+          <a:fontRef idx="minor">
+            <a:schemeClr val="lt1"/>
+          </a:fontRef>
+        </p:style>
+        <p:txBody>
+          <a:bodyPr tIns="36000" rtlCol="0" anchor="t" anchorCtr="0"/>
+          <a:lstStyle/>
+          <a:p>
+            <a:r>
+              <a:rPr lang="en-AU" sz="2000" dirty="0">
+                <a:solidFill>
+                  <a:schemeClr val="tx1"/>
+                </a:solidFill>
+              </a:rPr>
+              <a:t>Notes</a:t>
+            </a:r>
+          </a:p>
+          <a:p>
+            <a:pPr marL="179388" indent="-179388">
+              <a:buFont typeface="Arial" pitchFamily="34" charset="0"/>
+              <a:buChar char="•"/>
+            </a:pPr>
+            <a:r>
+              <a:rPr lang="en-AU" sz="2000" dirty="0">
+                <a:solidFill>
+                  <a:schemeClr val="tx1"/>
+                </a:solidFill>
+              </a:rPr>
+              <a:t> </a:t>
+            </a:r>
+          </a:p>
+        </p:txBody>
+      </p:sp>
+    </p:spTree>
+    <p:extLst>
+      <p:ext uri="{BB962C8B-B14F-4D97-AF65-F5344CB8AC3E}">
+        <p14:creationId xmlns:p14="http://schemas.microsoft.com/office/powerpoint/2010/main" val="209282961"/>
+      </p:ext>
+    </p:extLst>
+  </p:cSld>
+  <p:clrMapOvr>
+    <a:masterClrMapping/>
+  </p:clrMapOvr>
+</p:sld>
+</file>
+
+<file path=ppt/slides/slide36.xml><?xml version="1.0" encoding="utf-8"?>
+<p:sld xmlns:a="http://schemas.openxmlformats.org/drawingml/2006/main" xmlns:r="http://schemas.openxmlformats.org/officeDocument/2006/relationships" xmlns:p="http://schemas.openxmlformats.org/presentationml/2006/main">
+  <p:cSld>
+    <p:spTree>
+      <p:nvGrpSpPr>
+        <p:cNvPr id="1" name=""/>
+        <p:cNvGrpSpPr/>
+        <p:nvPr/>
+      </p:nvGrpSpPr>
+      <p:grpSpPr>
+        <a:xfrm>
+          <a:off x="0" y="0"/>
+          <a:ext cx="0" cy="0"/>
+          <a:chOff x="0" y="0"/>
+          <a:chExt cx="0" cy="0"/>
+        </a:xfrm>
+      </p:grpSpPr>
+      <p:sp>
+        <p:nvSpPr>
+          <p:cNvPr id="4" name="Rectangle 3"/>
+          <p:cNvSpPr/>
+          <p:nvPr/>
+        </p:nvSpPr>
+        <p:spPr>
+          <a:xfrm>
+            <a:off x="1182153" y="109410"/>
+            <a:ext cx="720000" cy="761098"/>
+          </a:xfrm>
+          <a:prstGeom prst="rect">
+            <a:avLst/>
+          </a:prstGeom>
+          <a:solidFill>
+            <a:schemeClr val="accent1">
+              <a:lumMod val="40000"/>
+              <a:lumOff val="60000"/>
+            </a:schemeClr>
+          </a:solidFill>
+          <a:ln>
+            <a:solidFill>
+              <a:schemeClr val="accent1">
+                <a:lumMod val="50000"/>
+              </a:schemeClr>
+            </a:solidFill>
+          </a:ln>
+        </p:spPr>
+        <p:style>
+          <a:lnRef idx="2">
+            <a:schemeClr val="accent1">
+              <a:shade val="50000"/>
+            </a:schemeClr>
+          </a:lnRef>
+          <a:fillRef idx="1">
+            <a:schemeClr val="accent1"/>
+          </a:fillRef>
+          <a:effectRef idx="0">
+            <a:schemeClr val="accent1"/>
+          </a:effectRef>
+          <a:fontRef idx="minor">
+            <a:schemeClr val="lt1"/>
+          </a:fontRef>
+        </p:style>
+        <p:txBody>
+          <a:bodyPr wrap="square" lIns="0" rIns="0" rtlCol="0" anchor="ctr"/>
+          <a:lstStyle/>
+          <a:p>
+            <a:pPr algn="ctr"/>
+            <a:r>
+              <a:rPr lang="en-AU" sz="2000" dirty="0">
+                <a:solidFill>
+                  <a:schemeClr val="tx1"/>
+                </a:solidFill>
+              </a:rPr>
+              <a:t>Story </a:t>
+            </a:r>
+            <a:r>
+              <a:rPr lang="en-AU" sz="2000" dirty="0" smtClean="0">
+                <a:solidFill>
+                  <a:schemeClr val="tx1"/>
+                </a:solidFill>
+              </a:rPr>
+              <a:t>42</a:t>
+            </a:r>
+            <a:endParaRPr lang="en-AU" sz="2000" dirty="0">
+              <a:solidFill>
+                <a:schemeClr val="tx1"/>
+              </a:solidFill>
+            </a:endParaRPr>
+          </a:p>
+        </p:txBody>
+      </p:sp>
+      <p:sp>
+        <p:nvSpPr>
           <p:cNvPr id="6" name="Rectangle 5"/>
           <p:cNvSpPr/>
           <p:nvPr/>
@@ -17061,11 +18118,6 @@
               </a:rPr>
               <a:t>M</a:t>
             </a:r>
-            <a:endParaRPr lang="en-AU" sz="2000" dirty="0">
-              <a:solidFill>
-                <a:schemeClr val="tx1"/>
-              </a:solidFill>
-            </a:endParaRPr>
           </a:p>
         </p:txBody>
       </p:sp>
@@ -17419,8 +18471,35 @@
                   <a:schemeClr val="tx1"/>
                 </a:solidFill>
               </a:rPr>
-              <a:t>Accessing this link returns the user to the homepage</a:t>
-            </a:r>
+              <a:t>Accessing this link returns the user to the </a:t>
+            </a:r>
+            <a:r>
+              <a:rPr lang="en-AU" sz="2000" dirty="0" smtClean="0">
+                <a:solidFill>
+                  <a:schemeClr val="tx1"/>
+                </a:solidFill>
+              </a:rPr>
+              <a:t>homepage</a:t>
+            </a:r>
+          </a:p>
+          <a:p>
+            <a:pPr marL="342900" indent="-342900">
+              <a:buFontTx/>
+              <a:buChar char="-"/>
+            </a:pPr>
+            <a:r>
+              <a:rPr lang="en-AU" sz="2000" smtClean="0">
+                <a:solidFill>
+                  <a:schemeClr val="tx1"/>
+                </a:solidFill>
+              </a:rPr>
+              <a:t>Accessible via URL</a:t>
+            </a:r>
+            <a:endParaRPr lang="en-AU" sz="2000" dirty="0">
+              <a:solidFill>
+                <a:schemeClr val="tx1"/>
+              </a:solidFill>
+            </a:endParaRPr>
           </a:p>
         </p:txBody>
       </p:sp>

--- a/IFB299 - Collaborated User Stories - 2.pptx
+++ b/IFB299 - Collaborated User Stories - 2.pptx
@@ -2,7 +2,7 @@
 <file path=ppt/presentation.xml><?xml version="1.0" encoding="utf-8"?>
 <p:presentation xmlns:a="http://schemas.openxmlformats.org/drawingml/2006/main" xmlns:r="http://schemas.openxmlformats.org/officeDocument/2006/relationships" xmlns:p="http://schemas.openxmlformats.org/presentationml/2006/main" saveSubsetFonts="1">
   <p:sldMasterIdLst>
-    <p:sldMasterId id="2147483648" r:id="rId1"/>
+    <p:sldMasterId id="2147483672" r:id="rId1"/>
   </p:sldMasterIdLst>
   <p:sldIdLst>
     <p:sldId id="292" r:id="rId2"/>
@@ -46,9 +46,9 @@
   <p:notesSz cx="6858000" cy="9144000"/>
   <p:defaultTextStyle>
     <a:defPPr>
-      <a:defRPr lang="ko-KR"/>
+      <a:defRPr lang="en-US"/>
     </a:defPPr>
-    <a:lvl1pPr marL="0" algn="l" defTabSz="914400" rtl="0" eaLnBrk="1" latinLnBrk="1" hangingPunct="1">
+    <a:lvl1pPr marL="0" algn="l" defTabSz="457200" rtl="0" eaLnBrk="1" latinLnBrk="0" hangingPunct="1">
       <a:defRPr sz="1800" kern="1200">
         <a:solidFill>
           <a:schemeClr val="tx1"/>
@@ -58,7 +58,7 @@
         <a:cs typeface="+mn-cs"/>
       </a:defRPr>
     </a:lvl1pPr>
-    <a:lvl2pPr marL="457200" algn="l" defTabSz="914400" rtl="0" eaLnBrk="1" latinLnBrk="1" hangingPunct="1">
+    <a:lvl2pPr marL="457200" algn="l" defTabSz="457200" rtl="0" eaLnBrk="1" latinLnBrk="0" hangingPunct="1">
       <a:defRPr sz="1800" kern="1200">
         <a:solidFill>
           <a:schemeClr val="tx1"/>
@@ -68,7 +68,7 @@
         <a:cs typeface="+mn-cs"/>
       </a:defRPr>
     </a:lvl2pPr>
-    <a:lvl3pPr marL="914400" algn="l" defTabSz="914400" rtl="0" eaLnBrk="1" latinLnBrk="1" hangingPunct="1">
+    <a:lvl3pPr marL="914400" algn="l" defTabSz="457200" rtl="0" eaLnBrk="1" latinLnBrk="0" hangingPunct="1">
       <a:defRPr sz="1800" kern="1200">
         <a:solidFill>
           <a:schemeClr val="tx1"/>
@@ -78,7 +78,7 @@
         <a:cs typeface="+mn-cs"/>
       </a:defRPr>
     </a:lvl3pPr>
-    <a:lvl4pPr marL="1371600" algn="l" defTabSz="914400" rtl="0" eaLnBrk="1" latinLnBrk="1" hangingPunct="1">
+    <a:lvl4pPr marL="1371600" algn="l" defTabSz="457200" rtl="0" eaLnBrk="1" latinLnBrk="0" hangingPunct="1">
       <a:defRPr sz="1800" kern="1200">
         <a:solidFill>
           <a:schemeClr val="tx1"/>
@@ -88,7 +88,7 @@
         <a:cs typeface="+mn-cs"/>
       </a:defRPr>
     </a:lvl4pPr>
-    <a:lvl5pPr marL="1828800" algn="l" defTabSz="914400" rtl="0" eaLnBrk="1" latinLnBrk="1" hangingPunct="1">
+    <a:lvl5pPr marL="1828800" algn="l" defTabSz="457200" rtl="0" eaLnBrk="1" latinLnBrk="0" hangingPunct="1">
       <a:defRPr sz="1800" kern="1200">
         <a:solidFill>
           <a:schemeClr val="tx1"/>
@@ -98,7 +98,7 @@
         <a:cs typeface="+mn-cs"/>
       </a:defRPr>
     </a:lvl5pPr>
-    <a:lvl6pPr marL="2286000" algn="l" defTabSz="914400" rtl="0" eaLnBrk="1" latinLnBrk="1" hangingPunct="1">
+    <a:lvl6pPr marL="2286000" algn="l" defTabSz="457200" rtl="0" eaLnBrk="1" latinLnBrk="0" hangingPunct="1">
       <a:defRPr sz="1800" kern="1200">
         <a:solidFill>
           <a:schemeClr val="tx1"/>
@@ -108,7 +108,7 @@
         <a:cs typeface="+mn-cs"/>
       </a:defRPr>
     </a:lvl6pPr>
-    <a:lvl7pPr marL="2743200" algn="l" defTabSz="914400" rtl="0" eaLnBrk="1" latinLnBrk="1" hangingPunct="1">
+    <a:lvl7pPr marL="2743200" algn="l" defTabSz="457200" rtl="0" eaLnBrk="1" latinLnBrk="0" hangingPunct="1">
       <a:defRPr sz="1800" kern="1200">
         <a:solidFill>
           <a:schemeClr val="tx1"/>
@@ -118,7 +118,7 @@
         <a:cs typeface="+mn-cs"/>
       </a:defRPr>
     </a:lvl7pPr>
-    <a:lvl8pPr marL="3200400" algn="l" defTabSz="914400" rtl="0" eaLnBrk="1" latinLnBrk="1" hangingPunct="1">
+    <a:lvl8pPr marL="3200400" algn="l" defTabSz="457200" rtl="0" eaLnBrk="1" latinLnBrk="0" hangingPunct="1">
       <a:defRPr sz="1800" kern="1200">
         <a:solidFill>
           <a:schemeClr val="tx1"/>
@@ -128,7 +128,7 @@
         <a:cs typeface="+mn-cs"/>
       </a:defRPr>
     </a:lvl8pPr>
-    <a:lvl9pPr marL="3657600" algn="l" defTabSz="914400" rtl="0" eaLnBrk="1" latinLnBrk="1" hangingPunct="1">
+    <a:lvl9pPr marL="3657600" algn="l" defTabSz="457200" rtl="0" eaLnBrk="1" latinLnBrk="0" hangingPunct="1">
       <a:defRPr sz="1800" kern="1200">
         <a:solidFill>
           <a:schemeClr val="tx1"/>
@@ -178,7 +178,7 @@
 
 <file path=ppt/slideLayouts/slideLayout1.xml><?xml version="1.0" encoding="utf-8"?>
 <p:sldLayout xmlns:a="http://schemas.openxmlformats.org/drawingml/2006/main" xmlns:r="http://schemas.openxmlformats.org/officeDocument/2006/relationships" xmlns:p="http://schemas.openxmlformats.org/presentationml/2006/main" type="title" preserve="1">
-  <p:cSld name="제목 슬라이드">
+  <p:cSld name="Title Slide">
     <p:spTree>
       <p:nvGrpSpPr>
         <p:cNvPr id="1" name=""/>
@@ -195,7 +195,7 @@
       </p:grpSpPr>
       <p:sp>
         <p:nvSpPr>
-          <p:cNvPr id="2" name="제목 1"/>
+          <p:cNvPr id="2" name="Title 1"/>
           <p:cNvSpPr>
             <a:spLocks noGrp="1"/>
           </p:cNvSpPr>
@@ -218,15 +218,16 @@
           </a:lstStyle>
           <a:p>
             <a:r>
-              <a:rPr lang="ko-KR" altLang="en-US"/>
-              <a:t>마스터 제목 스타일 편집</a:t>
-            </a:r>
-          </a:p>
-        </p:txBody>
-      </p:sp>
-      <p:sp>
-        <p:nvSpPr>
-          <p:cNvPr id="3" name="부제목 2"/>
+              <a:rPr lang="en-US" smtClean="0"/>
+              <a:t>Click to edit Master title style</a:t>
+            </a:r>
+            <a:endParaRPr lang="en-US" dirty="0"/>
+          </a:p>
+        </p:txBody>
+      </p:sp>
+      <p:sp>
+        <p:nvSpPr>
+          <p:cNvPr id="3" name="Subtitle 2"/>
           <p:cNvSpPr>
             <a:spLocks noGrp="1"/>
           </p:cNvSpPr>
@@ -282,15 +283,16 @@
           </a:lstStyle>
           <a:p>
             <a:r>
-              <a:rPr lang="ko-KR" altLang="en-US"/>
-              <a:t>클릭하여 마스터 부제목 스타일 편집</a:t>
-            </a:r>
-          </a:p>
-        </p:txBody>
-      </p:sp>
-      <p:sp>
-        <p:nvSpPr>
-          <p:cNvPr id="4" name="날짜 개체 틀 3"/>
+              <a:rPr lang="en-US" smtClean="0"/>
+              <a:t>Click to edit Master subtitle style</a:t>
+            </a:r>
+            <a:endParaRPr lang="en-US" dirty="0"/>
+          </a:p>
+        </p:txBody>
+      </p:sp>
+      <p:sp>
+        <p:nvSpPr>
+          <p:cNvPr id="4" name="Date Placeholder 3"/>
           <p:cNvSpPr>
             <a:spLocks noGrp="1"/>
           </p:cNvSpPr>
@@ -313,7 +315,7 @@
       </p:sp>
       <p:sp>
         <p:nvSpPr>
-          <p:cNvPr id="5" name="바닥글 개체 틀 4"/>
+          <p:cNvPr id="5" name="Footer Placeholder 4"/>
           <p:cNvSpPr>
             <a:spLocks noGrp="1"/>
           </p:cNvSpPr>
@@ -332,7 +334,7 @@
       </p:sp>
       <p:sp>
         <p:nvSpPr>
-          <p:cNvPr id="6" name="슬라이드 번호 개체 틀 5"/>
+          <p:cNvPr id="6" name="Slide Number Placeholder 5"/>
           <p:cNvSpPr>
             <a:spLocks noGrp="1"/>
           </p:cNvSpPr>
@@ -356,7 +358,7 @@
     </p:spTree>
     <p:extLst>
       <p:ext uri="{BB962C8B-B14F-4D97-AF65-F5344CB8AC3E}">
-        <p14:creationId xmlns:p14="http://schemas.microsoft.com/office/powerpoint/2010/main" val="3691055137"/>
+        <p14:creationId xmlns:p14="http://schemas.microsoft.com/office/powerpoint/2010/main" val="18586733"/>
       </p:ext>
     </p:extLst>
   </p:cSld>
@@ -368,7 +370,7 @@
 
 <file path=ppt/slideLayouts/slideLayout10.xml><?xml version="1.0" encoding="utf-8"?>
 <p:sldLayout xmlns:a="http://schemas.openxmlformats.org/drawingml/2006/main" xmlns:r="http://schemas.openxmlformats.org/officeDocument/2006/relationships" xmlns:p="http://schemas.openxmlformats.org/presentationml/2006/main" type="vertTx" preserve="1">
-  <p:cSld name="제목 및 세로 텍스트">
+  <p:cSld name="Title and Vertical Text">
     <p:spTree>
       <p:nvGrpSpPr>
         <p:cNvPr id="1" name=""/>
@@ -385,7 +387,7 @@
       </p:grpSpPr>
       <p:sp>
         <p:nvSpPr>
-          <p:cNvPr id="2" name="제목 1"/>
+          <p:cNvPr id="2" name="Title 1"/>
           <p:cNvSpPr>
             <a:spLocks noGrp="1"/>
           </p:cNvSpPr>
@@ -399,15 +401,16 @@
           <a:lstStyle/>
           <a:p>
             <a:r>
-              <a:rPr lang="ko-KR" altLang="en-US"/>
-              <a:t>마스터 제목 스타일 편집</a:t>
-            </a:r>
-          </a:p>
-        </p:txBody>
-      </p:sp>
-      <p:sp>
-        <p:nvSpPr>
-          <p:cNvPr id="3" name="세로 텍스트 개체 틀 2"/>
+              <a:rPr lang="en-US" smtClean="0"/>
+              <a:t>Click to edit Master title style</a:t>
+            </a:r>
+            <a:endParaRPr lang="en-US" dirty="0"/>
+          </a:p>
+        </p:txBody>
+      </p:sp>
+      <p:sp>
+        <p:nvSpPr>
+          <p:cNvPr id="3" name="Vertical Text Placeholder 2"/>
           <p:cNvSpPr>
             <a:spLocks noGrp="1"/>
           </p:cNvSpPr>
@@ -422,43 +425,44 @@
           <a:p>
             <a:pPr lvl="0"/>
             <a:r>
-              <a:rPr lang="ko-KR" altLang="en-US"/>
-              <a:t>마스터 텍스트 스타일 편집</a:t>
+              <a:rPr lang="en-US" smtClean="0"/>
+              <a:t>Edit Master text styles</a:t>
             </a:r>
           </a:p>
           <a:p>
             <a:pPr lvl="1"/>
             <a:r>
-              <a:rPr lang="ko-KR" altLang="en-US"/>
-              <a:t>둘째 수준</a:t>
+              <a:rPr lang="en-US" smtClean="0"/>
+              <a:t>Second level</a:t>
             </a:r>
           </a:p>
           <a:p>
             <a:pPr lvl="2"/>
             <a:r>
-              <a:rPr lang="ko-KR" altLang="en-US"/>
-              <a:t>셋째 수준</a:t>
+              <a:rPr lang="en-US" smtClean="0"/>
+              <a:t>Third level</a:t>
             </a:r>
           </a:p>
           <a:p>
             <a:pPr lvl="3"/>
             <a:r>
-              <a:rPr lang="ko-KR" altLang="en-US"/>
-              <a:t>넷째 수준</a:t>
+              <a:rPr lang="en-US" smtClean="0"/>
+              <a:t>Fourth level</a:t>
             </a:r>
           </a:p>
           <a:p>
             <a:pPr lvl="4"/>
             <a:r>
-              <a:rPr lang="ko-KR" altLang="en-US"/>
-              <a:t>다섯째 수준</a:t>
-            </a:r>
-          </a:p>
-        </p:txBody>
-      </p:sp>
-      <p:sp>
-        <p:nvSpPr>
-          <p:cNvPr id="4" name="날짜 개체 틀 3"/>
+              <a:rPr lang="en-US" smtClean="0"/>
+              <a:t>Fifth level</a:t>
+            </a:r>
+            <a:endParaRPr lang="en-US" dirty="0"/>
+          </a:p>
+        </p:txBody>
+      </p:sp>
+      <p:sp>
+        <p:nvSpPr>
+          <p:cNvPr id="4" name="Date Placeholder 3"/>
           <p:cNvSpPr>
             <a:spLocks noGrp="1"/>
           </p:cNvSpPr>
@@ -481,7 +485,7 @@
       </p:sp>
       <p:sp>
         <p:nvSpPr>
-          <p:cNvPr id="5" name="바닥글 개체 틀 4"/>
+          <p:cNvPr id="5" name="Footer Placeholder 4"/>
           <p:cNvSpPr>
             <a:spLocks noGrp="1"/>
           </p:cNvSpPr>
@@ -500,7 +504,7 @@
       </p:sp>
       <p:sp>
         <p:nvSpPr>
-          <p:cNvPr id="6" name="슬라이드 번호 개체 틀 5"/>
+          <p:cNvPr id="6" name="Slide Number Placeholder 5"/>
           <p:cNvSpPr>
             <a:spLocks noGrp="1"/>
           </p:cNvSpPr>
@@ -524,7 +528,7 @@
     </p:spTree>
     <p:extLst>
       <p:ext uri="{BB962C8B-B14F-4D97-AF65-F5344CB8AC3E}">
-        <p14:creationId xmlns:p14="http://schemas.microsoft.com/office/powerpoint/2010/main" val="2771364366"/>
+        <p14:creationId xmlns:p14="http://schemas.microsoft.com/office/powerpoint/2010/main" val="3378755134"/>
       </p:ext>
     </p:extLst>
   </p:cSld>
@@ -536,7 +540,7 @@
 
 <file path=ppt/slideLayouts/slideLayout11.xml><?xml version="1.0" encoding="utf-8"?>
 <p:sldLayout xmlns:a="http://schemas.openxmlformats.org/drawingml/2006/main" xmlns:r="http://schemas.openxmlformats.org/officeDocument/2006/relationships" xmlns:p="http://schemas.openxmlformats.org/presentationml/2006/main" type="vertTitleAndTx" preserve="1">
-  <p:cSld name="세로 제목 및 텍스트">
+  <p:cSld name="Vertical Title and Text">
     <p:spTree>
       <p:nvGrpSpPr>
         <p:cNvPr id="1" name=""/>
@@ -553,7 +557,7 @@
       </p:grpSpPr>
       <p:sp>
         <p:nvSpPr>
-          <p:cNvPr id="2" name="세로 제목 1"/>
+          <p:cNvPr id="2" name="Vertical Title 1"/>
           <p:cNvSpPr>
             <a:spLocks noGrp="1"/>
           </p:cNvSpPr>
@@ -572,15 +576,16 @@
           <a:lstStyle/>
           <a:p>
             <a:r>
-              <a:rPr lang="ko-KR" altLang="en-US"/>
-              <a:t>마스터 제목 스타일 편집</a:t>
-            </a:r>
-          </a:p>
-        </p:txBody>
-      </p:sp>
-      <p:sp>
-        <p:nvSpPr>
-          <p:cNvPr id="3" name="세로 텍스트 개체 틀 2"/>
+              <a:rPr lang="en-US" smtClean="0"/>
+              <a:t>Click to edit Master title style</a:t>
+            </a:r>
+            <a:endParaRPr lang="en-US" dirty="0"/>
+          </a:p>
+        </p:txBody>
+      </p:sp>
+      <p:sp>
+        <p:nvSpPr>
+          <p:cNvPr id="3" name="Vertical Text Placeholder 2"/>
           <p:cNvSpPr>
             <a:spLocks noGrp="1"/>
           </p:cNvSpPr>
@@ -600,43 +605,44 @@
           <a:p>
             <a:pPr lvl="0"/>
             <a:r>
-              <a:rPr lang="ko-KR" altLang="en-US"/>
-              <a:t>마스터 텍스트 스타일 편집</a:t>
+              <a:rPr lang="en-US" smtClean="0"/>
+              <a:t>Edit Master text styles</a:t>
             </a:r>
           </a:p>
           <a:p>
             <a:pPr lvl="1"/>
             <a:r>
-              <a:rPr lang="ko-KR" altLang="en-US"/>
-              <a:t>둘째 수준</a:t>
+              <a:rPr lang="en-US" smtClean="0"/>
+              <a:t>Second level</a:t>
             </a:r>
           </a:p>
           <a:p>
             <a:pPr lvl="2"/>
             <a:r>
-              <a:rPr lang="ko-KR" altLang="en-US"/>
-              <a:t>셋째 수준</a:t>
+              <a:rPr lang="en-US" smtClean="0"/>
+              <a:t>Third level</a:t>
             </a:r>
           </a:p>
           <a:p>
             <a:pPr lvl="3"/>
             <a:r>
-              <a:rPr lang="ko-KR" altLang="en-US"/>
-              <a:t>넷째 수준</a:t>
+              <a:rPr lang="en-US" smtClean="0"/>
+              <a:t>Fourth level</a:t>
             </a:r>
           </a:p>
           <a:p>
             <a:pPr lvl="4"/>
             <a:r>
-              <a:rPr lang="ko-KR" altLang="en-US"/>
-              <a:t>다섯째 수준</a:t>
-            </a:r>
-          </a:p>
-        </p:txBody>
-      </p:sp>
-      <p:sp>
-        <p:nvSpPr>
-          <p:cNvPr id="4" name="날짜 개체 틀 3"/>
+              <a:rPr lang="en-US" smtClean="0"/>
+              <a:t>Fifth level</a:t>
+            </a:r>
+            <a:endParaRPr lang="en-US" dirty="0"/>
+          </a:p>
+        </p:txBody>
+      </p:sp>
+      <p:sp>
+        <p:nvSpPr>
+          <p:cNvPr id="4" name="Date Placeholder 3"/>
           <p:cNvSpPr>
             <a:spLocks noGrp="1"/>
           </p:cNvSpPr>
@@ -659,7 +665,7 @@
       </p:sp>
       <p:sp>
         <p:nvSpPr>
-          <p:cNvPr id="5" name="바닥글 개체 틀 4"/>
+          <p:cNvPr id="5" name="Footer Placeholder 4"/>
           <p:cNvSpPr>
             <a:spLocks noGrp="1"/>
           </p:cNvSpPr>
@@ -678,7 +684,7 @@
       </p:sp>
       <p:sp>
         <p:nvSpPr>
-          <p:cNvPr id="6" name="슬라이드 번호 개체 틀 5"/>
+          <p:cNvPr id="6" name="Slide Number Placeholder 5"/>
           <p:cNvSpPr>
             <a:spLocks noGrp="1"/>
           </p:cNvSpPr>
@@ -702,7 +708,7 @@
     </p:spTree>
     <p:extLst>
       <p:ext uri="{BB962C8B-B14F-4D97-AF65-F5344CB8AC3E}">
-        <p14:creationId xmlns:p14="http://schemas.microsoft.com/office/powerpoint/2010/main" val="4118851513"/>
+        <p14:creationId xmlns:p14="http://schemas.microsoft.com/office/powerpoint/2010/main" val="3087125834"/>
       </p:ext>
     </p:extLst>
   </p:cSld>
@@ -714,7 +720,7 @@
 
 <file path=ppt/slideLayouts/slideLayout2.xml><?xml version="1.0" encoding="utf-8"?>
 <p:sldLayout xmlns:a="http://schemas.openxmlformats.org/drawingml/2006/main" xmlns:r="http://schemas.openxmlformats.org/officeDocument/2006/relationships" xmlns:p="http://schemas.openxmlformats.org/presentationml/2006/main" type="obj" preserve="1">
-  <p:cSld name="제목 및 내용">
+  <p:cSld name="Title and Content">
     <p:spTree>
       <p:nvGrpSpPr>
         <p:cNvPr id="1" name=""/>
@@ -731,7 +737,7 @@
       </p:grpSpPr>
       <p:sp>
         <p:nvSpPr>
-          <p:cNvPr id="2" name="제목 1"/>
+          <p:cNvPr id="2" name="Title 1"/>
           <p:cNvSpPr>
             <a:spLocks noGrp="1"/>
           </p:cNvSpPr>
@@ -745,15 +751,16 @@
           <a:lstStyle/>
           <a:p>
             <a:r>
-              <a:rPr lang="ko-KR" altLang="en-US"/>
-              <a:t>마스터 제목 스타일 편집</a:t>
-            </a:r>
-          </a:p>
-        </p:txBody>
-      </p:sp>
-      <p:sp>
-        <p:nvSpPr>
-          <p:cNvPr id="3" name="내용 개체 틀 2"/>
+              <a:rPr lang="en-US" smtClean="0"/>
+              <a:t>Click to edit Master title style</a:t>
+            </a:r>
+            <a:endParaRPr lang="en-US" dirty="0"/>
+          </a:p>
+        </p:txBody>
+      </p:sp>
+      <p:sp>
+        <p:nvSpPr>
+          <p:cNvPr id="3" name="Content Placeholder 2"/>
           <p:cNvSpPr>
             <a:spLocks noGrp="1"/>
           </p:cNvSpPr>
@@ -768,43 +775,44 @@
           <a:p>
             <a:pPr lvl="0"/>
             <a:r>
-              <a:rPr lang="ko-KR" altLang="en-US"/>
-              <a:t>마스터 텍스트 스타일 편집</a:t>
+              <a:rPr lang="en-US" smtClean="0"/>
+              <a:t>Edit Master text styles</a:t>
             </a:r>
           </a:p>
           <a:p>
             <a:pPr lvl="1"/>
             <a:r>
-              <a:rPr lang="ko-KR" altLang="en-US"/>
-              <a:t>둘째 수준</a:t>
+              <a:rPr lang="en-US" smtClean="0"/>
+              <a:t>Second level</a:t>
             </a:r>
           </a:p>
           <a:p>
             <a:pPr lvl="2"/>
             <a:r>
-              <a:rPr lang="ko-KR" altLang="en-US"/>
-              <a:t>셋째 수준</a:t>
+              <a:rPr lang="en-US" smtClean="0"/>
+              <a:t>Third level</a:t>
             </a:r>
           </a:p>
           <a:p>
             <a:pPr lvl="3"/>
             <a:r>
-              <a:rPr lang="ko-KR" altLang="en-US"/>
-              <a:t>넷째 수준</a:t>
+              <a:rPr lang="en-US" smtClean="0"/>
+              <a:t>Fourth level</a:t>
             </a:r>
           </a:p>
           <a:p>
             <a:pPr lvl="4"/>
             <a:r>
-              <a:rPr lang="ko-KR" altLang="en-US"/>
-              <a:t>다섯째 수준</a:t>
-            </a:r>
-          </a:p>
-        </p:txBody>
-      </p:sp>
-      <p:sp>
-        <p:nvSpPr>
-          <p:cNvPr id="4" name="날짜 개체 틀 3"/>
+              <a:rPr lang="en-US" smtClean="0"/>
+              <a:t>Fifth level</a:t>
+            </a:r>
+            <a:endParaRPr lang="en-US" dirty="0"/>
+          </a:p>
+        </p:txBody>
+      </p:sp>
+      <p:sp>
+        <p:nvSpPr>
+          <p:cNvPr id="4" name="Date Placeholder 3"/>
           <p:cNvSpPr>
             <a:spLocks noGrp="1"/>
           </p:cNvSpPr>
@@ -827,7 +835,7 @@
       </p:sp>
       <p:sp>
         <p:nvSpPr>
-          <p:cNvPr id="5" name="바닥글 개체 틀 4"/>
+          <p:cNvPr id="5" name="Footer Placeholder 4"/>
           <p:cNvSpPr>
             <a:spLocks noGrp="1"/>
           </p:cNvSpPr>
@@ -846,7 +854,7 @@
       </p:sp>
       <p:sp>
         <p:nvSpPr>
-          <p:cNvPr id="6" name="슬라이드 번호 개체 틀 5"/>
+          <p:cNvPr id="6" name="Slide Number Placeholder 5"/>
           <p:cNvSpPr>
             <a:spLocks noGrp="1"/>
           </p:cNvSpPr>
@@ -870,7 +878,7 @@
     </p:spTree>
     <p:extLst>
       <p:ext uri="{BB962C8B-B14F-4D97-AF65-F5344CB8AC3E}">
-        <p14:creationId xmlns:p14="http://schemas.microsoft.com/office/powerpoint/2010/main" val="3496347487"/>
+        <p14:creationId xmlns:p14="http://schemas.microsoft.com/office/powerpoint/2010/main" val="1915718152"/>
       </p:ext>
     </p:extLst>
   </p:cSld>
@@ -882,7 +890,7 @@
 
 <file path=ppt/slideLayouts/slideLayout3.xml><?xml version="1.0" encoding="utf-8"?>
 <p:sldLayout xmlns:a="http://schemas.openxmlformats.org/drawingml/2006/main" xmlns:r="http://schemas.openxmlformats.org/officeDocument/2006/relationships" xmlns:p="http://schemas.openxmlformats.org/presentationml/2006/main" type="secHead" preserve="1">
-  <p:cSld name="구역 머리글">
+  <p:cSld name="Section Header">
     <p:spTree>
       <p:nvGrpSpPr>
         <p:cNvPr id="1" name=""/>
@@ -899,7 +907,7 @@
       </p:grpSpPr>
       <p:sp>
         <p:nvSpPr>
-          <p:cNvPr id="2" name="제목 1"/>
+          <p:cNvPr id="2" name="Title 1"/>
           <p:cNvSpPr>
             <a:spLocks noGrp="1"/>
           </p:cNvSpPr>
@@ -922,15 +930,16 @@
           </a:lstStyle>
           <a:p>
             <a:r>
-              <a:rPr lang="ko-KR" altLang="en-US"/>
-              <a:t>마스터 제목 스타일 편집</a:t>
-            </a:r>
-          </a:p>
-        </p:txBody>
-      </p:sp>
-      <p:sp>
-        <p:nvSpPr>
-          <p:cNvPr id="3" name="텍스트 개체 틀 2"/>
+              <a:rPr lang="en-US" smtClean="0"/>
+              <a:t>Click to edit Master title style</a:t>
+            </a:r>
+            <a:endParaRPr lang="en-US" dirty="0"/>
+          </a:p>
+        </p:txBody>
+      </p:sp>
+      <p:sp>
+        <p:nvSpPr>
+          <p:cNvPr id="3" name="Text Placeholder 2"/>
           <p:cNvSpPr>
             <a:spLocks noGrp="1"/>
           </p:cNvSpPr>
@@ -1041,15 +1050,15 @@
           <a:p>
             <a:pPr lvl="0"/>
             <a:r>
-              <a:rPr lang="ko-KR" altLang="en-US"/>
-              <a:t>마스터 텍스트 스타일 편집</a:t>
-            </a:r>
-          </a:p>
-        </p:txBody>
-      </p:sp>
-      <p:sp>
-        <p:nvSpPr>
-          <p:cNvPr id="4" name="날짜 개체 틀 3"/>
+              <a:rPr lang="en-US" smtClean="0"/>
+              <a:t>Edit Master text styles</a:t>
+            </a:r>
+          </a:p>
+        </p:txBody>
+      </p:sp>
+      <p:sp>
+        <p:nvSpPr>
+          <p:cNvPr id="4" name="Date Placeholder 3"/>
           <p:cNvSpPr>
             <a:spLocks noGrp="1"/>
           </p:cNvSpPr>
@@ -1072,7 +1081,7 @@
       </p:sp>
       <p:sp>
         <p:nvSpPr>
-          <p:cNvPr id="5" name="바닥글 개체 틀 4"/>
+          <p:cNvPr id="5" name="Footer Placeholder 4"/>
           <p:cNvSpPr>
             <a:spLocks noGrp="1"/>
           </p:cNvSpPr>
@@ -1091,7 +1100,7 @@
       </p:sp>
       <p:sp>
         <p:nvSpPr>
-          <p:cNvPr id="6" name="슬라이드 번호 개체 틀 5"/>
+          <p:cNvPr id="6" name="Slide Number Placeholder 5"/>
           <p:cNvSpPr>
             <a:spLocks noGrp="1"/>
           </p:cNvSpPr>
@@ -1115,7 +1124,7 @@
     </p:spTree>
     <p:extLst>
       <p:ext uri="{BB962C8B-B14F-4D97-AF65-F5344CB8AC3E}">
-        <p14:creationId xmlns:p14="http://schemas.microsoft.com/office/powerpoint/2010/main" val="1978731298"/>
+        <p14:creationId xmlns:p14="http://schemas.microsoft.com/office/powerpoint/2010/main" val="3752943440"/>
       </p:ext>
     </p:extLst>
   </p:cSld>
@@ -1127,7 +1136,7 @@
 
 <file path=ppt/slideLayouts/slideLayout4.xml><?xml version="1.0" encoding="utf-8"?>
 <p:sldLayout xmlns:a="http://schemas.openxmlformats.org/drawingml/2006/main" xmlns:r="http://schemas.openxmlformats.org/officeDocument/2006/relationships" xmlns:p="http://schemas.openxmlformats.org/presentationml/2006/main" type="twoObj" preserve="1">
-  <p:cSld name="콘텐츠 2개">
+  <p:cSld name="Two Content">
     <p:spTree>
       <p:nvGrpSpPr>
         <p:cNvPr id="1" name=""/>
@@ -1144,7 +1153,7 @@
       </p:grpSpPr>
       <p:sp>
         <p:nvSpPr>
-          <p:cNvPr id="2" name="제목 1"/>
+          <p:cNvPr id="2" name="Title 1"/>
           <p:cNvSpPr>
             <a:spLocks noGrp="1"/>
           </p:cNvSpPr>
@@ -1158,15 +1167,16 @@
           <a:lstStyle/>
           <a:p>
             <a:r>
-              <a:rPr lang="ko-KR" altLang="en-US"/>
-              <a:t>마스터 제목 스타일 편집</a:t>
-            </a:r>
-          </a:p>
-        </p:txBody>
-      </p:sp>
-      <p:sp>
-        <p:nvSpPr>
-          <p:cNvPr id="3" name="내용 개체 틀 2"/>
+              <a:rPr lang="en-US" smtClean="0"/>
+              <a:t>Click to edit Master title style</a:t>
+            </a:r>
+            <a:endParaRPr lang="en-US" dirty="0"/>
+          </a:p>
+        </p:txBody>
+      </p:sp>
+      <p:sp>
+        <p:nvSpPr>
+          <p:cNvPr id="3" name="Content Placeholder 2"/>
           <p:cNvSpPr>
             <a:spLocks noGrp="1"/>
           </p:cNvSpPr>
@@ -1186,43 +1196,44 @@
           <a:p>
             <a:pPr lvl="0"/>
             <a:r>
-              <a:rPr lang="ko-KR" altLang="en-US"/>
-              <a:t>마스터 텍스트 스타일 편집</a:t>
+              <a:rPr lang="en-US" smtClean="0"/>
+              <a:t>Edit Master text styles</a:t>
             </a:r>
           </a:p>
           <a:p>
             <a:pPr lvl="1"/>
             <a:r>
-              <a:rPr lang="ko-KR" altLang="en-US"/>
-              <a:t>둘째 수준</a:t>
+              <a:rPr lang="en-US" smtClean="0"/>
+              <a:t>Second level</a:t>
             </a:r>
           </a:p>
           <a:p>
             <a:pPr lvl="2"/>
             <a:r>
-              <a:rPr lang="ko-KR" altLang="en-US"/>
-              <a:t>셋째 수준</a:t>
+              <a:rPr lang="en-US" smtClean="0"/>
+              <a:t>Third level</a:t>
             </a:r>
           </a:p>
           <a:p>
             <a:pPr lvl="3"/>
             <a:r>
-              <a:rPr lang="ko-KR" altLang="en-US"/>
-              <a:t>넷째 수준</a:t>
+              <a:rPr lang="en-US" smtClean="0"/>
+              <a:t>Fourth level</a:t>
             </a:r>
           </a:p>
           <a:p>
             <a:pPr lvl="4"/>
             <a:r>
-              <a:rPr lang="ko-KR" altLang="en-US"/>
-              <a:t>다섯째 수준</a:t>
-            </a:r>
-          </a:p>
-        </p:txBody>
-      </p:sp>
-      <p:sp>
-        <p:nvSpPr>
-          <p:cNvPr id="4" name="내용 개체 틀 3"/>
+              <a:rPr lang="en-US" smtClean="0"/>
+              <a:t>Fifth level</a:t>
+            </a:r>
+            <a:endParaRPr lang="en-US" dirty="0"/>
+          </a:p>
+        </p:txBody>
+      </p:sp>
+      <p:sp>
+        <p:nvSpPr>
+          <p:cNvPr id="4" name="Content Placeholder 3"/>
           <p:cNvSpPr>
             <a:spLocks noGrp="1"/>
           </p:cNvSpPr>
@@ -1242,43 +1253,44 @@
           <a:p>
             <a:pPr lvl="0"/>
             <a:r>
-              <a:rPr lang="ko-KR" altLang="en-US"/>
-              <a:t>마스터 텍스트 스타일 편집</a:t>
+              <a:rPr lang="en-US" smtClean="0"/>
+              <a:t>Edit Master text styles</a:t>
             </a:r>
           </a:p>
           <a:p>
             <a:pPr lvl="1"/>
             <a:r>
-              <a:rPr lang="ko-KR" altLang="en-US"/>
-              <a:t>둘째 수준</a:t>
+              <a:rPr lang="en-US" smtClean="0"/>
+              <a:t>Second level</a:t>
             </a:r>
           </a:p>
           <a:p>
             <a:pPr lvl="2"/>
             <a:r>
-              <a:rPr lang="ko-KR" altLang="en-US"/>
-              <a:t>셋째 수준</a:t>
+              <a:rPr lang="en-US" smtClean="0"/>
+              <a:t>Third level</a:t>
             </a:r>
           </a:p>
           <a:p>
             <a:pPr lvl="3"/>
             <a:r>
-              <a:rPr lang="ko-KR" altLang="en-US"/>
-              <a:t>넷째 수준</a:t>
+              <a:rPr lang="en-US" smtClean="0"/>
+              <a:t>Fourth level</a:t>
             </a:r>
           </a:p>
           <a:p>
             <a:pPr lvl="4"/>
             <a:r>
-              <a:rPr lang="ko-KR" altLang="en-US"/>
-              <a:t>다섯째 수준</a:t>
-            </a:r>
-          </a:p>
-        </p:txBody>
-      </p:sp>
-      <p:sp>
-        <p:nvSpPr>
-          <p:cNvPr id="5" name="날짜 개체 틀 4"/>
+              <a:rPr lang="en-US" smtClean="0"/>
+              <a:t>Fifth level</a:t>
+            </a:r>
+            <a:endParaRPr lang="en-US" dirty="0"/>
+          </a:p>
+        </p:txBody>
+      </p:sp>
+      <p:sp>
+        <p:nvSpPr>
+          <p:cNvPr id="5" name="Date Placeholder 4"/>
           <p:cNvSpPr>
             <a:spLocks noGrp="1"/>
           </p:cNvSpPr>
@@ -1301,7 +1313,7 @@
       </p:sp>
       <p:sp>
         <p:nvSpPr>
-          <p:cNvPr id="6" name="바닥글 개체 틀 5"/>
+          <p:cNvPr id="6" name="Footer Placeholder 5"/>
           <p:cNvSpPr>
             <a:spLocks noGrp="1"/>
           </p:cNvSpPr>
@@ -1320,7 +1332,7 @@
       </p:sp>
       <p:sp>
         <p:nvSpPr>
-          <p:cNvPr id="7" name="슬라이드 번호 개체 틀 6"/>
+          <p:cNvPr id="7" name="Slide Number Placeholder 6"/>
           <p:cNvSpPr>
             <a:spLocks noGrp="1"/>
           </p:cNvSpPr>
@@ -1344,7 +1356,7 @@
     </p:spTree>
     <p:extLst>
       <p:ext uri="{BB962C8B-B14F-4D97-AF65-F5344CB8AC3E}">
-        <p14:creationId xmlns:p14="http://schemas.microsoft.com/office/powerpoint/2010/main" val="3612224496"/>
+        <p14:creationId xmlns:p14="http://schemas.microsoft.com/office/powerpoint/2010/main" val="1344386093"/>
       </p:ext>
     </p:extLst>
   </p:cSld>
@@ -1356,7 +1368,7 @@
 
 <file path=ppt/slideLayouts/slideLayout5.xml><?xml version="1.0" encoding="utf-8"?>
 <p:sldLayout xmlns:a="http://schemas.openxmlformats.org/drawingml/2006/main" xmlns:r="http://schemas.openxmlformats.org/officeDocument/2006/relationships" xmlns:p="http://schemas.openxmlformats.org/presentationml/2006/main" type="twoTxTwoObj" preserve="1">
-  <p:cSld name="비교">
+  <p:cSld name="Comparison">
     <p:spTree>
       <p:nvGrpSpPr>
         <p:cNvPr id="1" name=""/>
@@ -1373,7 +1385,7 @@
       </p:grpSpPr>
       <p:sp>
         <p:nvSpPr>
-          <p:cNvPr id="2" name="제목 1"/>
+          <p:cNvPr id="2" name="Title 1"/>
           <p:cNvSpPr>
             <a:spLocks noGrp="1"/>
           </p:cNvSpPr>
@@ -1392,15 +1404,16 @@
           <a:lstStyle/>
           <a:p>
             <a:r>
-              <a:rPr lang="ko-KR" altLang="en-US"/>
-              <a:t>마스터 제목 스타일 편집</a:t>
-            </a:r>
-          </a:p>
-        </p:txBody>
-      </p:sp>
-      <p:sp>
-        <p:nvSpPr>
-          <p:cNvPr id="3" name="텍스트 개체 틀 2"/>
+              <a:rPr lang="en-US" smtClean="0"/>
+              <a:t>Click to edit Master title style</a:t>
+            </a:r>
+            <a:endParaRPr lang="en-US" dirty="0"/>
+          </a:p>
+        </p:txBody>
+      </p:sp>
+      <p:sp>
+        <p:nvSpPr>
+          <p:cNvPr id="3" name="Text Placeholder 2"/>
           <p:cNvSpPr>
             <a:spLocks noGrp="1"/>
           </p:cNvSpPr>
@@ -1457,15 +1470,15 @@
           <a:p>
             <a:pPr lvl="0"/>
             <a:r>
-              <a:rPr lang="ko-KR" altLang="en-US"/>
-              <a:t>마스터 텍스트 스타일 편집</a:t>
-            </a:r>
-          </a:p>
-        </p:txBody>
-      </p:sp>
-      <p:sp>
-        <p:nvSpPr>
-          <p:cNvPr id="4" name="내용 개체 틀 3"/>
+              <a:rPr lang="en-US" smtClean="0"/>
+              <a:t>Edit Master text styles</a:t>
+            </a:r>
+          </a:p>
+        </p:txBody>
+      </p:sp>
+      <p:sp>
+        <p:nvSpPr>
+          <p:cNvPr id="4" name="Content Placeholder 3"/>
           <p:cNvSpPr>
             <a:spLocks noGrp="1"/>
           </p:cNvSpPr>
@@ -1485,43 +1498,44 @@
           <a:p>
             <a:pPr lvl="0"/>
             <a:r>
-              <a:rPr lang="ko-KR" altLang="en-US"/>
-              <a:t>마스터 텍스트 스타일 편집</a:t>
+              <a:rPr lang="en-US" smtClean="0"/>
+              <a:t>Edit Master text styles</a:t>
             </a:r>
           </a:p>
           <a:p>
             <a:pPr lvl="1"/>
             <a:r>
-              <a:rPr lang="ko-KR" altLang="en-US"/>
-              <a:t>둘째 수준</a:t>
+              <a:rPr lang="en-US" smtClean="0"/>
+              <a:t>Second level</a:t>
             </a:r>
           </a:p>
           <a:p>
             <a:pPr lvl="2"/>
             <a:r>
-              <a:rPr lang="ko-KR" altLang="en-US"/>
-              <a:t>셋째 수준</a:t>
+              <a:rPr lang="en-US" smtClean="0"/>
+              <a:t>Third level</a:t>
             </a:r>
           </a:p>
           <a:p>
             <a:pPr lvl="3"/>
             <a:r>
-              <a:rPr lang="ko-KR" altLang="en-US"/>
-              <a:t>넷째 수준</a:t>
+              <a:rPr lang="en-US" smtClean="0"/>
+              <a:t>Fourth level</a:t>
             </a:r>
           </a:p>
           <a:p>
             <a:pPr lvl="4"/>
             <a:r>
-              <a:rPr lang="ko-KR" altLang="en-US"/>
-              <a:t>다섯째 수준</a:t>
-            </a:r>
-          </a:p>
-        </p:txBody>
-      </p:sp>
-      <p:sp>
-        <p:nvSpPr>
-          <p:cNvPr id="5" name="텍스트 개체 틀 4"/>
+              <a:rPr lang="en-US" smtClean="0"/>
+              <a:t>Fifth level</a:t>
+            </a:r>
+            <a:endParaRPr lang="en-US" dirty="0"/>
+          </a:p>
+        </p:txBody>
+      </p:sp>
+      <p:sp>
+        <p:nvSpPr>
+          <p:cNvPr id="5" name="Text Placeholder 4"/>
           <p:cNvSpPr>
             <a:spLocks noGrp="1"/>
           </p:cNvSpPr>
@@ -1578,15 +1592,15 @@
           <a:p>
             <a:pPr lvl="0"/>
             <a:r>
-              <a:rPr lang="ko-KR" altLang="en-US"/>
-              <a:t>마스터 텍스트 스타일 편집</a:t>
-            </a:r>
-          </a:p>
-        </p:txBody>
-      </p:sp>
-      <p:sp>
-        <p:nvSpPr>
-          <p:cNvPr id="6" name="내용 개체 틀 5"/>
+              <a:rPr lang="en-US" smtClean="0"/>
+              <a:t>Edit Master text styles</a:t>
+            </a:r>
+          </a:p>
+        </p:txBody>
+      </p:sp>
+      <p:sp>
+        <p:nvSpPr>
+          <p:cNvPr id="6" name="Content Placeholder 5"/>
           <p:cNvSpPr>
             <a:spLocks noGrp="1"/>
           </p:cNvSpPr>
@@ -1606,43 +1620,44 @@
           <a:p>
             <a:pPr lvl="0"/>
             <a:r>
-              <a:rPr lang="ko-KR" altLang="en-US"/>
-              <a:t>마스터 텍스트 스타일 편집</a:t>
+              <a:rPr lang="en-US" smtClean="0"/>
+              <a:t>Edit Master text styles</a:t>
             </a:r>
           </a:p>
           <a:p>
             <a:pPr lvl="1"/>
             <a:r>
-              <a:rPr lang="ko-KR" altLang="en-US"/>
-              <a:t>둘째 수준</a:t>
+              <a:rPr lang="en-US" smtClean="0"/>
+              <a:t>Second level</a:t>
             </a:r>
           </a:p>
           <a:p>
             <a:pPr lvl="2"/>
             <a:r>
-              <a:rPr lang="ko-KR" altLang="en-US"/>
-              <a:t>셋째 수준</a:t>
+              <a:rPr lang="en-US" smtClean="0"/>
+              <a:t>Third level</a:t>
             </a:r>
           </a:p>
           <a:p>
             <a:pPr lvl="3"/>
             <a:r>
-              <a:rPr lang="ko-KR" altLang="en-US"/>
-              <a:t>넷째 수준</a:t>
+              <a:rPr lang="en-US" smtClean="0"/>
+              <a:t>Fourth level</a:t>
             </a:r>
           </a:p>
           <a:p>
             <a:pPr lvl="4"/>
             <a:r>
-              <a:rPr lang="ko-KR" altLang="en-US"/>
-              <a:t>다섯째 수준</a:t>
-            </a:r>
-          </a:p>
-        </p:txBody>
-      </p:sp>
-      <p:sp>
-        <p:nvSpPr>
-          <p:cNvPr id="7" name="날짜 개체 틀 6"/>
+              <a:rPr lang="en-US" smtClean="0"/>
+              <a:t>Fifth level</a:t>
+            </a:r>
+            <a:endParaRPr lang="en-US" dirty="0"/>
+          </a:p>
+        </p:txBody>
+      </p:sp>
+      <p:sp>
+        <p:nvSpPr>
+          <p:cNvPr id="7" name="Date Placeholder 6"/>
           <p:cNvSpPr>
             <a:spLocks noGrp="1"/>
           </p:cNvSpPr>
@@ -1665,7 +1680,7 @@
       </p:sp>
       <p:sp>
         <p:nvSpPr>
-          <p:cNvPr id="8" name="바닥글 개체 틀 7"/>
+          <p:cNvPr id="8" name="Footer Placeholder 7"/>
           <p:cNvSpPr>
             <a:spLocks noGrp="1"/>
           </p:cNvSpPr>
@@ -1684,7 +1699,7 @@
       </p:sp>
       <p:sp>
         <p:nvSpPr>
-          <p:cNvPr id="9" name="슬라이드 번호 개체 틀 8"/>
+          <p:cNvPr id="9" name="Slide Number Placeholder 8"/>
           <p:cNvSpPr>
             <a:spLocks noGrp="1"/>
           </p:cNvSpPr>
@@ -1708,7 +1723,7 @@
     </p:spTree>
     <p:extLst>
       <p:ext uri="{BB962C8B-B14F-4D97-AF65-F5344CB8AC3E}">
-        <p14:creationId xmlns:p14="http://schemas.microsoft.com/office/powerpoint/2010/main" val="233389384"/>
+        <p14:creationId xmlns:p14="http://schemas.microsoft.com/office/powerpoint/2010/main" val="104534164"/>
       </p:ext>
     </p:extLst>
   </p:cSld>
@@ -1720,7 +1735,7 @@
 
 <file path=ppt/slideLayouts/slideLayout6.xml><?xml version="1.0" encoding="utf-8"?>
 <p:sldLayout xmlns:a="http://schemas.openxmlformats.org/drawingml/2006/main" xmlns:r="http://schemas.openxmlformats.org/officeDocument/2006/relationships" xmlns:p="http://schemas.openxmlformats.org/presentationml/2006/main" type="titleOnly" preserve="1">
-  <p:cSld name="제목만">
+  <p:cSld name="Title Only">
     <p:spTree>
       <p:nvGrpSpPr>
         <p:cNvPr id="1" name=""/>
@@ -1737,7 +1752,7 @@
       </p:grpSpPr>
       <p:sp>
         <p:nvSpPr>
-          <p:cNvPr id="2" name="제목 1"/>
+          <p:cNvPr id="2" name="Title 1"/>
           <p:cNvSpPr>
             <a:spLocks noGrp="1"/>
           </p:cNvSpPr>
@@ -1751,15 +1766,16 @@
           <a:lstStyle/>
           <a:p>
             <a:r>
-              <a:rPr lang="ko-KR" altLang="en-US"/>
-              <a:t>마스터 제목 스타일 편집</a:t>
-            </a:r>
-          </a:p>
-        </p:txBody>
-      </p:sp>
-      <p:sp>
-        <p:nvSpPr>
-          <p:cNvPr id="3" name="날짜 개체 틀 2"/>
+              <a:rPr lang="en-US" smtClean="0"/>
+              <a:t>Click to edit Master title style</a:t>
+            </a:r>
+            <a:endParaRPr lang="en-US" dirty="0"/>
+          </a:p>
+        </p:txBody>
+      </p:sp>
+      <p:sp>
+        <p:nvSpPr>
+          <p:cNvPr id="3" name="Date Placeholder 2"/>
           <p:cNvSpPr>
             <a:spLocks noGrp="1"/>
           </p:cNvSpPr>
@@ -1782,7 +1798,7 @@
       </p:sp>
       <p:sp>
         <p:nvSpPr>
-          <p:cNvPr id="4" name="바닥글 개체 틀 3"/>
+          <p:cNvPr id="4" name="Footer Placeholder 3"/>
           <p:cNvSpPr>
             <a:spLocks noGrp="1"/>
           </p:cNvSpPr>
@@ -1801,7 +1817,7 @@
       </p:sp>
       <p:sp>
         <p:nvSpPr>
-          <p:cNvPr id="5" name="슬라이드 번호 개체 틀 4"/>
+          <p:cNvPr id="5" name="Slide Number Placeholder 4"/>
           <p:cNvSpPr>
             <a:spLocks noGrp="1"/>
           </p:cNvSpPr>
@@ -1825,7 +1841,7 @@
     </p:spTree>
     <p:extLst>
       <p:ext uri="{BB962C8B-B14F-4D97-AF65-F5344CB8AC3E}">
-        <p14:creationId xmlns:p14="http://schemas.microsoft.com/office/powerpoint/2010/main" val="2950314030"/>
+        <p14:creationId xmlns:p14="http://schemas.microsoft.com/office/powerpoint/2010/main" val="1424828918"/>
       </p:ext>
     </p:extLst>
   </p:cSld>
@@ -1837,7 +1853,7 @@
 
 <file path=ppt/slideLayouts/slideLayout7.xml><?xml version="1.0" encoding="utf-8"?>
 <p:sldLayout xmlns:a="http://schemas.openxmlformats.org/drawingml/2006/main" xmlns:r="http://schemas.openxmlformats.org/officeDocument/2006/relationships" xmlns:p="http://schemas.openxmlformats.org/presentationml/2006/main" type="blank" preserve="1">
-  <p:cSld name="빈 화면">
+  <p:cSld name="Blank">
     <p:spTree>
       <p:nvGrpSpPr>
         <p:cNvPr id="1" name=""/>
@@ -1854,7 +1870,7 @@
       </p:grpSpPr>
       <p:sp>
         <p:nvSpPr>
-          <p:cNvPr id="2" name="날짜 개체 틀 1"/>
+          <p:cNvPr id="2" name="Date Placeholder 1"/>
           <p:cNvSpPr>
             <a:spLocks noGrp="1"/>
           </p:cNvSpPr>
@@ -1877,7 +1893,7 @@
       </p:sp>
       <p:sp>
         <p:nvSpPr>
-          <p:cNvPr id="3" name="바닥글 개체 틀 2"/>
+          <p:cNvPr id="3" name="Footer Placeholder 2"/>
           <p:cNvSpPr>
             <a:spLocks noGrp="1"/>
           </p:cNvSpPr>
@@ -1896,7 +1912,7 @@
       </p:sp>
       <p:sp>
         <p:nvSpPr>
-          <p:cNvPr id="4" name="슬라이드 번호 개체 틀 3"/>
+          <p:cNvPr id="4" name="Slide Number Placeholder 3"/>
           <p:cNvSpPr>
             <a:spLocks noGrp="1"/>
           </p:cNvSpPr>
@@ -1920,7 +1936,7 @@
     </p:spTree>
     <p:extLst>
       <p:ext uri="{BB962C8B-B14F-4D97-AF65-F5344CB8AC3E}">
-        <p14:creationId xmlns:p14="http://schemas.microsoft.com/office/powerpoint/2010/main" val="1535301298"/>
+        <p14:creationId xmlns:p14="http://schemas.microsoft.com/office/powerpoint/2010/main" val="1852658826"/>
       </p:ext>
     </p:extLst>
   </p:cSld>
@@ -1932,7 +1948,7 @@
 
 <file path=ppt/slideLayouts/slideLayout8.xml><?xml version="1.0" encoding="utf-8"?>
 <p:sldLayout xmlns:a="http://schemas.openxmlformats.org/drawingml/2006/main" xmlns:r="http://schemas.openxmlformats.org/officeDocument/2006/relationships" xmlns:p="http://schemas.openxmlformats.org/presentationml/2006/main" type="objTx" preserve="1">
-  <p:cSld name="캡션 있는 콘텐츠">
+  <p:cSld name="Content with Caption">
     <p:spTree>
       <p:nvGrpSpPr>
         <p:cNvPr id="1" name=""/>
@@ -1949,7 +1965,7 @@
       </p:grpSpPr>
       <p:sp>
         <p:nvSpPr>
-          <p:cNvPr id="2" name="제목 1"/>
+          <p:cNvPr id="2" name="Title 1"/>
           <p:cNvSpPr>
             <a:spLocks noGrp="1"/>
           </p:cNvSpPr>
@@ -1972,15 +1988,16 @@
           </a:lstStyle>
           <a:p>
             <a:r>
-              <a:rPr lang="ko-KR" altLang="en-US"/>
-              <a:t>마스터 제목 스타일 편집</a:t>
-            </a:r>
-          </a:p>
-        </p:txBody>
-      </p:sp>
-      <p:sp>
-        <p:nvSpPr>
-          <p:cNvPr id="3" name="내용 개체 틀 2"/>
+              <a:rPr lang="en-US" smtClean="0"/>
+              <a:t>Click to edit Master title style</a:t>
+            </a:r>
+            <a:endParaRPr lang="en-US" dirty="0"/>
+          </a:p>
+        </p:txBody>
+      </p:sp>
+      <p:sp>
+        <p:nvSpPr>
+          <p:cNvPr id="3" name="Content Placeholder 2"/>
           <p:cNvSpPr>
             <a:spLocks noGrp="1"/>
           </p:cNvSpPr>
@@ -2028,43 +2045,44 @@
           <a:p>
             <a:pPr lvl="0"/>
             <a:r>
-              <a:rPr lang="ko-KR" altLang="en-US"/>
-              <a:t>마스터 텍스트 스타일 편집</a:t>
+              <a:rPr lang="en-US" smtClean="0"/>
+              <a:t>Edit Master text styles</a:t>
             </a:r>
           </a:p>
           <a:p>
             <a:pPr lvl="1"/>
             <a:r>
-              <a:rPr lang="ko-KR" altLang="en-US"/>
-              <a:t>둘째 수준</a:t>
+              <a:rPr lang="en-US" smtClean="0"/>
+              <a:t>Second level</a:t>
             </a:r>
           </a:p>
           <a:p>
             <a:pPr lvl="2"/>
             <a:r>
-              <a:rPr lang="ko-KR" altLang="en-US"/>
-              <a:t>셋째 수준</a:t>
+              <a:rPr lang="en-US" smtClean="0"/>
+              <a:t>Third level</a:t>
             </a:r>
           </a:p>
           <a:p>
             <a:pPr lvl="3"/>
             <a:r>
-              <a:rPr lang="ko-KR" altLang="en-US"/>
-              <a:t>넷째 수준</a:t>
+              <a:rPr lang="en-US" smtClean="0"/>
+              <a:t>Fourth level</a:t>
             </a:r>
           </a:p>
           <a:p>
             <a:pPr lvl="4"/>
             <a:r>
-              <a:rPr lang="ko-KR" altLang="en-US"/>
-              <a:t>다섯째 수준</a:t>
-            </a:r>
-          </a:p>
-        </p:txBody>
-      </p:sp>
-      <p:sp>
-        <p:nvSpPr>
-          <p:cNvPr id="4" name="텍스트 개체 틀 3"/>
+              <a:rPr lang="en-US" smtClean="0"/>
+              <a:t>Fifth level</a:t>
+            </a:r>
+            <a:endParaRPr lang="en-US" dirty="0"/>
+          </a:p>
+        </p:txBody>
+      </p:sp>
+      <p:sp>
+        <p:nvSpPr>
+          <p:cNvPr id="4" name="Text Placeholder 3"/>
           <p:cNvSpPr>
             <a:spLocks noGrp="1"/>
           </p:cNvSpPr>
@@ -2121,15 +2139,15 @@
           <a:p>
             <a:pPr lvl="0"/>
             <a:r>
-              <a:rPr lang="ko-KR" altLang="en-US"/>
-              <a:t>마스터 텍스트 스타일 편집</a:t>
-            </a:r>
-          </a:p>
-        </p:txBody>
-      </p:sp>
-      <p:sp>
-        <p:nvSpPr>
-          <p:cNvPr id="5" name="날짜 개체 틀 4"/>
+              <a:rPr lang="en-US" smtClean="0"/>
+              <a:t>Edit Master text styles</a:t>
+            </a:r>
+          </a:p>
+        </p:txBody>
+      </p:sp>
+      <p:sp>
+        <p:nvSpPr>
+          <p:cNvPr id="5" name="Date Placeholder 4"/>
           <p:cNvSpPr>
             <a:spLocks noGrp="1"/>
           </p:cNvSpPr>
@@ -2152,7 +2170,7 @@
       </p:sp>
       <p:sp>
         <p:nvSpPr>
-          <p:cNvPr id="6" name="바닥글 개체 틀 5"/>
+          <p:cNvPr id="6" name="Footer Placeholder 5"/>
           <p:cNvSpPr>
             <a:spLocks noGrp="1"/>
           </p:cNvSpPr>
@@ -2171,7 +2189,7 @@
       </p:sp>
       <p:sp>
         <p:nvSpPr>
-          <p:cNvPr id="7" name="슬라이드 번호 개체 틀 6"/>
+          <p:cNvPr id="7" name="Slide Number Placeholder 6"/>
           <p:cNvSpPr>
             <a:spLocks noGrp="1"/>
           </p:cNvSpPr>
@@ -2195,7 +2213,7 @@
     </p:spTree>
     <p:extLst>
       <p:ext uri="{BB962C8B-B14F-4D97-AF65-F5344CB8AC3E}">
-        <p14:creationId xmlns:p14="http://schemas.microsoft.com/office/powerpoint/2010/main" val="3833764048"/>
+        <p14:creationId xmlns:p14="http://schemas.microsoft.com/office/powerpoint/2010/main" val="3254533199"/>
       </p:ext>
     </p:extLst>
   </p:cSld>
@@ -2207,7 +2225,7 @@
 
 <file path=ppt/slideLayouts/slideLayout9.xml><?xml version="1.0" encoding="utf-8"?>
 <p:sldLayout xmlns:a="http://schemas.openxmlformats.org/drawingml/2006/main" xmlns:r="http://schemas.openxmlformats.org/officeDocument/2006/relationships" xmlns:p="http://schemas.openxmlformats.org/presentationml/2006/main" type="picTx" preserve="1">
-  <p:cSld name="캡션 있는 그림">
+  <p:cSld name="Picture with Caption">
     <p:spTree>
       <p:nvGrpSpPr>
         <p:cNvPr id="1" name=""/>
@@ -2224,7 +2242,7 @@
       </p:grpSpPr>
       <p:sp>
         <p:nvSpPr>
-          <p:cNvPr id="2" name="제목 1"/>
+          <p:cNvPr id="2" name="Title 1"/>
           <p:cNvSpPr>
             <a:spLocks noGrp="1"/>
           </p:cNvSpPr>
@@ -2247,17 +2265,18 @@
           </a:lstStyle>
           <a:p>
             <a:r>
-              <a:rPr lang="ko-KR" altLang="en-US"/>
-              <a:t>마스터 제목 스타일 편집</a:t>
-            </a:r>
-          </a:p>
-        </p:txBody>
-      </p:sp>
-      <p:sp>
-        <p:nvSpPr>
-          <p:cNvPr id="3" name="그림 개체 틀 2"/>
+              <a:rPr lang="en-US" smtClean="0"/>
+              <a:t>Click to edit Master title style</a:t>
+            </a:r>
+            <a:endParaRPr lang="en-US" dirty="0"/>
+          </a:p>
+        </p:txBody>
+      </p:sp>
+      <p:sp>
+        <p:nvSpPr>
+          <p:cNvPr id="3" name="Picture Placeholder 2"/>
           <p:cNvSpPr>
-            <a:spLocks noGrp="1"/>
+            <a:spLocks noGrp="1" noChangeAspect="1"/>
           </p:cNvSpPr>
           <p:nvPr>
             <p:ph type="pic" idx="1"/>
@@ -2270,7 +2289,7 @@
           </a:xfrm>
         </p:spPr>
         <p:txBody>
-          <a:bodyPr/>
+          <a:bodyPr anchor="t"/>
           <a:lstStyle>
             <a:lvl1pPr marL="0" indent="0">
               <a:buNone/>
@@ -2310,13 +2329,17 @@
             </a:lvl9pPr>
           </a:lstStyle>
           <a:p>
-            <a:endParaRPr lang="ko-KR" altLang="en-US"/>
-          </a:p>
-        </p:txBody>
-      </p:sp>
-      <p:sp>
-        <p:nvSpPr>
-          <p:cNvPr id="4" name="텍스트 개체 틀 3"/>
+            <a:r>
+              <a:rPr lang="en-US" smtClean="0"/>
+              <a:t>Click icon to add picture</a:t>
+            </a:r>
+            <a:endParaRPr lang="en-US" dirty="0"/>
+          </a:p>
+        </p:txBody>
+      </p:sp>
+      <p:sp>
+        <p:nvSpPr>
+          <p:cNvPr id="4" name="Text Placeholder 3"/>
           <p:cNvSpPr>
             <a:spLocks noGrp="1"/>
           </p:cNvSpPr>
@@ -2373,15 +2396,15 @@
           <a:p>
             <a:pPr lvl="0"/>
             <a:r>
-              <a:rPr lang="ko-KR" altLang="en-US"/>
-              <a:t>마스터 텍스트 스타일 편집</a:t>
-            </a:r>
-          </a:p>
-        </p:txBody>
-      </p:sp>
-      <p:sp>
-        <p:nvSpPr>
-          <p:cNvPr id="5" name="날짜 개체 틀 4"/>
+              <a:rPr lang="en-US" smtClean="0"/>
+              <a:t>Edit Master text styles</a:t>
+            </a:r>
+          </a:p>
+        </p:txBody>
+      </p:sp>
+      <p:sp>
+        <p:nvSpPr>
+          <p:cNvPr id="5" name="Date Placeholder 4"/>
           <p:cNvSpPr>
             <a:spLocks noGrp="1"/>
           </p:cNvSpPr>
@@ -2404,7 +2427,7 @@
       </p:sp>
       <p:sp>
         <p:nvSpPr>
-          <p:cNvPr id="6" name="바닥글 개체 틀 5"/>
+          <p:cNvPr id="6" name="Footer Placeholder 5"/>
           <p:cNvSpPr>
             <a:spLocks noGrp="1"/>
           </p:cNvSpPr>
@@ -2423,7 +2446,7 @@
       </p:sp>
       <p:sp>
         <p:nvSpPr>
-          <p:cNvPr id="7" name="슬라이드 번호 개체 틀 6"/>
+          <p:cNvPr id="7" name="Slide Number Placeholder 6"/>
           <p:cNvSpPr>
             <a:spLocks noGrp="1"/>
           </p:cNvSpPr>
@@ -2447,7 +2470,7 @@
     </p:spTree>
     <p:extLst>
       <p:ext uri="{BB962C8B-B14F-4D97-AF65-F5344CB8AC3E}">
-        <p14:creationId xmlns:p14="http://schemas.microsoft.com/office/powerpoint/2010/main" val="3268809353"/>
+        <p14:creationId xmlns:p14="http://schemas.microsoft.com/office/powerpoint/2010/main" val="529937539"/>
       </p:ext>
     </p:extLst>
   </p:cSld>
@@ -2481,7 +2504,7 @@
       </p:grpSpPr>
       <p:sp>
         <p:nvSpPr>
-          <p:cNvPr id="2" name="제목 개체 틀 1"/>
+          <p:cNvPr id="2" name="Title Placeholder 1"/>
           <p:cNvSpPr>
             <a:spLocks noGrp="1"/>
           </p:cNvSpPr>
@@ -2505,15 +2528,16 @@
           <a:lstStyle/>
           <a:p>
             <a:r>
-              <a:rPr lang="ko-KR" altLang="en-US"/>
-              <a:t>마스터 제목 스타일 편집</a:t>
-            </a:r>
-          </a:p>
-        </p:txBody>
-      </p:sp>
-      <p:sp>
-        <p:nvSpPr>
-          <p:cNvPr id="3" name="텍스트 개체 틀 2"/>
+              <a:rPr lang="en-US" smtClean="0"/>
+              <a:t>Click to edit Master title style</a:t>
+            </a:r>
+            <a:endParaRPr lang="en-US" dirty="0"/>
+          </a:p>
+        </p:txBody>
+      </p:sp>
+      <p:sp>
+        <p:nvSpPr>
+          <p:cNvPr id="3" name="Text Placeholder 2"/>
           <p:cNvSpPr>
             <a:spLocks noGrp="1"/>
           </p:cNvSpPr>
@@ -2538,43 +2562,44 @@
           <a:p>
             <a:pPr lvl="0"/>
             <a:r>
-              <a:rPr lang="ko-KR" altLang="en-US"/>
-              <a:t>마스터 텍스트 스타일 편집</a:t>
+              <a:rPr lang="en-US" smtClean="0"/>
+              <a:t>Edit Master text styles</a:t>
             </a:r>
           </a:p>
           <a:p>
             <a:pPr lvl="1"/>
             <a:r>
-              <a:rPr lang="ko-KR" altLang="en-US"/>
-              <a:t>둘째 수준</a:t>
+              <a:rPr lang="en-US" smtClean="0"/>
+              <a:t>Second level</a:t>
             </a:r>
           </a:p>
           <a:p>
             <a:pPr lvl="2"/>
             <a:r>
-              <a:rPr lang="ko-KR" altLang="en-US"/>
-              <a:t>셋째 수준</a:t>
+              <a:rPr lang="en-US" smtClean="0"/>
+              <a:t>Third level</a:t>
             </a:r>
           </a:p>
           <a:p>
             <a:pPr lvl="3"/>
             <a:r>
-              <a:rPr lang="ko-KR" altLang="en-US"/>
-              <a:t>넷째 수준</a:t>
+              <a:rPr lang="en-US" smtClean="0"/>
+              <a:t>Fourth level</a:t>
             </a:r>
           </a:p>
           <a:p>
             <a:pPr lvl="4"/>
             <a:r>
-              <a:rPr lang="ko-KR" altLang="en-US"/>
-              <a:t>다섯째 수준</a:t>
-            </a:r>
-          </a:p>
-        </p:txBody>
-      </p:sp>
-      <p:sp>
-        <p:nvSpPr>
-          <p:cNvPr id="4" name="날짜 개체 틀 3"/>
+              <a:rPr lang="en-US" smtClean="0"/>
+              <a:t>Fifth level</a:t>
+            </a:r>
+            <a:endParaRPr lang="en-US" dirty="0"/>
+          </a:p>
+        </p:txBody>
+      </p:sp>
+      <p:sp>
+        <p:nvSpPr>
+          <p:cNvPr id="4" name="Date Placeholder 3"/>
           <p:cNvSpPr>
             <a:spLocks noGrp="1"/>
           </p:cNvSpPr>
@@ -2615,7 +2640,7 @@
       </p:sp>
       <p:sp>
         <p:nvSpPr>
-          <p:cNvPr id="5" name="바닥글 개체 틀 4"/>
+          <p:cNvPr id="5" name="Footer Placeholder 4"/>
           <p:cNvSpPr>
             <a:spLocks noGrp="1"/>
           </p:cNvSpPr>
@@ -2652,7 +2677,7 @@
       </p:sp>
       <p:sp>
         <p:nvSpPr>
-          <p:cNvPr id="6" name="슬라이드 번호 개체 틀 5"/>
+          <p:cNvPr id="6" name="Slide Number Placeholder 5"/>
           <p:cNvSpPr>
             <a:spLocks noGrp="1"/>
           </p:cNvSpPr>
@@ -2694,27 +2719,27 @@
     </p:spTree>
     <p:extLst>
       <p:ext uri="{BB962C8B-B14F-4D97-AF65-F5344CB8AC3E}">
-        <p14:creationId xmlns:p14="http://schemas.microsoft.com/office/powerpoint/2010/main" val="4012082485"/>
+        <p14:creationId xmlns:p14="http://schemas.microsoft.com/office/powerpoint/2010/main" val="309879016"/>
       </p:ext>
     </p:extLst>
   </p:cSld>
   <p:clrMap bg1="lt1" tx1="dk1" bg2="lt2" tx2="dk2" accent1="accent1" accent2="accent2" accent3="accent3" accent4="accent4" accent5="accent5" accent6="accent6" hlink="hlink" folHlink="folHlink"/>
   <p:sldLayoutIdLst>
-    <p:sldLayoutId id="2147483649" r:id="rId1"/>
-    <p:sldLayoutId id="2147483650" r:id="rId2"/>
-    <p:sldLayoutId id="2147483651" r:id="rId3"/>
-    <p:sldLayoutId id="2147483652" r:id="rId4"/>
-    <p:sldLayoutId id="2147483653" r:id="rId5"/>
-    <p:sldLayoutId id="2147483654" r:id="rId6"/>
-    <p:sldLayoutId id="2147483655" r:id="rId7"/>
-    <p:sldLayoutId id="2147483656" r:id="rId8"/>
-    <p:sldLayoutId id="2147483657" r:id="rId9"/>
-    <p:sldLayoutId id="2147483658" r:id="rId10"/>
-    <p:sldLayoutId id="2147483659" r:id="rId11"/>
+    <p:sldLayoutId id="2147483673" r:id="rId1"/>
+    <p:sldLayoutId id="2147483674" r:id="rId2"/>
+    <p:sldLayoutId id="2147483675" r:id="rId3"/>
+    <p:sldLayoutId id="2147483676" r:id="rId4"/>
+    <p:sldLayoutId id="2147483677" r:id="rId5"/>
+    <p:sldLayoutId id="2147483678" r:id="rId6"/>
+    <p:sldLayoutId id="2147483679" r:id="rId7"/>
+    <p:sldLayoutId id="2147483680" r:id="rId8"/>
+    <p:sldLayoutId id="2147483681" r:id="rId9"/>
+    <p:sldLayoutId id="2147483682" r:id="rId10"/>
+    <p:sldLayoutId id="2147483683" r:id="rId11"/>
   </p:sldLayoutIdLst>
   <p:txStyles>
     <p:titleStyle>
-      <a:lvl1pPr algn="l" defTabSz="914400" rtl="0" eaLnBrk="1" latinLnBrk="1" hangingPunct="1">
+      <a:lvl1pPr algn="l" defTabSz="914400" rtl="0" eaLnBrk="1" latinLnBrk="0" hangingPunct="1">
         <a:lnSpc>
           <a:spcPct val="90000"/>
         </a:lnSpc>
@@ -2733,7 +2758,7 @@
       </a:lvl1pPr>
     </p:titleStyle>
     <p:bodyStyle>
-      <a:lvl1pPr marL="228600" indent="-228600" algn="l" defTabSz="914400" rtl="0" eaLnBrk="1" latinLnBrk="1" hangingPunct="1">
+      <a:lvl1pPr marL="228600" indent="-228600" algn="l" defTabSz="914400" rtl="0" eaLnBrk="1" latinLnBrk="0" hangingPunct="1">
         <a:lnSpc>
           <a:spcPct val="90000"/>
         </a:lnSpc>
@@ -2751,7 +2776,7 @@
           <a:cs typeface="+mn-cs"/>
         </a:defRPr>
       </a:lvl1pPr>
-      <a:lvl2pPr marL="685800" indent="-228600" algn="l" defTabSz="914400" rtl="0" eaLnBrk="1" latinLnBrk="1" hangingPunct="1">
+      <a:lvl2pPr marL="685800" indent="-228600" algn="l" defTabSz="914400" rtl="0" eaLnBrk="1" latinLnBrk="0" hangingPunct="1">
         <a:lnSpc>
           <a:spcPct val="90000"/>
         </a:lnSpc>
@@ -2769,7 +2794,7 @@
           <a:cs typeface="+mn-cs"/>
         </a:defRPr>
       </a:lvl2pPr>
-      <a:lvl3pPr marL="1143000" indent="-228600" algn="l" defTabSz="914400" rtl="0" eaLnBrk="1" latinLnBrk="1" hangingPunct="1">
+      <a:lvl3pPr marL="1143000" indent="-228600" algn="l" defTabSz="914400" rtl="0" eaLnBrk="1" latinLnBrk="0" hangingPunct="1">
         <a:lnSpc>
           <a:spcPct val="90000"/>
         </a:lnSpc>
@@ -2787,7 +2812,7 @@
           <a:cs typeface="+mn-cs"/>
         </a:defRPr>
       </a:lvl3pPr>
-      <a:lvl4pPr marL="1600200" indent="-228600" algn="l" defTabSz="914400" rtl="0" eaLnBrk="1" latinLnBrk="1" hangingPunct="1">
+      <a:lvl4pPr marL="1600200" indent="-228600" algn="l" defTabSz="914400" rtl="0" eaLnBrk="1" latinLnBrk="0" hangingPunct="1">
         <a:lnSpc>
           <a:spcPct val="90000"/>
         </a:lnSpc>
@@ -2805,7 +2830,7 @@
           <a:cs typeface="+mn-cs"/>
         </a:defRPr>
       </a:lvl4pPr>
-      <a:lvl5pPr marL="2057400" indent="-228600" algn="l" defTabSz="914400" rtl="0" eaLnBrk="1" latinLnBrk="1" hangingPunct="1">
+      <a:lvl5pPr marL="2057400" indent="-228600" algn="l" defTabSz="914400" rtl="0" eaLnBrk="1" latinLnBrk="0" hangingPunct="1">
         <a:lnSpc>
           <a:spcPct val="90000"/>
         </a:lnSpc>
@@ -2823,7 +2848,7 @@
           <a:cs typeface="+mn-cs"/>
         </a:defRPr>
       </a:lvl5pPr>
-      <a:lvl6pPr marL="2514600" indent="-228600" algn="l" defTabSz="914400" rtl="0" eaLnBrk="1" latinLnBrk="1" hangingPunct="1">
+      <a:lvl6pPr marL="2514600" indent="-228600" algn="l" defTabSz="914400" rtl="0" eaLnBrk="1" latinLnBrk="0" hangingPunct="1">
         <a:lnSpc>
           <a:spcPct val="90000"/>
         </a:lnSpc>
@@ -2841,7 +2866,7 @@
           <a:cs typeface="+mn-cs"/>
         </a:defRPr>
       </a:lvl6pPr>
-      <a:lvl7pPr marL="2971800" indent="-228600" algn="l" defTabSz="914400" rtl="0" eaLnBrk="1" latinLnBrk="1" hangingPunct="1">
+      <a:lvl7pPr marL="2971800" indent="-228600" algn="l" defTabSz="914400" rtl="0" eaLnBrk="1" latinLnBrk="0" hangingPunct="1">
         <a:lnSpc>
           <a:spcPct val="90000"/>
         </a:lnSpc>
@@ -2859,7 +2884,7 @@
           <a:cs typeface="+mn-cs"/>
         </a:defRPr>
       </a:lvl7pPr>
-      <a:lvl8pPr marL="3429000" indent="-228600" algn="l" defTabSz="914400" rtl="0" eaLnBrk="1" latinLnBrk="1" hangingPunct="1">
+      <a:lvl8pPr marL="3429000" indent="-228600" algn="l" defTabSz="914400" rtl="0" eaLnBrk="1" latinLnBrk="0" hangingPunct="1">
         <a:lnSpc>
           <a:spcPct val="90000"/>
         </a:lnSpc>
@@ -2877,7 +2902,7 @@
           <a:cs typeface="+mn-cs"/>
         </a:defRPr>
       </a:lvl8pPr>
-      <a:lvl9pPr marL="3886200" indent="-228600" algn="l" defTabSz="914400" rtl="0" eaLnBrk="1" latinLnBrk="1" hangingPunct="1">
+      <a:lvl9pPr marL="3886200" indent="-228600" algn="l" defTabSz="914400" rtl="0" eaLnBrk="1" latinLnBrk="0" hangingPunct="1">
         <a:lnSpc>
           <a:spcPct val="90000"/>
         </a:lnSpc>
@@ -2898,9 +2923,9 @@
     </p:bodyStyle>
     <p:otherStyle>
       <a:defPPr>
-        <a:defRPr lang="ko-KR"/>
+        <a:defRPr lang="en-US"/>
       </a:defPPr>
-      <a:lvl1pPr marL="0" algn="l" defTabSz="914400" rtl="0" eaLnBrk="1" latinLnBrk="1" hangingPunct="1">
+      <a:lvl1pPr marL="0" algn="l" defTabSz="914400" rtl="0" eaLnBrk="1" latinLnBrk="0" hangingPunct="1">
         <a:defRPr sz="1800" kern="1200">
           <a:solidFill>
             <a:schemeClr val="tx1"/>
@@ -2910,7 +2935,7 @@
           <a:cs typeface="+mn-cs"/>
         </a:defRPr>
       </a:lvl1pPr>
-      <a:lvl2pPr marL="457200" algn="l" defTabSz="914400" rtl="0" eaLnBrk="1" latinLnBrk="1" hangingPunct="1">
+      <a:lvl2pPr marL="457200" algn="l" defTabSz="914400" rtl="0" eaLnBrk="1" latinLnBrk="0" hangingPunct="1">
         <a:defRPr sz="1800" kern="1200">
           <a:solidFill>
             <a:schemeClr val="tx1"/>
@@ -2920,7 +2945,7 @@
           <a:cs typeface="+mn-cs"/>
         </a:defRPr>
       </a:lvl2pPr>
-      <a:lvl3pPr marL="914400" algn="l" defTabSz="914400" rtl="0" eaLnBrk="1" latinLnBrk="1" hangingPunct="1">
+      <a:lvl3pPr marL="914400" algn="l" defTabSz="914400" rtl="0" eaLnBrk="1" latinLnBrk="0" hangingPunct="1">
         <a:defRPr sz="1800" kern="1200">
           <a:solidFill>
             <a:schemeClr val="tx1"/>
@@ -2930,7 +2955,7 @@
           <a:cs typeface="+mn-cs"/>
         </a:defRPr>
       </a:lvl3pPr>
-      <a:lvl4pPr marL="1371600" algn="l" defTabSz="914400" rtl="0" eaLnBrk="1" latinLnBrk="1" hangingPunct="1">
+      <a:lvl4pPr marL="1371600" algn="l" defTabSz="914400" rtl="0" eaLnBrk="1" latinLnBrk="0" hangingPunct="1">
         <a:defRPr sz="1800" kern="1200">
           <a:solidFill>
             <a:schemeClr val="tx1"/>
@@ -2940,7 +2965,7 @@
           <a:cs typeface="+mn-cs"/>
         </a:defRPr>
       </a:lvl4pPr>
-      <a:lvl5pPr marL="1828800" algn="l" defTabSz="914400" rtl="0" eaLnBrk="1" latinLnBrk="1" hangingPunct="1">
+      <a:lvl5pPr marL="1828800" algn="l" defTabSz="914400" rtl="0" eaLnBrk="1" latinLnBrk="0" hangingPunct="1">
         <a:defRPr sz="1800" kern="1200">
           <a:solidFill>
             <a:schemeClr val="tx1"/>
@@ -2950,7 +2975,7 @@
           <a:cs typeface="+mn-cs"/>
         </a:defRPr>
       </a:lvl5pPr>
-      <a:lvl6pPr marL="2286000" algn="l" defTabSz="914400" rtl="0" eaLnBrk="1" latinLnBrk="1" hangingPunct="1">
+      <a:lvl6pPr marL="2286000" algn="l" defTabSz="914400" rtl="0" eaLnBrk="1" latinLnBrk="0" hangingPunct="1">
         <a:defRPr sz="1800" kern="1200">
           <a:solidFill>
             <a:schemeClr val="tx1"/>
@@ -2960,7 +2985,7 @@
           <a:cs typeface="+mn-cs"/>
         </a:defRPr>
       </a:lvl6pPr>
-      <a:lvl7pPr marL="2743200" algn="l" defTabSz="914400" rtl="0" eaLnBrk="1" latinLnBrk="1" hangingPunct="1">
+      <a:lvl7pPr marL="2743200" algn="l" defTabSz="914400" rtl="0" eaLnBrk="1" latinLnBrk="0" hangingPunct="1">
         <a:defRPr sz="1800" kern="1200">
           <a:solidFill>
             <a:schemeClr val="tx1"/>
@@ -2970,7 +2995,7 @@
           <a:cs typeface="+mn-cs"/>
         </a:defRPr>
       </a:lvl7pPr>
-      <a:lvl8pPr marL="3200400" algn="l" defTabSz="914400" rtl="0" eaLnBrk="1" latinLnBrk="1" hangingPunct="1">
+      <a:lvl8pPr marL="3200400" algn="l" defTabSz="914400" rtl="0" eaLnBrk="1" latinLnBrk="0" hangingPunct="1">
         <a:defRPr sz="1800" kern="1200">
           <a:solidFill>
             <a:schemeClr val="tx1"/>
@@ -2980,7 +3005,7 @@
           <a:cs typeface="+mn-cs"/>
         </a:defRPr>
       </a:lvl8pPr>
-      <a:lvl9pPr marL="3657600" algn="l" defTabSz="914400" rtl="0" eaLnBrk="1" latinLnBrk="1" hangingPunct="1">
+      <a:lvl9pPr marL="3657600" algn="l" defTabSz="914400" rtl="0" eaLnBrk="1" latinLnBrk="0" hangingPunct="1">
         <a:defRPr sz="1800" kern="1200">
           <a:solidFill>
             <a:schemeClr val="tx1"/>
@@ -3186,6 +3211,17 @@
 <file path=ppt/slides/slide10.xml><?xml version="1.0" encoding="utf-8"?>
 <p:sld xmlns:a="http://schemas.openxmlformats.org/drawingml/2006/main" xmlns:r="http://schemas.openxmlformats.org/officeDocument/2006/relationships" xmlns:p="http://schemas.openxmlformats.org/presentationml/2006/main">
   <p:cSld>
+    <p:bg>
+      <p:bgPr>
+        <a:solidFill>
+          <a:schemeClr val="accent2">
+            <a:lumMod val="40000"/>
+            <a:lumOff val="60000"/>
+          </a:schemeClr>
+        </a:solidFill>
+        <a:effectLst/>
+      </p:bgPr>
+    </p:bg>
     <p:spTree>
       <p:nvGrpSpPr>
         <p:cNvPr id="1" name=""/>
@@ -3718,6 +3754,17 @@
 <file path=ppt/slides/slide11.xml><?xml version="1.0" encoding="utf-8"?>
 <p:sld xmlns:a="http://schemas.openxmlformats.org/drawingml/2006/main" xmlns:r="http://schemas.openxmlformats.org/officeDocument/2006/relationships" xmlns:p="http://schemas.openxmlformats.org/presentationml/2006/main">
   <p:cSld>
+    <p:bg>
+      <p:bgPr>
+        <a:solidFill>
+          <a:schemeClr val="accent2">
+            <a:lumMod val="40000"/>
+            <a:lumOff val="60000"/>
+          </a:schemeClr>
+        </a:solidFill>
+        <a:effectLst/>
+      </p:bgPr>
+    </p:bg>
     <p:spTree>
       <p:nvGrpSpPr>
         <p:cNvPr id="1" name=""/>
@@ -4245,6 +4292,17 @@
 <file path=ppt/slides/slide12.xml><?xml version="1.0" encoding="utf-8"?>
 <p:sld xmlns:a="http://schemas.openxmlformats.org/drawingml/2006/main" xmlns:r="http://schemas.openxmlformats.org/officeDocument/2006/relationships" xmlns:p="http://schemas.openxmlformats.org/presentationml/2006/main">
   <p:cSld>
+    <p:bg>
+      <p:bgPr>
+        <a:solidFill>
+          <a:schemeClr val="accent2">
+            <a:lumMod val="40000"/>
+            <a:lumOff val="60000"/>
+          </a:schemeClr>
+        </a:solidFill>
+        <a:effectLst/>
+      </p:bgPr>
+    </p:bg>
     <p:spTree>
       <p:nvGrpSpPr>
         <p:cNvPr id="1" name=""/>
@@ -4759,6 +4817,17 @@
 <file path=ppt/slides/slide13.xml><?xml version="1.0" encoding="utf-8"?>
 <p:sld xmlns:a="http://schemas.openxmlformats.org/drawingml/2006/main" xmlns:r="http://schemas.openxmlformats.org/officeDocument/2006/relationships" xmlns:p="http://schemas.openxmlformats.org/presentationml/2006/main">
   <p:cSld>
+    <p:bg>
+      <p:bgPr>
+        <a:solidFill>
+          <a:schemeClr val="accent2">
+            <a:lumMod val="40000"/>
+            <a:lumOff val="60000"/>
+          </a:schemeClr>
+        </a:solidFill>
+        <a:effectLst/>
+      </p:bgPr>
+    </p:bg>
     <p:spTree>
       <p:nvGrpSpPr>
         <p:cNvPr id="1" name=""/>
@@ -5291,6 +5360,17 @@
 <file path=ppt/slides/slide14.xml><?xml version="1.0" encoding="utf-8"?>
 <p:sld xmlns:a="http://schemas.openxmlformats.org/drawingml/2006/main" xmlns:r="http://schemas.openxmlformats.org/officeDocument/2006/relationships" xmlns:p="http://schemas.openxmlformats.org/presentationml/2006/main">
   <p:cSld>
+    <p:bg>
+      <p:bgPr>
+        <a:solidFill>
+          <a:schemeClr val="accent2">
+            <a:lumMod val="40000"/>
+            <a:lumOff val="60000"/>
+          </a:schemeClr>
+        </a:solidFill>
+        <a:effectLst/>
+      </p:bgPr>
+    </p:bg>
     <p:spTree>
       <p:nvGrpSpPr>
         <p:cNvPr id="1" name=""/>
@@ -5798,6 +5878,17 @@
 <file path=ppt/slides/slide15.xml><?xml version="1.0" encoding="utf-8"?>
 <p:sld xmlns:a="http://schemas.openxmlformats.org/drawingml/2006/main" xmlns:r="http://schemas.openxmlformats.org/officeDocument/2006/relationships" xmlns:p="http://schemas.openxmlformats.org/presentationml/2006/main">
   <p:cSld>
+    <p:bg>
+      <p:bgPr>
+        <a:solidFill>
+          <a:schemeClr val="accent2">
+            <a:lumMod val="40000"/>
+            <a:lumOff val="60000"/>
+          </a:schemeClr>
+        </a:solidFill>
+        <a:effectLst/>
+      </p:bgPr>
+    </p:bg>
     <p:spTree>
       <p:nvGrpSpPr>
         <p:cNvPr id="1" name=""/>
@@ -6296,6 +6387,17 @@
 <file path=ppt/slides/slide16.xml><?xml version="1.0" encoding="utf-8"?>
 <p:sld xmlns:a="http://schemas.openxmlformats.org/drawingml/2006/main" xmlns:r="http://schemas.openxmlformats.org/officeDocument/2006/relationships" xmlns:p="http://schemas.openxmlformats.org/presentationml/2006/main">
   <p:cSld>
+    <p:bg>
+      <p:bgPr>
+        <a:solidFill>
+          <a:schemeClr val="accent2">
+            <a:lumMod val="40000"/>
+            <a:lumOff val="60000"/>
+          </a:schemeClr>
+        </a:solidFill>
+        <a:effectLst/>
+      </p:bgPr>
+    </p:bg>
     <p:spTree>
       <p:nvGrpSpPr>
         <p:cNvPr id="1" name=""/>
@@ -6812,6 +6914,17 @@
 <file path=ppt/slides/slide17.xml><?xml version="1.0" encoding="utf-8"?>
 <p:sld xmlns:a="http://schemas.openxmlformats.org/drawingml/2006/main" xmlns:r="http://schemas.openxmlformats.org/officeDocument/2006/relationships" xmlns:p="http://schemas.openxmlformats.org/presentationml/2006/main">
   <p:cSld>
+    <p:bg>
+      <p:bgPr>
+        <a:solidFill>
+          <a:schemeClr val="accent2">
+            <a:lumMod val="40000"/>
+            <a:lumOff val="60000"/>
+          </a:schemeClr>
+        </a:solidFill>
+        <a:effectLst/>
+      </p:bgPr>
+    </p:bg>
     <p:spTree>
       <p:nvGrpSpPr>
         <p:cNvPr id="1" name=""/>
@@ -7335,6 +7448,17 @@
 <file path=ppt/slides/slide18.xml><?xml version="1.0" encoding="utf-8"?>
 <p:sld xmlns:a="http://schemas.openxmlformats.org/drawingml/2006/main" xmlns:r="http://schemas.openxmlformats.org/officeDocument/2006/relationships" xmlns:p="http://schemas.openxmlformats.org/presentationml/2006/main">
   <p:cSld>
+    <p:bg>
+      <p:bgPr>
+        <a:solidFill>
+          <a:schemeClr val="accent2">
+            <a:lumMod val="40000"/>
+            <a:lumOff val="60000"/>
+          </a:schemeClr>
+        </a:solidFill>
+        <a:effectLst/>
+      </p:bgPr>
+    </p:bg>
     <p:spTree>
       <p:nvGrpSpPr>
         <p:cNvPr id="1" name=""/>
@@ -7851,6 +7975,17 @@
 <file path=ppt/slides/slide19.xml><?xml version="1.0" encoding="utf-8"?>
 <p:sld xmlns:a="http://schemas.openxmlformats.org/drawingml/2006/main" xmlns:r="http://schemas.openxmlformats.org/officeDocument/2006/relationships" xmlns:p="http://schemas.openxmlformats.org/presentationml/2006/main">
   <p:cSld>
+    <p:bg>
+      <p:bgPr>
+        <a:solidFill>
+          <a:schemeClr val="accent2">
+            <a:lumMod val="40000"/>
+            <a:lumOff val="60000"/>
+          </a:schemeClr>
+        </a:solidFill>
+        <a:effectLst/>
+      </p:bgPr>
+    </p:bg>
     <p:spTree>
       <p:nvGrpSpPr>
         <p:cNvPr id="1" name=""/>
@@ -8355,6 +8490,17 @@
 <file path=ppt/slides/slide2.xml><?xml version="1.0" encoding="utf-8"?>
 <p:sld xmlns:a="http://schemas.openxmlformats.org/drawingml/2006/main" xmlns:r="http://schemas.openxmlformats.org/officeDocument/2006/relationships" xmlns:p="http://schemas.openxmlformats.org/presentationml/2006/main">
   <p:cSld>
+    <p:bg>
+      <p:bgPr>
+        <a:solidFill>
+          <a:schemeClr val="tx2">
+            <a:lumMod val="20000"/>
+            <a:lumOff val="80000"/>
+          </a:schemeClr>
+        </a:solidFill>
+        <a:effectLst/>
+      </p:bgPr>
+    </p:bg>
     <p:spTree>
       <p:nvGrpSpPr>
         <p:cNvPr id="1" name=""/>
@@ -8851,6 +8997,17 @@
 <file path=ppt/slides/slide20.xml><?xml version="1.0" encoding="utf-8"?>
 <p:sld xmlns:a="http://schemas.openxmlformats.org/drawingml/2006/main" xmlns:r="http://schemas.openxmlformats.org/officeDocument/2006/relationships" xmlns:p="http://schemas.openxmlformats.org/presentationml/2006/main">
   <p:cSld>
+    <p:bg>
+      <p:bgPr>
+        <a:solidFill>
+          <a:schemeClr val="accent2">
+            <a:lumMod val="40000"/>
+            <a:lumOff val="60000"/>
+          </a:schemeClr>
+        </a:solidFill>
+        <a:effectLst/>
+      </p:bgPr>
+    </p:bg>
     <p:spTree>
       <p:nvGrpSpPr>
         <p:cNvPr id="1" name=""/>
@@ -9364,6 +9521,17 @@
 <file path=ppt/slides/slide21.xml><?xml version="1.0" encoding="utf-8"?>
 <p:sld xmlns:a="http://schemas.openxmlformats.org/drawingml/2006/main" xmlns:r="http://schemas.openxmlformats.org/officeDocument/2006/relationships" xmlns:p="http://schemas.openxmlformats.org/presentationml/2006/main">
   <p:cSld>
+    <p:bg>
+      <p:bgPr>
+        <a:solidFill>
+          <a:schemeClr val="accent2">
+            <a:lumMod val="40000"/>
+            <a:lumOff val="60000"/>
+          </a:schemeClr>
+        </a:solidFill>
+        <a:effectLst/>
+      </p:bgPr>
+    </p:bg>
     <p:spTree>
       <p:nvGrpSpPr>
         <p:cNvPr id="1" name=""/>
@@ -9877,6 +10045,17 @@
 <file path=ppt/slides/slide22.xml><?xml version="1.0" encoding="utf-8"?>
 <p:sld xmlns:a="http://schemas.openxmlformats.org/drawingml/2006/main" xmlns:r="http://schemas.openxmlformats.org/officeDocument/2006/relationships" xmlns:p="http://schemas.openxmlformats.org/presentationml/2006/main">
   <p:cSld>
+    <p:bg>
+      <p:bgPr>
+        <a:solidFill>
+          <a:schemeClr val="accent2">
+            <a:lumMod val="40000"/>
+            <a:lumOff val="60000"/>
+          </a:schemeClr>
+        </a:solidFill>
+        <a:effectLst/>
+      </p:bgPr>
+    </p:bg>
     <p:spTree>
       <p:nvGrpSpPr>
         <p:cNvPr id="1" name=""/>
@@ -10385,6 +10564,17 @@
 <file path=ppt/slides/slide23.xml><?xml version="1.0" encoding="utf-8"?>
 <p:sld xmlns:a="http://schemas.openxmlformats.org/drawingml/2006/main" xmlns:r="http://schemas.openxmlformats.org/officeDocument/2006/relationships" xmlns:p="http://schemas.openxmlformats.org/presentationml/2006/main">
   <p:cSld>
+    <p:bg>
+      <p:bgPr>
+        <a:solidFill>
+          <a:schemeClr val="accent2">
+            <a:lumMod val="40000"/>
+            <a:lumOff val="60000"/>
+          </a:schemeClr>
+        </a:solidFill>
+        <a:effectLst/>
+      </p:bgPr>
+    </p:bg>
     <p:spTree>
       <p:nvGrpSpPr>
         <p:cNvPr id="1" name=""/>
@@ -10887,6 +11077,17 @@
 <file path=ppt/slides/slide24.xml><?xml version="1.0" encoding="utf-8"?>
 <p:sld xmlns:a="http://schemas.openxmlformats.org/drawingml/2006/main" xmlns:r="http://schemas.openxmlformats.org/officeDocument/2006/relationships" xmlns:p="http://schemas.openxmlformats.org/presentationml/2006/main">
   <p:cSld>
+    <p:bg>
+      <p:bgPr>
+        <a:solidFill>
+          <a:schemeClr val="accent2">
+            <a:lumMod val="40000"/>
+            <a:lumOff val="60000"/>
+          </a:schemeClr>
+        </a:solidFill>
+        <a:effectLst/>
+      </p:bgPr>
+    </p:bg>
     <p:spTree>
       <p:nvGrpSpPr>
         <p:cNvPr id="1" name=""/>
@@ -11394,6 +11595,17 @@
 <file path=ppt/slides/slide25.xml><?xml version="1.0" encoding="utf-8"?>
 <p:sld xmlns:a="http://schemas.openxmlformats.org/drawingml/2006/main" xmlns:r="http://schemas.openxmlformats.org/officeDocument/2006/relationships" xmlns:p="http://schemas.openxmlformats.org/presentationml/2006/main">
   <p:cSld>
+    <p:bg>
+      <p:bgPr>
+        <a:solidFill>
+          <a:schemeClr val="accent2">
+            <a:lumMod val="40000"/>
+            <a:lumOff val="60000"/>
+          </a:schemeClr>
+        </a:solidFill>
+        <a:effectLst/>
+      </p:bgPr>
+    </p:bg>
     <p:spTree>
       <p:nvGrpSpPr>
         <p:cNvPr id="1" name=""/>
@@ -11909,6 +12121,17 @@
 <file path=ppt/slides/slide26.xml><?xml version="1.0" encoding="utf-8"?>
 <p:sld xmlns:a="http://schemas.openxmlformats.org/drawingml/2006/main" xmlns:r="http://schemas.openxmlformats.org/officeDocument/2006/relationships" xmlns:p="http://schemas.openxmlformats.org/presentationml/2006/main">
   <p:cSld>
+    <p:bg>
+      <p:bgPr>
+        <a:solidFill>
+          <a:schemeClr val="accent2">
+            <a:lumMod val="40000"/>
+            <a:lumOff val="60000"/>
+          </a:schemeClr>
+        </a:solidFill>
+        <a:effectLst/>
+      </p:bgPr>
+    </p:bg>
     <p:spTree>
       <p:nvGrpSpPr>
         <p:cNvPr id="1" name=""/>
@@ -12432,6 +12655,17 @@
 <file path=ppt/slides/slide27.xml><?xml version="1.0" encoding="utf-8"?>
 <p:sld xmlns:a="http://schemas.openxmlformats.org/drawingml/2006/main" xmlns:r="http://schemas.openxmlformats.org/officeDocument/2006/relationships" xmlns:p="http://schemas.openxmlformats.org/presentationml/2006/main">
   <p:cSld>
+    <p:bg>
+      <p:bgPr>
+        <a:solidFill>
+          <a:schemeClr val="accent2">
+            <a:lumMod val="40000"/>
+            <a:lumOff val="60000"/>
+          </a:schemeClr>
+        </a:solidFill>
+        <a:effectLst/>
+      </p:bgPr>
+    </p:bg>
     <p:spTree>
       <p:nvGrpSpPr>
         <p:cNvPr id="1" name=""/>
@@ -12955,6 +13189,17 @@
 <file path=ppt/slides/slide28.xml><?xml version="1.0" encoding="utf-8"?>
 <p:sld xmlns:a="http://schemas.openxmlformats.org/drawingml/2006/main" xmlns:r="http://schemas.openxmlformats.org/officeDocument/2006/relationships" xmlns:p="http://schemas.openxmlformats.org/presentationml/2006/main">
   <p:cSld>
+    <p:bg>
+      <p:bgPr>
+        <a:solidFill>
+          <a:schemeClr val="accent2">
+            <a:lumMod val="40000"/>
+            <a:lumOff val="60000"/>
+          </a:schemeClr>
+        </a:solidFill>
+        <a:effectLst/>
+      </p:bgPr>
+    </p:bg>
     <p:spTree>
       <p:nvGrpSpPr>
         <p:cNvPr id="1" name=""/>
@@ -13443,6 +13688,17 @@
 <file path=ppt/slides/slide29.xml><?xml version="1.0" encoding="utf-8"?>
 <p:sld xmlns:a="http://schemas.openxmlformats.org/drawingml/2006/main" xmlns:r="http://schemas.openxmlformats.org/officeDocument/2006/relationships" xmlns:p="http://schemas.openxmlformats.org/presentationml/2006/main">
   <p:cSld>
+    <p:bg>
+      <p:bgPr>
+        <a:solidFill>
+          <a:schemeClr val="tx2">
+            <a:lumMod val="20000"/>
+            <a:lumOff val="80000"/>
+          </a:schemeClr>
+        </a:solidFill>
+        <a:effectLst/>
+      </p:bgPr>
+    </p:bg>
     <p:spTree>
       <p:nvGrpSpPr>
         <p:cNvPr id="1" name=""/>
@@ -13658,7 +13914,7 @@
         <p:spPr>
           <a:xfrm>
             <a:off x="1182153" y="2991713"/>
-            <a:ext cx="9922320" cy="1938731"/>
+            <a:ext cx="9922320" cy="2486374"/>
           </a:xfrm>
           <a:prstGeom prst="rect">
             <a:avLst/>
@@ -13725,7 +13981,15 @@
                   <a:schemeClr val="tx1"/>
                 </a:solidFill>
               </a:rPr>
-              <a:t>updating data on each page</a:t>
+              <a:t>updating data on each </a:t>
+            </a:r>
+            <a:r>
+              <a:rPr lang="en-AU" sz="2000" dirty="0" smtClean="0">
+                <a:solidFill>
+                  <a:schemeClr val="tx1"/>
+                </a:solidFill>
+              </a:rPr>
+              <a:t>page</a:t>
             </a:r>
           </a:p>
           <a:p>
@@ -13739,6 +14003,25 @@
                   <a:schemeClr val="tx1"/>
                 </a:solidFill>
               </a:rPr>
+              <a:t>Manual insertion of static data where necessary</a:t>
+            </a:r>
+            <a:endParaRPr lang="en-AU" sz="2000" dirty="0" smtClean="0">
+              <a:solidFill>
+                <a:schemeClr val="tx1"/>
+              </a:solidFill>
+            </a:endParaRPr>
+          </a:p>
+          <a:p>
+            <a:pPr marL="342900" indent="-342900">
+              <a:buFont typeface="Arial" panose="020B0604020202020204" pitchFamily="34" charset="0"/>
+              <a:buChar char="•"/>
+            </a:pPr>
+            <a:r>
+              <a:rPr lang="en-AU" sz="2000" dirty="0" smtClean="0">
+                <a:solidFill>
+                  <a:schemeClr val="tx1"/>
+                </a:solidFill>
+              </a:rPr>
               <a:t>A separate page for creating new entries for entities which contains</a:t>
             </a:r>
           </a:p>
@@ -13797,14 +14080,48 @@
                   <a:schemeClr val="tx1"/>
                 </a:solidFill>
               </a:rPr>
-              <a:t>Checks for uniqueness and other constraints</a:t>
-            </a:r>
-            <a:endParaRPr lang="en-AU" sz="2000" dirty="0">
+              <a:t>Checks for uniqueness and other </a:t>
+            </a:r>
+            <a:r>
+              <a:rPr lang="en-AU" sz="2000" dirty="0" smtClean="0">
+                <a:solidFill>
+                  <a:schemeClr val="tx1"/>
+                </a:solidFill>
+              </a:rPr>
+              <a:t>constraints</a:t>
+            </a:r>
+            <a:r>
+              <a:rPr lang="en-AU" sz="2000" dirty="0" smtClean="0">
+                <a:solidFill>
+                  <a:schemeClr val="tx1"/>
+                </a:solidFill>
+              </a:rPr>
+              <a:t/>
+            </a:r>
+            <a:br>
+              <a:rPr lang="en-AU" sz="2000" dirty="0" smtClean="0">
+                <a:solidFill>
+                  <a:schemeClr val="tx1"/>
+                </a:solidFill>
+              </a:rPr>
+            </a:br>
+            <a:endParaRPr lang="en-AU" sz="2000" dirty="0" smtClean="0">
               <a:solidFill>
                 <a:schemeClr val="tx1"/>
               </a:solidFill>
             </a:endParaRPr>
           </a:p>
+          <a:p>
+            <a:pPr marL="800100" lvl="1" indent="-342900">
+              <a:buFont typeface="Arial" panose="020B0604020202020204" pitchFamily="34" charset="0"/>
+              <a:buChar char="•"/>
+            </a:pPr>
+            <a:endParaRPr lang="en-AU" sz="2000" dirty="0" smtClean="0">
+              <a:solidFill>
+                <a:schemeClr val="tx1"/>
+              </a:solidFill>
+            </a:endParaRPr>
+          </a:p>
         </p:txBody>
       </p:sp>
       <p:sp>
@@ -13956,8 +14273,8 @@
         </p:nvSpPr>
         <p:spPr>
           <a:xfrm>
-            <a:off x="1182153" y="5157850"/>
-            <a:ext cx="9828000" cy="1620000"/>
+            <a:off x="1182153" y="5685904"/>
+            <a:ext cx="9828000" cy="1091945"/>
           </a:xfrm>
           <a:prstGeom prst="rect">
             <a:avLst/>
@@ -14034,6 +14351,14 @@
 <file path=ppt/slides/slide3.xml><?xml version="1.0" encoding="utf-8"?>
 <p:sld xmlns:a="http://schemas.openxmlformats.org/drawingml/2006/main" xmlns:r="http://schemas.openxmlformats.org/officeDocument/2006/relationships" xmlns:p="http://schemas.openxmlformats.org/presentationml/2006/main">
   <p:cSld>
+    <p:bg>
+      <p:bgPr>
+        <a:solidFill>
+          <a:schemeClr val="bg2"/>
+        </a:solidFill>
+        <a:effectLst/>
+      </p:bgPr>
+    </p:bg>
     <p:spTree>
       <p:nvGrpSpPr>
         <p:cNvPr id="1" name=""/>
@@ -14544,6 +14869,17 @@
 <file path=ppt/slides/slide30.xml><?xml version="1.0" encoding="utf-8"?>
 <p:sld xmlns:a="http://schemas.openxmlformats.org/drawingml/2006/main" xmlns:r="http://schemas.openxmlformats.org/officeDocument/2006/relationships" xmlns:p="http://schemas.openxmlformats.org/presentationml/2006/main">
   <p:cSld>
+    <p:bg>
+      <p:bgPr>
+        <a:solidFill>
+          <a:schemeClr val="tx2">
+            <a:lumMod val="20000"/>
+            <a:lumOff val="80000"/>
+          </a:schemeClr>
+        </a:solidFill>
+        <a:effectLst/>
+      </p:bgPr>
+    </p:bg>
     <p:spTree>
       <p:nvGrpSpPr>
         <p:cNvPr id="1" name=""/>
@@ -14803,26 +15139,20 @@
               <a:buChar char="•"/>
             </a:pPr>
             <a:r>
-              <a:rPr lang="en-AU" sz="2000" dirty="0">
-                <a:solidFill>
-                  <a:schemeClr val="tx1"/>
-                </a:solidFill>
-              </a:rPr>
-              <a:t>Built-in file explorer</a:t>
-            </a:r>
-          </a:p>
-          <a:p>
-            <a:pPr marL="342900" indent="-342900">
-              <a:buFont typeface="Arial" panose="020B0604020202020204" pitchFamily="34" charset="0"/>
-              <a:buChar char="•"/>
-            </a:pPr>
-            <a:r>
-              <a:rPr lang="en-AU" sz="2000" dirty="0">
-                <a:solidFill>
-                  <a:schemeClr val="tx1"/>
-                </a:solidFill>
-              </a:rPr>
-              <a:t>Database synchronisation</a:t>
+              <a:rPr lang="en-AU" sz="2000" dirty="0" smtClean="0">
+                <a:solidFill>
+                  <a:schemeClr val="tx1"/>
+                </a:solidFill>
+              </a:rPr>
+              <a:t>Database </a:t>
+            </a:r>
+            <a:r>
+              <a:rPr lang="en-AU" sz="2000" dirty="0">
+                <a:solidFill>
+                  <a:schemeClr val="tx1"/>
+                </a:solidFill>
+              </a:rPr>
+              <a:t>synchronisation</a:t>
             </a:r>
           </a:p>
         </p:txBody>
@@ -15054,6 +15384,17 @@
 <file path=ppt/slides/slide31.xml><?xml version="1.0" encoding="utf-8"?>
 <p:sld xmlns:a="http://schemas.openxmlformats.org/drawingml/2006/main" xmlns:r="http://schemas.openxmlformats.org/officeDocument/2006/relationships" xmlns:p="http://schemas.openxmlformats.org/presentationml/2006/main">
   <p:cSld>
+    <p:bg>
+      <p:bgPr>
+        <a:solidFill>
+          <a:schemeClr val="accent2">
+            <a:lumMod val="40000"/>
+            <a:lumOff val="60000"/>
+          </a:schemeClr>
+        </a:solidFill>
+        <a:effectLst/>
+      </p:bgPr>
+    </p:bg>
     <p:spTree>
       <p:nvGrpSpPr>
         <p:cNvPr id="1" name=""/>
@@ -15564,6 +15905,17 @@
 <file path=ppt/slides/slide32.xml><?xml version="1.0" encoding="utf-8"?>
 <p:sld xmlns:a="http://schemas.openxmlformats.org/drawingml/2006/main" xmlns:r="http://schemas.openxmlformats.org/officeDocument/2006/relationships" xmlns:p="http://schemas.openxmlformats.org/presentationml/2006/main">
   <p:cSld>
+    <p:bg>
+      <p:bgPr>
+        <a:solidFill>
+          <a:schemeClr val="accent2">
+            <a:lumMod val="40000"/>
+            <a:lumOff val="60000"/>
+          </a:schemeClr>
+        </a:solidFill>
+        <a:effectLst/>
+      </p:bgPr>
+    </p:bg>
     <p:spTree>
       <p:nvGrpSpPr>
         <p:cNvPr id="1" name=""/>
@@ -16074,6 +16426,17 @@
 <file path=ppt/slides/slide33.xml><?xml version="1.0" encoding="utf-8"?>
 <p:sld xmlns:a="http://schemas.openxmlformats.org/drawingml/2006/main" xmlns:r="http://schemas.openxmlformats.org/officeDocument/2006/relationships" xmlns:p="http://schemas.openxmlformats.org/presentationml/2006/main">
   <p:cSld>
+    <p:bg>
+      <p:bgPr>
+        <a:solidFill>
+          <a:schemeClr val="accent1">
+            <a:lumMod val="20000"/>
+            <a:lumOff val="80000"/>
+          </a:schemeClr>
+        </a:solidFill>
+        <a:effectLst/>
+      </p:bgPr>
+    </p:bg>
     <p:spTree>
       <p:nvGrpSpPr>
         <p:cNvPr id="1" name=""/>
@@ -16603,6 +16966,17 @@
 <file path=ppt/slides/slide34.xml><?xml version="1.0" encoding="utf-8"?>
 <p:sld xmlns:a="http://schemas.openxmlformats.org/drawingml/2006/main" xmlns:r="http://schemas.openxmlformats.org/officeDocument/2006/relationships" xmlns:p="http://schemas.openxmlformats.org/presentationml/2006/main">
   <p:cSld>
+    <p:bg>
+      <p:bgPr>
+        <a:solidFill>
+          <a:schemeClr val="accent2">
+            <a:lumMod val="40000"/>
+            <a:lumOff val="60000"/>
+          </a:schemeClr>
+        </a:solidFill>
+        <a:effectLst/>
+      </p:bgPr>
+    </p:bg>
     <p:spTree>
       <p:nvGrpSpPr>
         <p:cNvPr id="1" name=""/>
@@ -17113,6 +17487,17 @@
 <file path=ppt/slides/slide35.xml><?xml version="1.0" encoding="utf-8"?>
 <p:sld xmlns:a="http://schemas.openxmlformats.org/drawingml/2006/main" xmlns:r="http://schemas.openxmlformats.org/officeDocument/2006/relationships" xmlns:p="http://schemas.openxmlformats.org/presentationml/2006/main">
   <p:cSld>
+    <p:bg>
+      <p:bgPr>
+        <a:solidFill>
+          <a:schemeClr val="tx2">
+            <a:lumMod val="20000"/>
+            <a:lumOff val="80000"/>
+          </a:schemeClr>
+        </a:solidFill>
+        <a:effectLst/>
+      </p:bgPr>
+    </p:bg>
     <p:spTree>
       <p:nvGrpSpPr>
         <p:cNvPr id="1" name=""/>
@@ -17663,6 +18048,17 @@
 <file path=ppt/slides/slide36.xml><?xml version="1.0" encoding="utf-8"?>
 <p:sld xmlns:a="http://schemas.openxmlformats.org/drawingml/2006/main" xmlns:r="http://schemas.openxmlformats.org/officeDocument/2006/relationships" xmlns:p="http://schemas.openxmlformats.org/presentationml/2006/main">
   <p:cSld>
+    <p:bg>
+      <p:bgPr>
+        <a:solidFill>
+          <a:schemeClr val="tx2">
+            <a:lumMod val="20000"/>
+            <a:lumOff val="80000"/>
+          </a:schemeClr>
+        </a:solidFill>
+        <a:effectLst/>
+      </p:bgPr>
+    </p:bg>
     <p:spTree>
       <p:nvGrpSpPr>
         <p:cNvPr id="1" name=""/>
@@ -18207,6 +18603,14 @@
 <file path=ppt/slides/slide4.xml><?xml version="1.0" encoding="utf-8"?>
 <p:sld xmlns:a="http://schemas.openxmlformats.org/drawingml/2006/main" xmlns:r="http://schemas.openxmlformats.org/officeDocument/2006/relationships" xmlns:p="http://schemas.openxmlformats.org/presentationml/2006/main">
   <p:cSld>
+    <p:bg>
+      <p:bgPr>
+        <a:solidFill>
+          <a:schemeClr val="bg2"/>
+        </a:solidFill>
+        <a:effectLst/>
+      </p:bgPr>
+    </p:bg>
     <p:spTree>
       <p:nvGrpSpPr>
         <p:cNvPr id="1" name=""/>
@@ -18488,7 +18892,7 @@
               <a:buChar char="-"/>
             </a:pPr>
             <a:r>
-              <a:rPr lang="en-AU" sz="2000" smtClean="0">
+              <a:rPr lang="en-AU" sz="2000" dirty="0" smtClean="0">
                 <a:solidFill>
                   <a:schemeClr val="tx1"/>
                 </a:solidFill>
@@ -18719,6 +19123,14 @@
 <file path=ppt/slides/slide5.xml><?xml version="1.0" encoding="utf-8"?>
 <p:sld xmlns:a="http://schemas.openxmlformats.org/drawingml/2006/main" xmlns:r="http://schemas.openxmlformats.org/officeDocument/2006/relationships" xmlns:p="http://schemas.openxmlformats.org/presentationml/2006/main">
   <p:cSld>
+    <p:bg>
+      <p:bgPr>
+        <a:solidFill>
+          <a:schemeClr val="bg2"/>
+        </a:solidFill>
+        <a:effectLst/>
+      </p:bgPr>
+    </p:bg>
     <p:spTree>
       <p:nvGrpSpPr>
         <p:cNvPr id="1" name=""/>
@@ -19240,6 +19652,17 @@
 <file path=ppt/slides/slide6.xml><?xml version="1.0" encoding="utf-8"?>
 <p:sld xmlns:a="http://schemas.openxmlformats.org/drawingml/2006/main" xmlns:r="http://schemas.openxmlformats.org/officeDocument/2006/relationships" xmlns:p="http://schemas.openxmlformats.org/presentationml/2006/main">
   <p:cSld>
+    <p:bg>
+      <p:bgPr>
+        <a:solidFill>
+          <a:schemeClr val="accent2">
+            <a:lumMod val="40000"/>
+            <a:lumOff val="60000"/>
+          </a:schemeClr>
+        </a:solidFill>
+        <a:effectLst/>
+      </p:bgPr>
+    </p:bg>
     <p:spTree>
       <p:nvGrpSpPr>
         <p:cNvPr id="1" name=""/>
@@ -19736,6 +20159,17 @@
 <file path=ppt/slides/slide7.xml><?xml version="1.0" encoding="utf-8"?>
 <p:sld xmlns:a="http://schemas.openxmlformats.org/drawingml/2006/main" xmlns:r="http://schemas.openxmlformats.org/officeDocument/2006/relationships" xmlns:p="http://schemas.openxmlformats.org/presentationml/2006/main">
   <p:cSld>
+    <p:bg>
+      <p:bgPr>
+        <a:solidFill>
+          <a:schemeClr val="accent2">
+            <a:lumMod val="40000"/>
+            <a:lumOff val="60000"/>
+          </a:schemeClr>
+        </a:solidFill>
+        <a:effectLst/>
+      </p:bgPr>
+    </p:bg>
     <p:spTree>
       <p:nvGrpSpPr>
         <p:cNvPr id="1" name=""/>
@@ -20239,6 +20673,17 @@
 <file path=ppt/slides/slide8.xml><?xml version="1.0" encoding="utf-8"?>
 <p:sld xmlns:a="http://schemas.openxmlformats.org/drawingml/2006/main" xmlns:r="http://schemas.openxmlformats.org/officeDocument/2006/relationships" xmlns:p="http://schemas.openxmlformats.org/presentationml/2006/main">
   <p:cSld>
+    <p:bg>
+      <p:bgPr>
+        <a:solidFill>
+          <a:schemeClr val="accent2">
+            <a:lumMod val="40000"/>
+            <a:lumOff val="60000"/>
+          </a:schemeClr>
+        </a:solidFill>
+        <a:effectLst/>
+      </p:bgPr>
+    </p:bg>
     <p:spTree>
       <p:nvGrpSpPr>
         <p:cNvPr id="1" name=""/>
@@ -20738,6 +21183,17 @@
 <file path=ppt/slides/slide9.xml><?xml version="1.0" encoding="utf-8"?>
 <p:sld xmlns:a="http://schemas.openxmlformats.org/drawingml/2006/main" xmlns:r="http://schemas.openxmlformats.org/officeDocument/2006/relationships" xmlns:p="http://schemas.openxmlformats.org/presentationml/2006/main">
   <p:cSld>
+    <p:bg>
+      <p:bgPr>
+        <a:solidFill>
+          <a:schemeClr val="accent2">
+            <a:lumMod val="40000"/>
+            <a:lumOff val="60000"/>
+          </a:schemeClr>
+        </a:solidFill>
+        <a:effectLst/>
+      </p:bgPr>
+    </p:bg>
     <p:spTree>
       <p:nvGrpSpPr>
         <p:cNvPr id="1" name=""/>
@@ -21250,9 +21706,9 @@
 </file>
 
 <file path=ppt/theme/theme1.xml><?xml version="1.0" encoding="utf-8"?>
-<a:theme xmlns:a="http://schemas.openxmlformats.org/drawingml/2006/main" name="Office 테마">
+<a:theme xmlns:a="http://schemas.openxmlformats.org/drawingml/2006/main" name="Office Theme">
   <a:themeElements>
-    <a:clrScheme name="Office">
+    <a:clrScheme name="Office Theme">
       <a:dk1>
         <a:sysClr val="windowText" lastClr="000000"/>
       </a:dk1>
@@ -21290,9 +21746,9 @@
         <a:srgbClr val="954F72"/>
       </a:folHlink>
     </a:clrScheme>
-    <a:fontScheme name="Office">
+    <a:fontScheme name="Office Theme">
       <a:majorFont>
-        <a:latin typeface="맑은 고딕" panose="020F0302020204030204"/>
+        <a:latin typeface="Calibri Light" panose="020F0302020204030204"/>
         <a:ea typeface=""/>
         <a:cs typeface=""/>
         <a:font script="Jpan" typeface="游ゴシック Light"/>
@@ -21325,26 +21781,9 @@
         <a:font script="Viet" typeface="Times New Roman"/>
         <a:font script="Uigh" typeface="Microsoft Uighur"/>
         <a:font script="Geor" typeface="Sylfaen"/>
-        <a:font script="Armn" typeface="Arial"/>
-        <a:font script="Bugi" typeface="Leelawadee UI"/>
-        <a:font script="Bopo" typeface="Microsoft JhengHei"/>
-        <a:font script="Java" typeface="Javanese Text"/>
-        <a:font script="Lisu" typeface="Segoe UI"/>
-        <a:font script="Mymr" typeface="Myanmar Text"/>
-        <a:font script="Nkoo" typeface="Ebrima"/>
-        <a:font script="Olck" typeface="Nirmala UI"/>
-        <a:font script="Osma" typeface="Ebrima"/>
-        <a:font script="Phag" typeface="Phagspa"/>
-        <a:font script="Syrn" typeface="Estrangelo Edessa"/>
-        <a:font script="Syrj" typeface="Estrangelo Edessa"/>
-        <a:font script="Syre" typeface="Estrangelo Edessa"/>
-        <a:font script="Sora" typeface="Nirmala UI"/>
-        <a:font script="Tale" typeface="Microsoft Tai Le"/>
-        <a:font script="Talu" typeface="Microsoft New Tai Lue"/>
-        <a:font script="Tfng" typeface="Ebrima"/>
       </a:majorFont>
       <a:minorFont>
-        <a:latin typeface="맑은 고딕" panose="020F0502020204030204"/>
+        <a:latin typeface="Calibri" panose="020F0502020204030204"/>
         <a:ea typeface=""/>
         <a:cs typeface=""/>
         <a:font script="Jpan" typeface="游ゴシック"/>
@@ -21377,26 +21816,9 @@
         <a:font script="Viet" typeface="Arial"/>
         <a:font script="Uigh" typeface="Microsoft Uighur"/>
         <a:font script="Geor" typeface="Sylfaen"/>
-        <a:font script="Armn" typeface="Arial"/>
-        <a:font script="Bugi" typeface="Leelawadee UI"/>
-        <a:font script="Bopo" typeface="Microsoft JhengHei"/>
-        <a:font script="Java" typeface="Javanese Text"/>
-        <a:font script="Lisu" typeface="Segoe UI"/>
-        <a:font script="Mymr" typeface="Myanmar Text"/>
-        <a:font script="Nkoo" typeface="Ebrima"/>
-        <a:font script="Olck" typeface="Nirmala UI"/>
-        <a:font script="Osma" typeface="Ebrima"/>
-        <a:font script="Phag" typeface="Phagspa"/>
-        <a:font script="Syrn" typeface="Estrangelo Edessa"/>
-        <a:font script="Syrj" typeface="Estrangelo Edessa"/>
-        <a:font script="Syre" typeface="Estrangelo Edessa"/>
-        <a:font script="Sora" typeface="Nirmala UI"/>
-        <a:font script="Tale" typeface="Microsoft Tai Le"/>
-        <a:font script="Talu" typeface="Microsoft New Tai Lue"/>
-        <a:font script="Tfng" typeface="Ebrima"/>
       </a:minorFont>
     </a:fontScheme>
-    <a:fmtScheme name="Office">
+    <a:fmtScheme name="Office Theme">
       <a:fillStyleLst>
         <a:solidFill>
           <a:schemeClr val="phClr"/>

--- a/IFB299 - Collaborated User Stories - 2.pptx
+++ b/IFB299 - Collaborated User Stories - 2.pptx
@@ -41,6 +41,7 @@
     <p:sldId id="333" r:id="rId35"/>
     <p:sldId id="342" r:id="rId36"/>
     <p:sldId id="340" r:id="rId37"/>
+    <p:sldId id="343" r:id="rId38"/>
   </p:sldIdLst>
   <p:sldSz cx="12192000" cy="6858000"/>
   <p:notesSz cx="6858000" cy="9144000"/>
@@ -3214,9 +3215,9 @@
     <p:bg>
       <p:bgPr>
         <a:solidFill>
-          <a:schemeClr val="accent2">
-            <a:lumMod val="40000"/>
-            <a:lumOff val="60000"/>
+          <a:schemeClr val="tx2">
+            <a:lumMod val="20000"/>
+            <a:lumOff val="80000"/>
           </a:schemeClr>
         </a:solidFill>
         <a:effectLst/>
@@ -3404,12 +3405,12 @@
           </a:p>
           <a:p>
             <a:r>
-              <a:rPr lang="en-US" sz="2000" b="1" dirty="0">
-                <a:solidFill>
-                  <a:schemeClr val="tx1"/>
-                </a:solidFill>
-              </a:rPr>
-              <a:t>healthy</a:t>
+              <a:rPr lang="en-US" sz="2000" b="1" dirty="0" smtClean="0">
+                <a:solidFill>
+                  <a:schemeClr val="tx1"/>
+                </a:solidFill>
+              </a:rPr>
+              <a:t>Healthy.</a:t>
             </a:r>
             <a:endParaRPr lang="en-AU" altLang="ko-KR" sz="2000" dirty="0">
               <a:solidFill>
@@ -3757,9 +3758,9 @@
     <p:bg>
       <p:bgPr>
         <a:solidFill>
-          <a:schemeClr val="accent2">
-            <a:lumMod val="40000"/>
-            <a:lumOff val="60000"/>
+          <a:schemeClr val="tx2">
+            <a:lumMod val="20000"/>
+            <a:lumOff val="80000"/>
           </a:schemeClr>
         </a:solidFill>
         <a:effectLst/>
@@ -3942,7 +3943,71 @@
                   <a:schemeClr val="tx1"/>
                 </a:solidFill>
               </a:rPr>
-              <a:t>As a student I want to be able to view course information from universities so that I can plan my degree	</a:t>
+              <a:t>As a student I want to be able to view course information from </a:t>
+            </a:r>
+            <a:r>
+              <a:rPr lang="en-US" sz="2000" b="1" dirty="0">
+                <a:solidFill>
+                  <a:schemeClr val="tx1"/>
+                </a:solidFill>
+              </a:rPr>
+              <a:t>u</a:t>
+            </a:r>
+            <a:r>
+              <a:rPr lang="en-US" sz="2000" b="1" dirty="0" smtClean="0">
+                <a:solidFill>
+                  <a:schemeClr val="tx1"/>
+                </a:solidFill>
+              </a:rPr>
+              <a:t>niversities </a:t>
+            </a:r>
+            <a:r>
+              <a:rPr lang="en-US" sz="2000" b="1" dirty="0">
+                <a:solidFill>
+                  <a:schemeClr val="tx1"/>
+                </a:solidFill>
+              </a:rPr>
+              <a:t>so that I can </a:t>
+            </a:r>
+            <a:r>
+              <a:rPr lang="en-US" sz="2000" b="1" dirty="0" smtClean="0">
+                <a:solidFill>
+                  <a:schemeClr val="tx1"/>
+                </a:solidFill>
+              </a:rPr>
+              <a:t>plan</a:t>
+            </a:r>
+            <a:r>
+              <a:rPr lang="en-US" sz="2000" b="1" dirty="0" smtClean="0">
+                <a:solidFill>
+                  <a:schemeClr val="tx1"/>
+                </a:solidFill>
+              </a:rPr>
+              <a:t> </a:t>
+            </a:r>
+            <a:r>
+              <a:rPr lang="en-US" sz="2000" b="1" dirty="0">
+                <a:solidFill>
+                  <a:schemeClr val="tx1"/>
+                </a:solidFill>
+              </a:rPr>
+              <a:t>my </a:t>
+            </a:r>
+            <a:r>
+              <a:rPr lang="en-US" sz="2000" b="1" dirty="0" smtClean="0">
+                <a:solidFill>
+                  <a:schemeClr val="tx1"/>
+                </a:solidFill>
+              </a:rPr>
+              <a:t>degree.</a:t>
+            </a:r>
+            <a:r>
+              <a:rPr lang="en-US" sz="2000" b="1" dirty="0">
+                <a:solidFill>
+                  <a:schemeClr val="tx1"/>
+                </a:solidFill>
+              </a:rPr>
+              <a:t>	</a:t>
             </a:r>
             <a:endParaRPr lang="en-AU" altLang="ko-KR" sz="2000" dirty="0">
               <a:solidFill>
@@ -4010,13 +4075,17 @@
             </a:r>
           </a:p>
           <a:p>
+            <a:pPr marL="342900" indent="-342900">
+              <a:buFont typeface="Arial" panose="020B0604020202020204" pitchFamily="34" charset="0"/>
+              <a:buChar char="•"/>
+            </a:pPr>
             <a:r>
               <a:rPr lang="en-US" sz="2000" dirty="0" smtClean="0">
                 <a:solidFill>
                   <a:schemeClr val="tx1"/>
                 </a:solidFill>
               </a:rPr>
-              <a:t>- A </a:t>
+              <a:t>A </a:t>
             </a:r>
             <a:r>
               <a:rPr lang="en-US" sz="2000" dirty="0">
@@ -4024,22 +4093,45 @@
                   <a:schemeClr val="tx1"/>
                 </a:solidFill>
               </a:rPr>
-              <a:t>page that allows users to search by unit code, campus and course description</a:t>
-            </a:r>
-            <a:br>
+              <a:t>page that allows users to search by unit code, campus and course </a:t>
+            </a:r>
+            <a:r>
+              <a:rPr lang="en-US" sz="2000" dirty="0" smtClean="0">
+                <a:solidFill>
+                  <a:schemeClr val="tx1"/>
+                </a:solidFill>
+              </a:rPr>
+              <a:t>description.</a:t>
+            </a:r>
+          </a:p>
+          <a:p>
+            <a:pPr marL="342900" indent="-342900">
+              <a:buFont typeface="Arial" panose="020B0604020202020204" pitchFamily="34" charset="0"/>
+              <a:buChar char="•"/>
+            </a:pPr>
+            <a:r>
+              <a:rPr lang="en-US" sz="2000" dirty="0" smtClean="0">
+                <a:solidFill>
+                  <a:schemeClr val="tx1"/>
+                </a:solidFill>
+              </a:rPr>
+              <a:t>Able </a:t>
+            </a:r>
+            <a:r>
               <a:rPr lang="en-US" sz="2000" dirty="0">
                 <a:solidFill>
                   <a:schemeClr val="tx1"/>
                 </a:solidFill>
               </a:rPr>
-            </a:br>
+              <a:t>to click a link on course page that adds </a:t>
+            </a:r>
             <a:r>
               <a:rPr lang="en-US" sz="2000" dirty="0" smtClean="0">
                 <a:solidFill>
                   <a:schemeClr val="tx1"/>
                 </a:solidFill>
               </a:rPr>
-              <a:t>- Able </a:t>
+              <a:t>that </a:t>
             </a:r>
             <a:r>
               <a:rPr lang="en-US" sz="2000" dirty="0">
@@ -4047,7 +4139,7 @@
                   <a:schemeClr val="tx1"/>
                 </a:solidFill>
               </a:rPr>
-              <a:t>to click a link on course page that adds that adds that course to a list for </a:t>
+              <a:t>course to a list for </a:t>
             </a:r>
             <a:r>
               <a:rPr lang="en-US" sz="2000" dirty="0" smtClean="0">
@@ -4055,7 +4147,15 @@
                   <a:schemeClr val="tx1"/>
                 </a:solidFill>
               </a:rPr>
-              <a:t>the user</a:t>
+              <a:t>the </a:t>
+            </a:r>
+            <a:r>
+              <a:rPr lang="en-US" sz="2000" dirty="0" smtClean="0">
+                <a:solidFill>
+                  <a:schemeClr val="tx1"/>
+                </a:solidFill>
+              </a:rPr>
+              <a:t>user.</a:t>
             </a:r>
             <a:endParaRPr lang="en-AU" sz="2000" dirty="0">
               <a:solidFill>
@@ -4295,9 +4395,9 @@
     <p:bg>
       <p:bgPr>
         <a:solidFill>
-          <a:schemeClr val="accent2">
-            <a:lumMod val="40000"/>
-            <a:lumOff val="60000"/>
+          <a:schemeClr val="tx2">
+            <a:lumMod val="20000"/>
+            <a:lumOff val="80000"/>
           </a:schemeClr>
         </a:solidFill>
         <a:effectLst/>
@@ -4548,13 +4648,17 @@
             </a:r>
           </a:p>
           <a:p>
+            <a:pPr marL="342900" indent="-342900">
+              <a:buFont typeface="Arial" panose="020B0604020202020204" pitchFamily="34" charset="0"/>
+              <a:buChar char="•"/>
+            </a:pPr>
             <a:r>
               <a:rPr lang="en-US" sz="2000" dirty="0" smtClean="0">
                 <a:solidFill>
                   <a:schemeClr val="tx1"/>
                 </a:solidFill>
               </a:rPr>
-              <a:t>- A </a:t>
+              <a:t>A </a:t>
             </a:r>
             <a:r>
               <a:rPr lang="en-US" sz="2000" dirty="0">
@@ -4562,17 +4666,34 @@
                   <a:schemeClr val="tx1"/>
                 </a:solidFill>
               </a:rPr>
-              <a:t>page that displays nearby government branches</a:t>
-            </a:r>
-          </a:p>
-          <a:p>
+              <a:t>page that displays nearby government </a:t>
+            </a:r>
             <a:r>
               <a:rPr lang="en-US" sz="2000" dirty="0" smtClean="0">
                 <a:solidFill>
                   <a:schemeClr val="tx1"/>
                 </a:solidFill>
               </a:rPr>
-              <a:t>- A </a:t>
+              <a:t>branches.</a:t>
+            </a:r>
+            <a:endParaRPr lang="en-US" sz="2000" dirty="0">
+              <a:solidFill>
+                <a:schemeClr val="tx1"/>
+              </a:solidFill>
+            </a:endParaRPr>
+          </a:p>
+          <a:p>
+            <a:pPr marL="342900" indent="-342900">
+              <a:buFont typeface="Arial" panose="020B0604020202020204" pitchFamily="34" charset="0"/>
+              <a:buChar char="•"/>
+            </a:pPr>
+            <a:r>
+              <a:rPr lang="en-US" sz="2000" dirty="0" smtClean="0">
+                <a:solidFill>
+                  <a:schemeClr val="tx1"/>
+                </a:solidFill>
+              </a:rPr>
+              <a:t>A </a:t>
             </a:r>
             <a:r>
               <a:rPr lang="en-US" sz="2000" dirty="0">
@@ -4580,7 +4701,15 @@
                   <a:schemeClr val="tx1"/>
                 </a:solidFill>
               </a:rPr>
-              <a:t>page that allows users to search by service</a:t>
+              <a:t>page that allows users to search by </a:t>
+            </a:r>
+            <a:r>
+              <a:rPr lang="en-US" sz="2000" dirty="0" smtClean="0">
+                <a:solidFill>
+                  <a:schemeClr val="tx1"/>
+                </a:solidFill>
+              </a:rPr>
+              <a:t>service.</a:t>
             </a:r>
             <a:endParaRPr lang="en-AU" sz="2000" dirty="0">
               <a:solidFill>
@@ -4820,9 +4949,9 @@
     <p:bg>
       <p:bgPr>
         <a:solidFill>
-          <a:schemeClr val="accent2">
-            <a:lumMod val="40000"/>
-            <a:lumOff val="60000"/>
+          <a:schemeClr val="tx2">
+            <a:lumMod val="20000"/>
+            <a:lumOff val="80000"/>
           </a:schemeClr>
         </a:solidFill>
         <a:effectLst/>
@@ -5073,13 +5202,17 @@
             </a:r>
           </a:p>
           <a:p>
+            <a:pPr marL="342900" indent="-342900">
+              <a:buFont typeface="Arial" panose="020B0604020202020204" pitchFamily="34" charset="0"/>
+              <a:buChar char="•"/>
+            </a:pPr>
             <a:r>
               <a:rPr lang="en-US" sz="2000" dirty="0" smtClean="0">
                 <a:solidFill>
                   <a:schemeClr val="tx1"/>
                 </a:solidFill>
               </a:rPr>
-              <a:t>- A </a:t>
+              <a:t>A </a:t>
             </a:r>
             <a:r>
               <a:rPr lang="en-US" sz="2000" dirty="0">
@@ -5087,17 +5220,34 @@
                   <a:schemeClr val="tx1"/>
                 </a:solidFill>
               </a:rPr>
-              <a:t>page that displays public transport services by type</a:t>
-            </a:r>
-          </a:p>
-          <a:p>
+              <a:t>page that displays public transport services by </a:t>
+            </a:r>
             <a:r>
               <a:rPr lang="en-US" sz="2000" dirty="0" smtClean="0">
                 <a:solidFill>
                   <a:schemeClr val="tx1"/>
                 </a:solidFill>
               </a:rPr>
-              <a:t>- Selecting </a:t>
+              <a:t>type.</a:t>
+            </a:r>
+            <a:endParaRPr lang="en-US" sz="2000" dirty="0">
+              <a:solidFill>
+                <a:schemeClr val="tx1"/>
+              </a:solidFill>
+            </a:endParaRPr>
+          </a:p>
+          <a:p>
+            <a:pPr marL="342900" indent="-342900">
+              <a:buFont typeface="Arial" panose="020B0604020202020204" pitchFamily="34" charset="0"/>
+              <a:buChar char="•"/>
+            </a:pPr>
+            <a:r>
+              <a:rPr lang="en-US" sz="2000" dirty="0" smtClean="0">
+                <a:solidFill>
+                  <a:schemeClr val="tx1"/>
+                </a:solidFill>
+              </a:rPr>
+              <a:t>Selecting </a:t>
             </a:r>
             <a:r>
               <a:rPr lang="en-US" sz="2000" dirty="0">
@@ -5105,17 +5255,34 @@
                   <a:schemeClr val="tx1"/>
                 </a:solidFill>
               </a:rPr>
-              <a:t>a service type displays a selection of routes</a:t>
-            </a:r>
-          </a:p>
-          <a:p>
+              <a:t>a service type displays a selection of </a:t>
+            </a:r>
             <a:r>
               <a:rPr lang="en-US" sz="2000" dirty="0" smtClean="0">
                 <a:solidFill>
                   <a:schemeClr val="tx1"/>
                 </a:solidFill>
               </a:rPr>
-              <a:t>- Selecting </a:t>
+              <a:t>routes.</a:t>
+            </a:r>
+            <a:endParaRPr lang="en-US" sz="2000" dirty="0">
+              <a:solidFill>
+                <a:schemeClr val="tx1"/>
+              </a:solidFill>
+            </a:endParaRPr>
+          </a:p>
+          <a:p>
+            <a:pPr marL="342900" indent="-342900">
+              <a:buFont typeface="Arial" panose="020B0604020202020204" pitchFamily="34" charset="0"/>
+              <a:buChar char="•"/>
+            </a:pPr>
+            <a:r>
+              <a:rPr lang="en-US" sz="2000" dirty="0" smtClean="0">
+                <a:solidFill>
+                  <a:schemeClr val="tx1"/>
+                </a:solidFill>
+              </a:rPr>
+              <a:t>Selecting </a:t>
             </a:r>
             <a:r>
               <a:rPr lang="en-US" sz="2000" dirty="0">
@@ -5123,7 +5290,15 @@
                   <a:schemeClr val="tx1"/>
                 </a:solidFill>
               </a:rPr>
-              <a:t>a route displays the relevant timetable</a:t>
+              <a:t>a route displays the relevant </a:t>
+            </a:r>
+            <a:r>
+              <a:rPr lang="en-US" sz="2000" dirty="0" smtClean="0">
+                <a:solidFill>
+                  <a:schemeClr val="tx1"/>
+                </a:solidFill>
+              </a:rPr>
+              <a:t>timetable.</a:t>
             </a:r>
             <a:endParaRPr lang="en-AU" sz="2000" dirty="0">
               <a:solidFill>
@@ -5363,9 +5538,9 @@
     <p:bg>
       <p:bgPr>
         <a:solidFill>
-          <a:schemeClr val="accent2">
-            <a:lumMod val="40000"/>
-            <a:lumOff val="60000"/>
+          <a:schemeClr val="tx2">
+            <a:lumMod val="20000"/>
+            <a:lumOff val="80000"/>
           </a:schemeClr>
         </a:solidFill>
         <a:effectLst/>
@@ -5559,7 +5734,39 @@
                   <a:schemeClr val="tx1"/>
                 </a:solidFill>
               </a:rPr>
-              <a:t>As a student I want to be able to sort items by cost so that I can save money.	</a:t>
+              <a:t>As a student I want to be able to sort </a:t>
+            </a:r>
+            <a:r>
+              <a:rPr lang="en-US" sz="2000" b="1" dirty="0" smtClean="0">
+                <a:solidFill>
+                  <a:schemeClr val="tx1"/>
+                </a:solidFill>
+              </a:rPr>
+              <a:t>items where applicable </a:t>
+            </a:r>
+            <a:r>
+              <a:rPr lang="en-US" sz="2000" b="1" dirty="0">
+                <a:solidFill>
+                  <a:schemeClr val="tx1"/>
+                </a:solidFill>
+              </a:rPr>
+              <a:t>by cost so that I can </a:t>
+            </a:r>
+            <a:r>
+              <a:rPr lang="en-US" sz="2000" b="1" dirty="0" smtClean="0">
+                <a:solidFill>
+                  <a:schemeClr val="tx1"/>
+                </a:solidFill>
+              </a:rPr>
+              <a:t>manage finances.</a:t>
+            </a:r>
+            <a:r>
+              <a:rPr lang="en-US" sz="2000" b="1" dirty="0">
+                <a:solidFill>
+                  <a:schemeClr val="tx1"/>
+                </a:solidFill>
+              </a:rPr>
+              <a:t>	</a:t>
             </a:r>
             <a:endParaRPr lang="en-AU" altLang="ko-KR" sz="2000" dirty="0">
               <a:solidFill>
@@ -5627,13 +5834,17 @@
             </a:r>
           </a:p>
           <a:p>
+            <a:pPr marL="342900" indent="-342900">
+              <a:buFont typeface="Arial" panose="020B0604020202020204" pitchFamily="34" charset="0"/>
+              <a:buChar char="•"/>
+            </a:pPr>
             <a:r>
               <a:rPr lang="en-US" sz="2000" dirty="0" smtClean="0">
                 <a:solidFill>
                   <a:schemeClr val="tx1"/>
                 </a:solidFill>
               </a:rPr>
-              <a:t>- Able </a:t>
+              <a:t>Able </a:t>
             </a:r>
             <a:r>
               <a:rPr lang="en-US" sz="2000" dirty="0">
@@ -5881,9 +6092,9 @@
     <p:bg>
       <p:bgPr>
         <a:solidFill>
-          <a:schemeClr val="accent2">
-            <a:lumMod val="40000"/>
-            <a:lumOff val="60000"/>
+          <a:schemeClr val="tx2">
+            <a:lumMod val="20000"/>
+            <a:lumOff val="80000"/>
           </a:schemeClr>
         </a:solidFill>
         <a:effectLst/>
@@ -6134,23 +6345,47 @@
             </a:r>
           </a:p>
           <a:p>
+            <a:pPr marL="342900" indent="-342900">
+              <a:buFont typeface="Arial" panose="020B0604020202020204" pitchFamily="34" charset="0"/>
+              <a:buChar char="•"/>
+            </a:pPr>
+            <a:r>
+              <a:rPr lang="en-US" sz="2000" dirty="0" smtClean="0">
+                <a:solidFill>
+                  <a:schemeClr val="tx1"/>
+                </a:solidFill>
+              </a:rPr>
+              <a:t>Able </a:t>
+            </a:r>
             <a:r>
               <a:rPr lang="en-US" sz="2000" dirty="0">
                 <a:solidFill>
                   <a:schemeClr val="tx1"/>
                 </a:solidFill>
               </a:rPr>
-              <a:t>- Able to “like” items.</a:t>
-            </a:r>
-          </a:p>
-          <a:p>
+              <a:t>to “like” items.</a:t>
+            </a:r>
+          </a:p>
+          <a:p>
+            <a:pPr marL="342900" indent="-342900">
+              <a:buFont typeface="Arial" panose="020B0604020202020204" pitchFamily="34" charset="0"/>
+              <a:buChar char="•"/>
+            </a:pPr>
+            <a:r>
+              <a:rPr lang="en-US" sz="2000" dirty="0" smtClean="0">
+                <a:solidFill>
+                  <a:schemeClr val="tx1"/>
+                </a:solidFill>
+              </a:rPr>
+              <a:t>Product </a:t>
+            </a:r>
             <a:r>
               <a:rPr lang="en-US" sz="2000" dirty="0">
                 <a:solidFill>
                   <a:schemeClr val="tx1"/>
                 </a:solidFill>
               </a:rPr>
-              <a:t>- Product remembers liked items and suggests to repeat and suggests similar items.</a:t>
+              <a:t>remembers liked items and suggests to repeat and suggests similar items.</a:t>
             </a:r>
             <a:endParaRPr lang="en-AU" sz="2000" dirty="0">
               <a:solidFill>
@@ -6390,9 +6625,9 @@
     <p:bg>
       <p:bgPr>
         <a:solidFill>
-          <a:schemeClr val="accent2">
-            <a:lumMod val="40000"/>
-            <a:lumOff val="60000"/>
+          <a:schemeClr val="tx2">
+            <a:lumMod val="20000"/>
+            <a:lumOff val="80000"/>
           </a:schemeClr>
         </a:solidFill>
         <a:effectLst/>
@@ -6577,7 +6812,15 @@
                   <a:schemeClr val="tx1"/>
                 </a:solidFill>
               </a:rPr>
-              <a:t>As a tourist, I want be able to view hotel information so that I can compare hotels</a:t>
+              <a:t>As a tourist, I want be able to view hotel information so that I can compare </a:t>
+            </a:r>
+            <a:r>
+              <a:rPr lang="en-US" sz="2400" dirty="0" smtClean="0">
+                <a:solidFill>
+                  <a:schemeClr val="tx1"/>
+                </a:solidFill>
+              </a:rPr>
+              <a:t>hotels.</a:t>
             </a:r>
             <a:endParaRPr lang="en-AU" sz="2400" dirty="0">
               <a:solidFill>
@@ -6677,7 +6920,15 @@
                   <a:schemeClr val="tx1"/>
                 </a:solidFill>
               </a:rPr>
-              <a:t>A link or button that directs the user to the hotel website to view further information and booking availability</a:t>
+              <a:t>A link or button that directs the user to the hotel website to view further information and booking </a:t>
+            </a:r>
+            <a:r>
+              <a:rPr lang="en-US" sz="2000" dirty="0" smtClean="0">
+                <a:solidFill>
+                  <a:schemeClr val="tx1"/>
+                </a:solidFill>
+              </a:rPr>
+              <a:t>availability.</a:t>
             </a:r>
             <a:endParaRPr lang="en-AU" sz="2000" dirty="0">
               <a:solidFill>
@@ -6917,9 +7168,9 @@
     <p:bg>
       <p:bgPr>
         <a:solidFill>
-          <a:schemeClr val="accent2">
-            <a:lumMod val="40000"/>
-            <a:lumOff val="60000"/>
+          <a:schemeClr val="tx2">
+            <a:lumMod val="20000"/>
+            <a:lumOff val="80000"/>
           </a:schemeClr>
         </a:solidFill>
         <a:effectLst/>
@@ -7103,7 +7354,15 @@
                   <a:schemeClr val="tx1"/>
                 </a:solidFill>
               </a:rPr>
-              <a:t>As a tourist I want to be able to view city information, so that I can learn about the city</a:t>
+              <a:t>As a tourist I want to be able to view city information, so that I can learn about the </a:t>
+            </a:r>
+            <a:r>
+              <a:rPr lang="en-AU" altLang="ko-KR" sz="2400" dirty="0" smtClean="0">
+                <a:solidFill>
+                  <a:schemeClr val="tx1"/>
+                </a:solidFill>
+              </a:rPr>
+              <a:t>city.</a:t>
             </a:r>
             <a:endParaRPr lang="en-AU" sz="2400" dirty="0">
               <a:solidFill>
@@ -7181,39 +7440,17 @@
                   <a:schemeClr val="tx1"/>
                 </a:solidFill>
               </a:rPr>
-              <a:t>A link that shows information of zoos, museums, restaurants, </a:t>
-            </a:r>
-            <a:r>
-              <a:rPr lang="en-US" altLang="ko-KR" sz="2000" dirty="0" err="1">
-                <a:solidFill>
-                  <a:schemeClr val="tx1"/>
-                </a:solidFill>
-              </a:rPr>
-              <a:t>etc</a:t>
-            </a:r>
-            <a:r>
-              <a:rPr lang="en-US" altLang="ko-KR" sz="2000" dirty="0">
+              <a:t>A link that shows information of zoos, museums, restaurants, etc</a:t>
+            </a:r>
+            <a:r>
+              <a:rPr lang="en-US" altLang="ko-KR" sz="2000" dirty="0" smtClean="0">
                 <a:solidFill>
                   <a:schemeClr val="tx1"/>
                 </a:solidFill>
               </a:rPr>
               <a:t>…</a:t>
             </a:r>
-          </a:p>
-          <a:p>
-            <a:pPr marL="179388" indent="-179388">
-              <a:buFont typeface="Arial" pitchFamily="34" charset="0"/>
-              <a:buChar char="•"/>
-            </a:pPr>
-            <a:r>
-              <a:rPr lang="en-US" sz="2000" dirty="0">
-                <a:solidFill>
-                  <a:schemeClr val="tx1"/>
-                </a:solidFill>
-              </a:rPr>
-              <a:t>Each place provides information about what is on and promotions</a:t>
-            </a:r>
-            <a:endParaRPr lang="en-AU" sz="2000" dirty="0">
+            <a:endParaRPr lang="en-US" altLang="ko-KR" sz="2000" dirty="0">
               <a:solidFill>
                 <a:schemeClr val="tx1"/>
               </a:solidFill>
@@ -7451,9 +7688,9 @@
     <p:bg>
       <p:bgPr>
         <a:solidFill>
-          <a:schemeClr val="accent2">
-            <a:lumMod val="40000"/>
-            <a:lumOff val="60000"/>
+          <a:schemeClr val="tx2">
+            <a:lumMod val="20000"/>
+            <a:lumOff val="80000"/>
           </a:schemeClr>
         </a:solidFill>
         <a:effectLst/>
@@ -7715,7 +7952,23 @@
                   <a:schemeClr val="tx1"/>
                 </a:solidFill>
               </a:rPr>
-              <a:t>A link that provides many kind of transports information such as metro rail, bus, etc…</a:t>
+              <a:t>A link that provides </a:t>
+            </a:r>
+            <a:r>
+              <a:rPr lang="en-US" altLang="ko-KR" sz="2000" dirty="0" smtClean="0">
+                <a:solidFill>
+                  <a:schemeClr val="tx1"/>
+                </a:solidFill>
+              </a:rPr>
+              <a:t>transport </a:t>
+            </a:r>
+            <a:r>
+              <a:rPr lang="en-US" altLang="ko-KR" sz="2000" dirty="0">
+                <a:solidFill>
+                  <a:schemeClr val="tx1"/>
+                </a:solidFill>
+              </a:rPr>
+              <a:t>information such as metro rail, bus, etc…</a:t>
             </a:r>
           </a:p>
           <a:p>
@@ -7978,9 +8231,9 @@
     <p:bg>
       <p:bgPr>
         <a:solidFill>
-          <a:schemeClr val="accent2">
-            <a:lumMod val="40000"/>
-            <a:lumOff val="60000"/>
+          <a:schemeClr val="tx2">
+            <a:lumMod val="20000"/>
+            <a:lumOff val="80000"/>
           </a:schemeClr>
         </a:solidFill>
         <a:effectLst/>
@@ -8164,23 +8417,15 @@
                   <a:schemeClr val="tx1"/>
                 </a:solidFill>
               </a:rPr>
-              <a:t>As </a:t>
-            </a:r>
-            <a:r>
-              <a:rPr lang="en-AU" altLang="ko-KR" sz="2400">
-                <a:solidFill>
-                  <a:schemeClr val="tx1"/>
-                </a:solidFill>
-              </a:rPr>
-              <a:t>a tourist </a:t>
-            </a:r>
-            <a:r>
-              <a:rPr lang="en-AU" altLang="ko-KR" sz="2400" dirty="0">
-                <a:solidFill>
-                  <a:schemeClr val="tx1"/>
-                </a:solidFill>
-              </a:rPr>
-              <a:t>I want to be able to view the weather for each city so that I can plan around it accordingly</a:t>
+              <a:t>As a tourist I want to be able to view the weather for each city so that I can plan around it </a:t>
+            </a:r>
+            <a:r>
+              <a:rPr lang="en-AU" altLang="ko-KR" sz="2400" dirty="0" smtClean="0">
+                <a:solidFill>
+                  <a:schemeClr val="tx1"/>
+                </a:solidFill>
+              </a:rPr>
+              <a:t>accordingly.</a:t>
             </a:r>
             <a:endParaRPr lang="en-AU" sz="2400" dirty="0">
               <a:solidFill>
@@ -8258,8 +8503,21 @@
                   <a:schemeClr val="tx1"/>
                 </a:solidFill>
               </a:rPr>
-              <a:t>Display of weather information and forecasts</a:t>
-            </a:r>
+              <a:t>Display of weather information and </a:t>
+            </a:r>
+            <a:r>
+              <a:rPr lang="en-US" altLang="ko-KR" sz="2000" dirty="0" smtClean="0">
+                <a:solidFill>
+                  <a:schemeClr val="tx1"/>
+                </a:solidFill>
+              </a:rPr>
+              <a:t>forecasts.</a:t>
+            </a:r>
+            <a:endParaRPr lang="en-US" altLang="ko-KR" sz="2000" dirty="0">
+              <a:solidFill>
+                <a:schemeClr val="tx1"/>
+              </a:solidFill>
+            </a:endParaRPr>
           </a:p>
         </p:txBody>
       </p:sp>
@@ -8678,8 +8936,37 @@
                   <a:schemeClr val="tx1"/>
                 </a:solidFill>
               </a:rPr>
-              <a:t>As a guest, I should be able to find the welcome page and navigate to the login and registration portals.</a:t>
-            </a:r>
+              <a:t>As a guest, I should be able to find the welcome </a:t>
+            </a:r>
+            <a:r>
+              <a:rPr lang="en-AU" altLang="ko-KR" sz="2000" b="1" dirty="0" smtClean="0">
+                <a:solidFill>
+                  <a:schemeClr val="tx1"/>
+                </a:solidFill>
+              </a:rPr>
+              <a:t>page, so that I can navigate </a:t>
+            </a:r>
+            <a:r>
+              <a:rPr lang="en-AU" altLang="ko-KR" sz="2000" b="1" dirty="0">
+                <a:solidFill>
+                  <a:schemeClr val="tx1"/>
+                </a:solidFill>
+              </a:rPr>
+              <a:t>to the login and registration portals</a:t>
+            </a:r>
+            <a:r>
+              <a:rPr lang="en-AU" altLang="ko-KR" sz="2000" b="1" dirty="0" smtClean="0">
+                <a:solidFill>
+                  <a:schemeClr val="tx1"/>
+                </a:solidFill>
+              </a:rPr>
+              <a:t>. </a:t>
+            </a:r>
+            <a:endParaRPr lang="en-AU" altLang="ko-KR" sz="2000" b="1" dirty="0">
+              <a:solidFill>
+                <a:schemeClr val="tx1"/>
+              </a:solidFill>
+            </a:endParaRPr>
           </a:p>
         </p:txBody>
       </p:sp>
@@ -8741,13 +9028,17 @@
             </a:r>
           </a:p>
           <a:p>
+            <a:pPr marL="342900" indent="-342900">
+              <a:buFont typeface="Arial" panose="020B0604020202020204" pitchFamily="34" charset="0"/>
+              <a:buChar char="•"/>
+            </a:pPr>
             <a:r>
               <a:rPr lang="en-AU" sz="2000" dirty="0" smtClean="0">
                 <a:solidFill>
                   <a:schemeClr val="tx1"/>
                 </a:solidFill>
               </a:rPr>
-              <a:t>- Have </a:t>
+              <a:t>Have </a:t>
             </a:r>
             <a:r>
               <a:rPr lang="en-AU" sz="2000" dirty="0">
@@ -8759,14 +9050,53 @@
             </a:r>
           </a:p>
           <a:p>
-            <a:r>
-              <a:rPr lang="en-AU" sz="2000" dirty="0">
-                <a:solidFill>
-                  <a:schemeClr val="tx1"/>
-                </a:solidFill>
-              </a:rPr>
-              <a:t>- Have a registration page linked from the homepage</a:t>
-            </a:r>
+            <a:pPr marL="342900" indent="-342900">
+              <a:buFont typeface="Arial" panose="020B0604020202020204" pitchFamily="34" charset="0"/>
+              <a:buChar char="•"/>
+            </a:pPr>
+            <a:r>
+              <a:rPr lang="en-AU" sz="2000" dirty="0" smtClean="0">
+                <a:solidFill>
+                  <a:schemeClr val="tx1"/>
+                </a:solidFill>
+              </a:rPr>
+              <a:t>Have </a:t>
+            </a:r>
+            <a:r>
+              <a:rPr lang="en-AU" sz="2000" dirty="0">
+                <a:solidFill>
+                  <a:schemeClr val="tx1"/>
+                </a:solidFill>
+              </a:rPr>
+              <a:t>a registration page linked from the </a:t>
+            </a:r>
+            <a:r>
+              <a:rPr lang="en-AU" sz="2000" dirty="0" smtClean="0">
+                <a:solidFill>
+                  <a:schemeClr val="tx1"/>
+                </a:solidFill>
+              </a:rPr>
+              <a:t>homepage</a:t>
+            </a:r>
+          </a:p>
+          <a:p>
+            <a:pPr marL="342900" indent="-342900">
+              <a:buFont typeface="Arial" panose="020B0604020202020204" pitchFamily="34" charset="0"/>
+              <a:buChar char="•"/>
+            </a:pPr>
+            <a:r>
+              <a:rPr lang="en-AU" sz="2000" dirty="0" smtClean="0">
+                <a:solidFill>
+                  <a:schemeClr val="tx1"/>
+                </a:solidFill>
+              </a:rPr>
+              <a:t>Accessible by URL</a:t>
+            </a:r>
+            <a:endParaRPr lang="en-AU" sz="2000" dirty="0">
+              <a:solidFill>
+                <a:schemeClr val="tx1"/>
+              </a:solidFill>
+            </a:endParaRPr>
           </a:p>
         </p:txBody>
       </p:sp>
@@ -9259,26 +9589,20 @@
               <a:buChar char="•"/>
             </a:pPr>
             <a:r>
+              <a:rPr lang="en-US" sz="2000" dirty="0" smtClean="0">
+                <a:solidFill>
+                  <a:schemeClr val="tx1"/>
+                </a:solidFill>
+              </a:rPr>
+              <a:t>Users </a:t>
+            </a:r>
+            <a:r>
               <a:rPr lang="en-US" sz="2000" dirty="0">
                 <a:solidFill>
                   <a:schemeClr val="tx1"/>
                 </a:solidFill>
               </a:rPr>
-              <a:t>A link that contains health care services that tourists can get</a:t>
-            </a:r>
-          </a:p>
-          <a:p>
-            <a:pPr marL="179388" indent="-179388">
-              <a:buFont typeface="Arial" pitchFamily="34" charset="0"/>
-              <a:buChar char="•"/>
-            </a:pPr>
-            <a:r>
-              <a:rPr lang="en-US" sz="2000" dirty="0">
-                <a:solidFill>
-                  <a:schemeClr val="tx1"/>
-                </a:solidFill>
-              </a:rPr>
-              <a:t>Users can find pharmacies and hospitals around their location</a:t>
+              <a:t>can find pharmacies and hospitals around their location</a:t>
             </a:r>
           </a:p>
           <a:p>
@@ -14595,41 +14919,62 @@
                   <a:schemeClr val="tx1"/>
                 </a:solidFill>
               </a:rPr>
-              <a:t>Acceptance Criteria</a:t>
+              <a:t>Acceptance </a:t>
+            </a:r>
+            <a:r>
+              <a:rPr lang="en-AU" sz="2000" dirty="0" smtClean="0">
+                <a:solidFill>
+                  <a:schemeClr val="tx1"/>
+                </a:solidFill>
+              </a:rPr>
+              <a:t>Criteria</a:t>
             </a:r>
           </a:p>
           <a:p>
             <a:pPr marL="342900" indent="-342900">
-              <a:buFontTx/>
-              <a:buChar char="-"/>
+              <a:buFont typeface="Arial" panose="020B0604020202020204" pitchFamily="34" charset="0"/>
+              <a:buChar char="•"/>
             </a:pPr>
             <a:r>
-              <a:rPr lang="en-AU" sz="2000" dirty="0">
-                <a:solidFill>
-                  <a:schemeClr val="tx1"/>
-                </a:solidFill>
-              </a:rPr>
-              <a:t>Have a create account page linked from the homepage</a:t>
-            </a:r>
+              <a:rPr lang="en-AU" sz="2000" dirty="0" smtClean="0">
+                <a:solidFill>
+                  <a:schemeClr val="tx1"/>
+                </a:solidFill>
+              </a:rPr>
+              <a:t>Have a login page linked from the homepage</a:t>
+            </a:r>
+            <a:endParaRPr lang="en-AU" sz="2000" dirty="0">
+              <a:solidFill>
+                <a:schemeClr val="tx1"/>
+              </a:solidFill>
+            </a:endParaRPr>
           </a:p>
           <a:p>
             <a:pPr marL="342900" indent="-342900">
-              <a:buFontTx/>
-              <a:buChar char="-"/>
+              <a:buFont typeface="Arial" panose="020B0604020202020204" pitchFamily="34" charset="0"/>
+              <a:buChar char="•"/>
             </a:pPr>
             <a:r>
-              <a:rPr lang="en-AU" sz="2000" dirty="0">
-                <a:solidFill>
-                  <a:schemeClr val="tx1"/>
-                </a:solidFill>
-              </a:rPr>
-              <a:t>Log in with the new account</a:t>
+              <a:rPr lang="en-AU" sz="2000" dirty="0" smtClean="0">
+                <a:solidFill>
+                  <a:schemeClr val="tx1"/>
+                </a:solidFill>
+              </a:rPr>
+              <a:t>Log </a:t>
+            </a:r>
+            <a:r>
+              <a:rPr lang="en-AU" sz="2000" dirty="0">
+                <a:solidFill>
+                  <a:schemeClr val="tx1"/>
+                </a:solidFill>
+              </a:rPr>
+              <a:t>in with the new account</a:t>
             </a:r>
           </a:p>
           <a:p>
             <a:pPr marL="342900" indent="-342900">
-              <a:buFontTx/>
-              <a:buChar char="-"/>
+              <a:buFont typeface="Arial" panose="020B0604020202020204" pitchFamily="34" charset="0"/>
+              <a:buChar char="•"/>
             </a:pPr>
             <a:r>
               <a:rPr lang="en-AU" sz="2000" dirty="0">
@@ -18600,6 +18945,564 @@
 </p:sld>
 </file>
 
+<file path=ppt/slides/slide37.xml><?xml version="1.0" encoding="utf-8"?>
+<p:sld xmlns:a="http://schemas.openxmlformats.org/drawingml/2006/main" xmlns:r="http://schemas.openxmlformats.org/officeDocument/2006/relationships" xmlns:p="http://schemas.openxmlformats.org/presentationml/2006/main">
+  <p:cSld>
+    <p:bg>
+      <p:bgPr>
+        <a:solidFill>
+          <a:schemeClr val="accent2">
+            <a:lumMod val="40000"/>
+            <a:lumOff val="60000"/>
+          </a:schemeClr>
+        </a:solidFill>
+        <a:effectLst/>
+      </p:bgPr>
+    </p:bg>
+    <p:spTree>
+      <p:nvGrpSpPr>
+        <p:cNvPr id="1" name=""/>
+        <p:cNvGrpSpPr/>
+        <p:nvPr/>
+      </p:nvGrpSpPr>
+      <p:grpSpPr>
+        <a:xfrm>
+          <a:off x="0" y="0"/>
+          <a:ext cx="0" cy="0"/>
+          <a:chOff x="0" y="0"/>
+          <a:chExt cx="0" cy="0"/>
+        </a:xfrm>
+      </p:grpSpPr>
+      <p:sp>
+        <p:nvSpPr>
+          <p:cNvPr id="4" name="Rectangle 3"/>
+          <p:cNvSpPr/>
+          <p:nvPr/>
+        </p:nvSpPr>
+        <p:spPr>
+          <a:xfrm>
+            <a:off x="1182153" y="109410"/>
+            <a:ext cx="720000" cy="885590"/>
+          </a:xfrm>
+          <a:prstGeom prst="rect">
+            <a:avLst/>
+          </a:prstGeom>
+          <a:solidFill>
+            <a:schemeClr val="accent1">
+              <a:lumMod val="40000"/>
+              <a:lumOff val="60000"/>
+            </a:schemeClr>
+          </a:solidFill>
+          <a:ln>
+            <a:solidFill>
+              <a:schemeClr val="accent1">
+                <a:lumMod val="50000"/>
+              </a:schemeClr>
+            </a:solidFill>
+          </a:ln>
+        </p:spPr>
+        <p:style>
+          <a:lnRef idx="2">
+            <a:schemeClr val="accent1">
+              <a:shade val="50000"/>
+            </a:schemeClr>
+          </a:lnRef>
+          <a:fillRef idx="1">
+            <a:schemeClr val="accent1"/>
+          </a:fillRef>
+          <a:effectRef idx="0">
+            <a:schemeClr val="accent1"/>
+          </a:effectRef>
+          <a:fontRef idx="minor">
+            <a:schemeClr val="lt1"/>
+          </a:fontRef>
+        </p:style>
+        <p:txBody>
+          <a:bodyPr wrap="square" lIns="0" rIns="0" rtlCol="0" anchor="ctr"/>
+          <a:lstStyle/>
+          <a:p>
+            <a:pPr algn="ctr"/>
+            <a:r>
+              <a:rPr lang="en-AU" sz="2000" dirty="0">
+                <a:solidFill>
+                  <a:schemeClr val="tx1"/>
+                </a:solidFill>
+              </a:rPr>
+              <a:t>Story </a:t>
+            </a:r>
+            <a:r>
+              <a:rPr lang="en-AU" sz="2000" dirty="0" smtClean="0">
+                <a:solidFill>
+                  <a:schemeClr val="tx1"/>
+                </a:solidFill>
+              </a:rPr>
+              <a:t>43</a:t>
+            </a:r>
+            <a:endParaRPr lang="en-AU" sz="2000" dirty="0">
+              <a:solidFill>
+                <a:schemeClr val="tx1"/>
+              </a:solidFill>
+            </a:endParaRPr>
+          </a:p>
+        </p:txBody>
+      </p:sp>
+      <p:sp>
+        <p:nvSpPr>
+          <p:cNvPr id="6" name="Rectangle 5"/>
+          <p:cNvSpPr/>
+          <p:nvPr/>
+        </p:nvSpPr>
+        <p:spPr>
+          <a:xfrm>
+            <a:off x="1974153" y="109410"/>
+            <a:ext cx="7380000" cy="885590"/>
+          </a:xfrm>
+          <a:prstGeom prst="rect">
+            <a:avLst/>
+          </a:prstGeom>
+          <a:ln>
+            <a:solidFill>
+              <a:schemeClr val="accent1">
+                <a:lumMod val="50000"/>
+              </a:schemeClr>
+            </a:solidFill>
+          </a:ln>
+        </p:spPr>
+        <p:style>
+          <a:lnRef idx="2">
+            <a:schemeClr val="accent1">
+              <a:shade val="50000"/>
+            </a:schemeClr>
+          </a:lnRef>
+          <a:fillRef idx="1">
+            <a:schemeClr val="accent1"/>
+          </a:fillRef>
+          <a:effectRef idx="0">
+            <a:schemeClr val="accent1"/>
+          </a:effectRef>
+          <a:fontRef idx="minor">
+            <a:schemeClr val="lt1"/>
+          </a:fontRef>
+        </p:style>
+        <p:txBody>
+          <a:bodyPr rtlCol="0" anchor="ctr"/>
+          <a:lstStyle/>
+          <a:p>
+            <a:pPr algn="ctr"/>
+            <a:r>
+              <a:rPr lang="en-US" altLang="ko-KR" sz="2800" b="1" dirty="0"/>
+              <a:t>Tourist </a:t>
+            </a:r>
+            <a:r>
+              <a:rPr lang="en-US" altLang="ko-KR" sz="2800" b="1" dirty="0" smtClean="0"/>
+              <a:t>– </a:t>
+            </a:r>
+            <a:r>
+              <a:rPr lang="en-US" altLang="ko-KR" sz="2800" b="1" dirty="0" smtClean="0"/>
+              <a:t>Event Information</a:t>
+            </a:r>
+            <a:endParaRPr lang="en-US" altLang="ko-KR" sz="2800" b="1" dirty="0"/>
+          </a:p>
+        </p:txBody>
+      </p:sp>
+      <p:sp>
+        <p:nvSpPr>
+          <p:cNvPr id="7" name="Rectangle 6"/>
+          <p:cNvSpPr/>
+          <p:nvPr/>
+        </p:nvSpPr>
+        <p:spPr>
+          <a:xfrm>
+            <a:off x="1182153" y="1081795"/>
+            <a:ext cx="9828000" cy="2166940"/>
+          </a:xfrm>
+          <a:prstGeom prst="rect">
+            <a:avLst/>
+          </a:prstGeom>
+          <a:solidFill>
+            <a:schemeClr val="tx2">
+              <a:lumMod val="20000"/>
+              <a:lumOff val="80000"/>
+            </a:schemeClr>
+          </a:solidFill>
+          <a:ln>
+            <a:solidFill>
+              <a:schemeClr val="accent1">
+                <a:lumMod val="50000"/>
+              </a:schemeClr>
+            </a:solidFill>
+          </a:ln>
+        </p:spPr>
+        <p:style>
+          <a:lnRef idx="2">
+            <a:schemeClr val="accent1">
+              <a:shade val="50000"/>
+            </a:schemeClr>
+          </a:lnRef>
+          <a:fillRef idx="1">
+            <a:schemeClr val="accent1"/>
+          </a:fillRef>
+          <a:effectRef idx="0">
+            <a:schemeClr val="accent1"/>
+          </a:effectRef>
+          <a:fontRef idx="minor">
+            <a:schemeClr val="lt1"/>
+          </a:fontRef>
+        </p:style>
+        <p:txBody>
+          <a:bodyPr rtlCol="0" anchor="t" anchorCtr="0"/>
+          <a:lstStyle/>
+          <a:p>
+            <a:r>
+              <a:rPr lang="en-US" altLang="ko-KR" sz="2400" dirty="0">
+                <a:solidFill>
+                  <a:schemeClr val="tx1"/>
+                </a:solidFill>
+              </a:rPr>
+              <a:t>As a tourist, I want be able to see information </a:t>
+            </a:r>
+            <a:r>
+              <a:rPr lang="en-US" altLang="ko-KR" sz="2400" dirty="0" smtClean="0">
+                <a:solidFill>
+                  <a:schemeClr val="tx1"/>
+                </a:solidFill>
+              </a:rPr>
+              <a:t>about events and what’s on so that I can socialize and see the attractions.</a:t>
+            </a:r>
+            <a:endParaRPr lang="en-AU" sz="2400" dirty="0">
+              <a:solidFill>
+                <a:schemeClr val="tx1"/>
+              </a:solidFill>
+            </a:endParaRPr>
+          </a:p>
+        </p:txBody>
+      </p:sp>
+      <p:sp>
+        <p:nvSpPr>
+          <p:cNvPr id="8" name="Rectangle 7"/>
+          <p:cNvSpPr/>
+          <p:nvPr/>
+        </p:nvSpPr>
+        <p:spPr>
+          <a:xfrm>
+            <a:off x="1182153" y="3335530"/>
+            <a:ext cx="9828000" cy="1620000"/>
+          </a:xfrm>
+          <a:prstGeom prst="rect">
+            <a:avLst/>
+          </a:prstGeom>
+          <a:solidFill>
+            <a:schemeClr val="accent1">
+              <a:lumMod val="20000"/>
+              <a:lumOff val="80000"/>
+            </a:schemeClr>
+          </a:solidFill>
+          <a:ln>
+            <a:solidFill>
+              <a:schemeClr val="accent1">
+                <a:lumMod val="50000"/>
+              </a:schemeClr>
+            </a:solidFill>
+          </a:ln>
+        </p:spPr>
+        <p:style>
+          <a:lnRef idx="2">
+            <a:schemeClr val="accent1">
+              <a:shade val="50000"/>
+            </a:schemeClr>
+          </a:lnRef>
+          <a:fillRef idx="1">
+            <a:schemeClr val="accent1"/>
+          </a:fillRef>
+          <a:effectRef idx="0">
+            <a:schemeClr val="accent1"/>
+          </a:effectRef>
+          <a:fontRef idx="minor">
+            <a:schemeClr val="lt1"/>
+          </a:fontRef>
+        </p:style>
+        <p:txBody>
+          <a:bodyPr tIns="36000" rtlCol="0" anchor="t" anchorCtr="0"/>
+          <a:lstStyle/>
+          <a:p>
+            <a:r>
+              <a:rPr lang="en-AU" sz="2000" dirty="0">
+                <a:solidFill>
+                  <a:schemeClr val="tx1"/>
+                </a:solidFill>
+              </a:rPr>
+              <a:t>Acceptance Criteria</a:t>
+            </a:r>
+          </a:p>
+          <a:p>
+            <a:pPr marL="179388" indent="-179388">
+              <a:buFont typeface="Arial" pitchFamily="34" charset="0"/>
+              <a:buChar char="•"/>
+            </a:pPr>
+            <a:r>
+              <a:rPr lang="en-US" altLang="ko-KR" sz="2000" dirty="0">
+                <a:solidFill>
+                  <a:schemeClr val="tx1"/>
+                </a:solidFill>
+              </a:rPr>
+              <a:t>A link that </a:t>
+            </a:r>
+            <a:r>
+              <a:rPr lang="en-US" altLang="ko-KR" sz="2000" dirty="0" smtClean="0">
+                <a:solidFill>
+                  <a:schemeClr val="tx1"/>
+                </a:solidFill>
+              </a:rPr>
+              <a:t>provides event </a:t>
+            </a:r>
+            <a:r>
+              <a:rPr lang="en-US" altLang="ko-KR" sz="2000" dirty="0">
+                <a:solidFill>
+                  <a:schemeClr val="tx1"/>
+                </a:solidFill>
+              </a:rPr>
+              <a:t>information such as </a:t>
+            </a:r>
+            <a:r>
+              <a:rPr lang="en-US" altLang="ko-KR" sz="2000" dirty="0" smtClean="0">
+                <a:solidFill>
+                  <a:schemeClr val="tx1"/>
+                </a:solidFill>
+              </a:rPr>
+              <a:t>what’s on in the city.</a:t>
+            </a:r>
+            <a:endParaRPr lang="en-US" altLang="ko-KR" sz="2000" dirty="0">
+              <a:solidFill>
+                <a:schemeClr val="tx1"/>
+              </a:solidFill>
+            </a:endParaRPr>
+          </a:p>
+        </p:txBody>
+      </p:sp>
+      <p:sp>
+        <p:nvSpPr>
+          <p:cNvPr id="11" name="Rectangle 10"/>
+          <p:cNvSpPr/>
+          <p:nvPr/>
+        </p:nvSpPr>
+        <p:spPr>
+          <a:xfrm>
+            <a:off x="10290153" y="109410"/>
+            <a:ext cx="720000" cy="885590"/>
+          </a:xfrm>
+          <a:prstGeom prst="rect">
+            <a:avLst/>
+          </a:prstGeom>
+          <a:solidFill>
+            <a:srgbClr val="CCF0CD">
+              <a:alpha val="20000"/>
+            </a:srgbClr>
+          </a:solidFill>
+          <a:ln>
+            <a:solidFill>
+              <a:schemeClr val="accent1">
+                <a:lumMod val="50000"/>
+              </a:schemeClr>
+            </a:solidFill>
+          </a:ln>
+        </p:spPr>
+        <p:style>
+          <a:lnRef idx="2">
+            <a:schemeClr val="accent1">
+              <a:shade val="50000"/>
+            </a:schemeClr>
+          </a:lnRef>
+          <a:fillRef idx="1">
+            <a:schemeClr val="accent1"/>
+          </a:fillRef>
+          <a:effectRef idx="0">
+            <a:schemeClr val="accent1"/>
+          </a:effectRef>
+          <a:fontRef idx="minor">
+            <a:schemeClr val="lt1"/>
+          </a:fontRef>
+        </p:style>
+        <p:txBody>
+          <a:bodyPr wrap="square" lIns="0" rIns="0" rtlCol="0" anchor="ctr"/>
+          <a:lstStyle/>
+          <a:p>
+            <a:pPr algn="ctr"/>
+            <a:r>
+              <a:rPr lang="en-AU" sz="2000" dirty="0">
+                <a:solidFill>
+                  <a:schemeClr val="tx1"/>
+                </a:solidFill>
+              </a:rPr>
+              <a:t>Story Points</a:t>
+            </a:r>
+          </a:p>
+          <a:p>
+            <a:pPr algn="ctr"/>
+            <a:r>
+              <a:rPr lang="en-AU" sz="2000" dirty="0">
+                <a:solidFill>
+                  <a:schemeClr val="tx1"/>
+                </a:solidFill>
+              </a:rPr>
+              <a:t>4</a:t>
+            </a:r>
+          </a:p>
+        </p:txBody>
+      </p:sp>
+      <p:sp>
+        <p:nvSpPr>
+          <p:cNvPr id="12" name="Rectangle 11"/>
+          <p:cNvSpPr/>
+          <p:nvPr/>
+        </p:nvSpPr>
+        <p:spPr>
+          <a:xfrm>
+            <a:off x="9426153" y="109410"/>
+            <a:ext cx="792000" cy="885590"/>
+          </a:xfrm>
+          <a:prstGeom prst="rect">
+            <a:avLst/>
+          </a:prstGeom>
+          <a:solidFill>
+            <a:schemeClr val="accent4">
+              <a:lumMod val="20000"/>
+              <a:lumOff val="80000"/>
+            </a:schemeClr>
+          </a:solidFill>
+          <a:ln>
+            <a:solidFill>
+              <a:schemeClr val="accent1">
+                <a:lumMod val="50000"/>
+              </a:schemeClr>
+            </a:solidFill>
+          </a:ln>
+        </p:spPr>
+        <p:style>
+          <a:lnRef idx="2">
+            <a:schemeClr val="accent1">
+              <a:shade val="50000"/>
+            </a:schemeClr>
+          </a:lnRef>
+          <a:fillRef idx="1">
+            <a:schemeClr val="accent1"/>
+          </a:fillRef>
+          <a:effectRef idx="0">
+            <a:schemeClr val="accent1"/>
+          </a:effectRef>
+          <a:fontRef idx="minor">
+            <a:schemeClr val="lt1"/>
+          </a:fontRef>
+        </p:style>
+        <p:txBody>
+          <a:bodyPr wrap="none" lIns="0" rIns="0" rtlCol="0" anchor="ctr"/>
+          <a:lstStyle/>
+          <a:p>
+            <a:pPr algn="ctr"/>
+            <a:r>
+              <a:rPr lang="en-AU" sz="2000" dirty="0">
+                <a:solidFill>
+                  <a:schemeClr val="tx1"/>
+                </a:solidFill>
+              </a:rPr>
+              <a:t>Priority</a:t>
+            </a:r>
+          </a:p>
+          <a:p>
+            <a:pPr algn="ctr"/>
+            <a:r>
+              <a:rPr lang="en-AU" sz="2000" dirty="0">
+                <a:solidFill>
+                  <a:schemeClr val="tx1"/>
+                </a:solidFill>
+              </a:rPr>
+              <a:t>C</a:t>
+            </a:r>
+          </a:p>
+        </p:txBody>
+      </p:sp>
+      <p:sp>
+        <p:nvSpPr>
+          <p:cNvPr id="13" name="Rectangle 12"/>
+          <p:cNvSpPr/>
+          <p:nvPr/>
+        </p:nvSpPr>
+        <p:spPr>
+          <a:xfrm>
+            <a:off x="1182153" y="5128590"/>
+            <a:ext cx="9828000" cy="1620000"/>
+          </a:xfrm>
+          <a:prstGeom prst="rect">
+            <a:avLst/>
+          </a:prstGeom>
+          <a:solidFill>
+            <a:schemeClr val="bg1"/>
+          </a:solidFill>
+          <a:ln>
+            <a:solidFill>
+              <a:schemeClr val="accent1">
+                <a:lumMod val="50000"/>
+              </a:schemeClr>
+            </a:solidFill>
+          </a:ln>
+        </p:spPr>
+        <p:style>
+          <a:lnRef idx="2">
+            <a:schemeClr val="accent1">
+              <a:shade val="50000"/>
+            </a:schemeClr>
+          </a:lnRef>
+          <a:fillRef idx="1">
+            <a:schemeClr val="accent1"/>
+          </a:fillRef>
+          <a:effectRef idx="0">
+            <a:schemeClr val="accent1"/>
+          </a:effectRef>
+          <a:fontRef idx="minor">
+            <a:schemeClr val="lt1"/>
+          </a:fontRef>
+        </p:style>
+        <p:txBody>
+          <a:bodyPr tIns="36000" rtlCol="0" anchor="t" anchorCtr="0"/>
+          <a:lstStyle/>
+          <a:p>
+            <a:r>
+              <a:rPr lang="en-AU" sz="2000" dirty="0">
+                <a:solidFill>
+                  <a:schemeClr val="tx1"/>
+                </a:solidFill>
+              </a:rPr>
+              <a:t>Notes</a:t>
+            </a:r>
+          </a:p>
+          <a:p>
+            <a:pPr marL="179388" indent="-179388">
+              <a:buFont typeface="Arial" pitchFamily="34" charset="0"/>
+              <a:buChar char="•"/>
+            </a:pPr>
+            <a:r>
+              <a:rPr lang="en-AU" sz="2000" dirty="0">
+                <a:solidFill>
+                  <a:schemeClr val="tx1"/>
+                </a:solidFill>
+              </a:rPr>
+              <a:t> This page have a map</a:t>
+            </a:r>
+          </a:p>
+        </p:txBody>
+      </p:sp>
+    </p:spTree>
+    <p:extLst>
+      <p:ext uri="{BB962C8B-B14F-4D97-AF65-F5344CB8AC3E}">
+        <p14:creationId xmlns:p14="http://schemas.microsoft.com/office/powerpoint/2010/main" val="779578830"/>
+      </p:ext>
+    </p:extLst>
+  </p:cSld>
+  <p:clrMapOvr>
+    <a:masterClrMapping/>
+  </p:clrMapOvr>
+</p:sld>
+</file>
+
 <file path=ppt/slides/slide4.xml><?xml version="1.0" encoding="utf-8"?>
 <p:sld xmlns:a="http://schemas.openxmlformats.org/drawingml/2006/main" xmlns:r="http://schemas.openxmlformats.org/officeDocument/2006/relationships" xmlns:p="http://schemas.openxmlformats.org/presentationml/2006/main">
   <p:cSld>
@@ -18729,8 +19632,13 @@
           <a:p>
             <a:r>
               <a:rPr lang="en-US" altLang="ko-KR" sz="2800" b="1" dirty="0"/>
-              <a:t>Guest – Home page</a:t>
-            </a:r>
+              <a:t>Guest – </a:t>
+            </a:r>
+            <a:r>
+              <a:rPr lang="en-US" altLang="ko-KR" sz="2800" b="1" dirty="0" smtClean="0"/>
+              <a:t>Navigate to Home Page</a:t>
+            </a:r>
+            <a:endParaRPr lang="en-US" altLang="ko-KR" sz="2800" b="1" dirty="0"/>
           </a:p>
         </p:txBody>
       </p:sp>
@@ -18788,8 +19696,21 @@
                   <a:schemeClr val="tx1"/>
                 </a:solidFill>
               </a:rPr>
-              <a:t>As a guest, I want to be able to navigate back to the homepage so I don’t get lost while navigating</a:t>
-            </a:r>
+              <a:t>As a guest, I want to be able to navigate back to the homepage so I don’t get lost while </a:t>
+            </a:r>
+            <a:r>
+              <a:rPr lang="en-AU" altLang="ko-KR" sz="2000" b="1" dirty="0" smtClean="0">
+                <a:solidFill>
+                  <a:schemeClr val="tx1"/>
+                </a:solidFill>
+              </a:rPr>
+              <a:t>navigating.</a:t>
+            </a:r>
+            <a:endParaRPr lang="en-AU" altLang="ko-KR" sz="2000" b="1" dirty="0">
+              <a:solidFill>
+                <a:schemeClr val="tx1"/>
+              </a:solidFill>
+            </a:endParaRPr>
           </a:p>
         </p:txBody>
       </p:sp>
@@ -18852,8 +19773,8 @@
           </a:p>
           <a:p>
             <a:pPr marL="342900" indent="-342900">
-              <a:buFontTx/>
-              <a:buChar char="-"/>
+              <a:buFont typeface="Arial" panose="020B0604020202020204" pitchFamily="34" charset="0"/>
+              <a:buChar char="•"/>
             </a:pPr>
             <a:r>
               <a:rPr lang="en-AU" sz="2000" dirty="0">
@@ -18866,8 +19787,8 @@
           </a:p>
           <a:p>
             <a:pPr marL="342900" indent="-342900">
-              <a:buFontTx/>
-              <a:buChar char="-"/>
+              <a:buFont typeface="Arial" panose="020B0604020202020204" pitchFamily="34" charset="0"/>
+              <a:buChar char="•"/>
             </a:pPr>
             <a:r>
               <a:rPr lang="en-AU" sz="2000" dirty="0">
@@ -18888,8 +19809,8 @@
           </a:p>
           <a:p>
             <a:pPr marL="342900" indent="-342900">
-              <a:buFontTx/>
-              <a:buChar char="-"/>
+              <a:buFont typeface="Arial" panose="020B0604020202020204" pitchFamily="34" charset="0"/>
+              <a:buChar char="•"/>
             </a:pPr>
             <a:r>
               <a:rPr lang="en-AU" sz="2000" dirty="0" smtClean="0">
@@ -19032,8 +19953,13 @@
                   <a:schemeClr val="tx1"/>
                 </a:solidFill>
               </a:rPr>
-              <a:t>C</a:t>
-            </a:r>
+              <a:t>S</a:t>
+            </a:r>
+            <a:endParaRPr lang="en-AU" sz="2000" dirty="0">
+              <a:solidFill>
+                <a:schemeClr val="tx1"/>
+              </a:solidFill>
+            </a:endParaRPr>
           </a:p>
         </p:txBody>
       </p:sp>
@@ -19319,8 +20245,21 @@
                   <a:schemeClr val="tx1"/>
                 </a:solidFill>
               </a:rPr>
-              <a:t>As a guest, I want to be able to create an account so that I can register an account with the system</a:t>
-            </a:r>
+              <a:t>As a guest, I want to be able to create an account so that I can register an account with the </a:t>
+            </a:r>
+            <a:r>
+              <a:rPr lang="en-AU" altLang="ko-KR" sz="2000" b="1" dirty="0" smtClean="0">
+                <a:solidFill>
+                  <a:schemeClr val="tx1"/>
+                </a:solidFill>
+              </a:rPr>
+              <a:t>system.</a:t>
+            </a:r>
+            <a:endParaRPr lang="en-AU" altLang="ko-KR" sz="2000" b="1" dirty="0">
+              <a:solidFill>
+                <a:schemeClr val="tx1"/>
+              </a:solidFill>
+            </a:endParaRPr>
           </a:p>
         </p:txBody>
       </p:sp>
@@ -19383,8 +20322,8 @@
           </a:p>
           <a:p>
             <a:pPr marL="342900" indent="-342900">
-              <a:buFontTx/>
-              <a:buChar char="-"/>
+              <a:buFont typeface="Arial" panose="020B0604020202020204" pitchFamily="34" charset="0"/>
+              <a:buChar char="•"/>
             </a:pPr>
             <a:r>
               <a:rPr lang="en-AU" sz="2000" dirty="0">
@@ -19397,8 +20336,8 @@
           </a:p>
           <a:p>
             <a:pPr marL="342900" indent="-342900">
-              <a:buFontTx/>
-              <a:buChar char="-"/>
+              <a:buFont typeface="Arial" panose="020B0604020202020204" pitchFamily="34" charset="0"/>
+              <a:buChar char="•"/>
             </a:pPr>
             <a:r>
               <a:rPr lang="en-AU" sz="2000" dirty="0">
@@ -19411,8 +20350,8 @@
           </a:p>
           <a:p>
             <a:pPr marL="342900" indent="-342900">
-              <a:buFontTx/>
-              <a:buChar char="-"/>
+              <a:buFont typeface="Arial" panose="020B0604020202020204" pitchFamily="34" charset="0"/>
+              <a:buChar char="•"/>
             </a:pPr>
             <a:r>
               <a:rPr lang="en-AU" sz="2000" dirty="0">
@@ -19490,8 +20429,13 @@
                   <a:schemeClr val="tx1"/>
                 </a:solidFill>
               </a:rPr>
-              <a:t>16</a:t>
-            </a:r>
+              <a:t>2</a:t>
+            </a:r>
+            <a:endParaRPr lang="en-AU" sz="2000" dirty="0">
+              <a:solidFill>
+                <a:schemeClr val="tx1"/>
+              </a:solidFill>
+            </a:endParaRPr>
           </a:p>
         </p:txBody>
       </p:sp>
@@ -19655,9 +20599,9 @@
     <p:bg>
       <p:bgPr>
         <a:solidFill>
-          <a:schemeClr val="accent2">
-            <a:lumMod val="40000"/>
-            <a:lumOff val="60000"/>
+          <a:schemeClr val="tx2">
+            <a:lumMod val="20000"/>
+            <a:lumOff val="80000"/>
           </a:schemeClr>
         </a:solidFill>
         <a:effectLst/>
@@ -19745,7 +20689,7 @@
         </p:nvSpPr>
         <p:spPr>
           <a:xfrm>
-            <a:off x="1974153" y="109410"/>
+            <a:off x="1902153" y="109410"/>
             <a:ext cx="7380000" cy="540000"/>
           </a:xfrm>
           <a:prstGeom prst="rect">
@@ -19781,8 +20725,13 @@
           <a:p>
             <a:r>
               <a:rPr lang="en-US" altLang="ko-KR" sz="2800" b="1" dirty="0"/>
-              <a:t>Guest – user group</a:t>
-            </a:r>
+              <a:t>Guest – </a:t>
+            </a:r>
+            <a:r>
+              <a:rPr lang="en-US" altLang="ko-KR" sz="2800" b="1" dirty="0" smtClean="0"/>
+              <a:t>Summary Page</a:t>
+            </a:r>
+            <a:endParaRPr lang="en-US" altLang="ko-KR" sz="2800" b="1" dirty="0"/>
           </a:p>
         </p:txBody>
       </p:sp>
@@ -19840,8 +20789,21 @@
                   <a:schemeClr val="tx1"/>
                 </a:solidFill>
               </a:rPr>
-              <a:t>As a guest, I want to be able to login to an account so that I can access my user group.</a:t>
-            </a:r>
+              <a:t>As a guest, I want to be able to </a:t>
+            </a:r>
+            <a:r>
+              <a:rPr lang="en-AU" altLang="ko-KR" sz="2000" b="1" dirty="0" smtClean="0">
+                <a:solidFill>
+                  <a:schemeClr val="tx1"/>
+                </a:solidFill>
+              </a:rPr>
+              <a:t>access information relevant to my user group, so that I can get the information relevant to me.</a:t>
+            </a:r>
+            <a:endParaRPr lang="en-AU" altLang="ko-KR" sz="2000" b="1" dirty="0">
+              <a:solidFill>
+                <a:schemeClr val="tx1"/>
+              </a:solidFill>
+            </a:endParaRPr>
           </a:p>
         </p:txBody>
       </p:sp>
@@ -19904,31 +20866,52 @@
           </a:p>
           <a:p>
             <a:pPr marL="342900" indent="-342900">
-              <a:buFontTx/>
-              <a:buChar char="-"/>
+              <a:buFont typeface="Arial" panose="020B0604020202020204" pitchFamily="34" charset="0"/>
+              <a:buChar char="•"/>
             </a:pPr>
             <a:r>
-              <a:rPr lang="en-AU" sz="2000" dirty="0">
-                <a:solidFill>
-                  <a:schemeClr val="tx1"/>
-                </a:solidFill>
-              </a:rPr>
-              <a:t>Required username and password field</a:t>
+              <a:rPr lang="en-AU" sz="2000" dirty="0" smtClean="0">
+                <a:solidFill>
+                  <a:schemeClr val="tx1"/>
+                </a:solidFill>
+              </a:rPr>
+              <a:t>Necessary </a:t>
+            </a:r>
+            <a:r>
+              <a:rPr lang="en-AU" sz="2000" dirty="0">
+                <a:solidFill>
+                  <a:schemeClr val="tx1"/>
+                </a:solidFill>
+              </a:rPr>
+              <a:t>synchronisation with the </a:t>
+            </a:r>
+            <a:r>
+              <a:rPr lang="en-AU" sz="2000" dirty="0" smtClean="0">
+                <a:solidFill>
+                  <a:schemeClr val="tx1"/>
+                </a:solidFill>
+              </a:rPr>
+              <a:t>database</a:t>
             </a:r>
           </a:p>
           <a:p>
             <a:pPr marL="342900" indent="-342900">
-              <a:buFontTx/>
-              <a:buChar char="-"/>
+              <a:buFont typeface="Arial" panose="020B0604020202020204" pitchFamily="34" charset="0"/>
+              <a:buChar char="•"/>
             </a:pPr>
             <a:r>
-              <a:rPr lang="en-AU" sz="2000" dirty="0">
-                <a:solidFill>
-                  <a:schemeClr val="tx1"/>
-                </a:solidFill>
-              </a:rPr>
-              <a:t>Necessary synchronisation with the database</a:t>
-            </a:r>
+              <a:rPr lang="en-AU" sz="2000" dirty="0" smtClean="0">
+                <a:solidFill>
+                  <a:schemeClr val="tx1"/>
+                </a:solidFill>
+              </a:rPr>
+              <a:t>Displays information from categories dependant on the user’s user group.</a:t>
+            </a:r>
+            <a:endParaRPr lang="en-AU" sz="2000" dirty="0">
+              <a:solidFill>
+                <a:schemeClr val="tx1"/>
+              </a:solidFill>
+            </a:endParaRPr>
           </a:p>
         </p:txBody>
       </p:sp>
@@ -20162,9 +21145,9 @@
     <p:bg>
       <p:bgPr>
         <a:solidFill>
-          <a:schemeClr val="accent2">
-            <a:lumMod val="40000"/>
-            <a:lumOff val="60000"/>
+          <a:schemeClr val="tx2">
+            <a:lumMod val="20000"/>
+            <a:lumOff val="80000"/>
           </a:schemeClr>
         </a:solidFill>
         <a:effectLst/>
@@ -20288,8 +21271,13 @@
           <a:p>
             <a:r>
               <a:rPr lang="en-US" altLang="ko-KR" sz="2800" b="1" dirty="0"/>
-              <a:t>Student - City Information Map</a:t>
-            </a:r>
+              <a:t>Student </a:t>
+            </a:r>
+            <a:r>
+              <a:rPr lang="en-US" altLang="ko-KR" sz="2800" b="1" dirty="0" smtClean="0"/>
+              <a:t>– City Information</a:t>
+            </a:r>
+            <a:endParaRPr lang="en-US" altLang="ko-KR" sz="2800" b="1" dirty="0"/>
           </a:p>
         </p:txBody>
       </p:sp>
@@ -20347,7 +21335,31 @@
                   <a:schemeClr val="tx1"/>
                 </a:solidFill>
               </a:rPr>
-              <a:t>As a student I want to be able to view city information so that I can plan recreational activities</a:t>
+              <a:t>As a student I want to be able to view city </a:t>
+            </a:r>
+            <a:r>
+              <a:rPr lang="en-US" sz="2000" b="1" dirty="0" smtClean="0">
+                <a:solidFill>
+                  <a:schemeClr val="tx1"/>
+                </a:solidFill>
+              </a:rPr>
+              <a:t>information </a:t>
+            </a:r>
+            <a:r>
+              <a:rPr lang="en-US" sz="2000" b="1" dirty="0">
+                <a:solidFill>
+                  <a:schemeClr val="tx1"/>
+                </a:solidFill>
+              </a:rPr>
+              <a:t>so that I can plan recreational </a:t>
+            </a:r>
+            <a:r>
+              <a:rPr lang="en-US" sz="2000" b="1" dirty="0" smtClean="0">
+                <a:solidFill>
+                  <a:schemeClr val="tx1"/>
+                </a:solidFill>
+              </a:rPr>
+              <a:t>activities.</a:t>
             </a:r>
             <a:endParaRPr lang="en-AU" altLang="ko-KR" sz="2000" dirty="0">
               <a:solidFill>
@@ -20415,13 +21427,41 @@
             </a:r>
           </a:p>
           <a:p>
+            <a:pPr marL="342900" indent="-342900">
+              <a:buFont typeface="Arial" panose="020B0604020202020204" pitchFamily="34" charset="0"/>
+              <a:buChar char="•"/>
+            </a:pPr>
+            <a:r>
+              <a:rPr lang="en-US" sz="2000" dirty="0" smtClean="0">
+                <a:solidFill>
+                  <a:schemeClr val="tx1"/>
+                </a:solidFill>
+              </a:rPr>
+              <a:t>Able </a:t>
+            </a:r>
             <a:r>
               <a:rPr lang="en-US" sz="2000" dirty="0">
                 <a:solidFill>
                   <a:schemeClr val="tx1"/>
                 </a:solidFill>
               </a:rPr>
-              <a:t>Able to view locations, names and descriptions of parks, zoos, museums malls and restaurants</a:t>
+              <a:t>to view locations, names and descriptions of parks, zoos, museums malls </a:t>
+            </a:r>
+            <a:r>
+              <a:rPr lang="en-US" sz="2000" dirty="0" smtClean="0">
+                <a:solidFill>
+                  <a:schemeClr val="tx1"/>
+                </a:solidFill>
+              </a:rPr>
+              <a:t>and restaurants</a:t>
+            </a:r>
+            <a:r>
+              <a:rPr lang="en-US" sz="2000" dirty="0">
+                <a:solidFill>
+                  <a:schemeClr val="tx1"/>
+                </a:solidFill>
+              </a:rPr>
+              <a:t/>
             </a:r>
             <a:br>
               <a:rPr lang="en-US" sz="2000" dirty="0">
@@ -20430,14 +21470,6 @@
                 </a:solidFill>
               </a:rPr>
             </a:br>
-            <a:r>
-              <a:rPr lang="en-US" sz="2000" dirty="0">
-                <a:solidFill>
-                  <a:schemeClr val="tx1"/>
-                </a:solidFill>
-              </a:rPr>
-              <a:t>A page that displays these items on the city map</a:t>
-            </a:r>
             <a:endParaRPr lang="en-AU" sz="2000" dirty="0">
               <a:solidFill>
                 <a:schemeClr val="tx1"/>
@@ -20676,9 +21708,9 @@
     <p:bg>
       <p:bgPr>
         <a:solidFill>
-          <a:schemeClr val="accent2">
-            <a:lumMod val="40000"/>
-            <a:lumOff val="60000"/>
+          <a:schemeClr val="tx2">
+            <a:lumMod val="20000"/>
+            <a:lumOff val="80000"/>
           </a:schemeClr>
         </a:solidFill>
         <a:effectLst/>
@@ -20873,7 +21905,15 @@
                   <a:schemeClr val="tx1"/>
                 </a:solidFill>
               </a:rPr>
-              <a:t>As a student I want to be able to view the weather for each city so that I can plan around it accordingly</a:t>
+              <a:t>As a student I want to be able to view the weather for each city so that I can plan around it </a:t>
+            </a:r>
+            <a:r>
+              <a:rPr lang="en-AU" altLang="ko-KR" sz="2400" dirty="0" smtClean="0">
+                <a:solidFill>
+                  <a:schemeClr val="tx1"/>
+                </a:solidFill>
+              </a:rPr>
+              <a:t>accordingly.</a:t>
             </a:r>
             <a:endParaRPr lang="en-AU" sz="2400" dirty="0">
               <a:solidFill>
@@ -20946,13 +21986,48 @@
               <a:buChar char="•"/>
             </a:pPr>
             <a:r>
+              <a:rPr lang="en-US" altLang="ko-KR" sz="2000" dirty="0" smtClean="0">
+                <a:solidFill>
+                  <a:schemeClr val="tx1"/>
+                </a:solidFill>
+              </a:rPr>
+              <a:t>Display summary of weather </a:t>
+            </a:r>
+            <a:r>
               <a:rPr lang="en-US" altLang="ko-KR" sz="2000" dirty="0">
                 <a:solidFill>
                   <a:schemeClr val="tx1"/>
                 </a:solidFill>
               </a:rPr>
-              <a:t>Display of weather information and forecasts</a:t>
-            </a:r>
+              <a:t>information </a:t>
+            </a:r>
+            <a:r>
+              <a:rPr lang="en-US" altLang="ko-KR" sz="2000" dirty="0" smtClean="0">
+                <a:solidFill>
+                  <a:schemeClr val="tx1"/>
+                </a:solidFill>
+              </a:rPr>
+              <a:t>for the city.</a:t>
+            </a:r>
+          </a:p>
+          <a:p>
+            <a:pPr marL="179388" indent="-179388">
+              <a:buFont typeface="Arial" pitchFamily="34" charset="0"/>
+              <a:buChar char="•"/>
+            </a:pPr>
+            <a:r>
+              <a:rPr lang="en-US" altLang="ko-KR" sz="2000" dirty="0" smtClean="0">
+                <a:solidFill>
+                  <a:schemeClr val="tx1"/>
+                </a:solidFill>
+              </a:rPr>
+              <a:t>Display forecast data.</a:t>
+            </a:r>
+            <a:endParaRPr lang="en-US" altLang="ko-KR" sz="2000" dirty="0">
+              <a:solidFill>
+                <a:schemeClr val="tx1"/>
+              </a:solidFill>
+            </a:endParaRPr>
           </a:p>
         </p:txBody>
       </p:sp>
@@ -21186,9 +22261,9 @@
     <p:bg>
       <p:bgPr>
         <a:solidFill>
-          <a:schemeClr val="accent2">
-            <a:lumMod val="40000"/>
-            <a:lumOff val="60000"/>
+          <a:schemeClr val="tx2">
+            <a:lumMod val="20000"/>
+            <a:lumOff val="80000"/>
           </a:schemeClr>
         </a:solidFill>
         <a:effectLst/>
@@ -21312,8 +22387,13 @@
           <a:p>
             <a:r>
               <a:rPr lang="en-US" altLang="ko-KR" sz="2800" b="1" dirty="0"/>
-              <a:t>Student - Local Libraries</a:t>
-            </a:r>
+              <a:t>Student </a:t>
+            </a:r>
+            <a:r>
+              <a:rPr lang="en-US" altLang="ko-KR" sz="2800" b="1" dirty="0" smtClean="0"/>
+              <a:t>– Library Information</a:t>
+            </a:r>
+            <a:endParaRPr lang="en-US" altLang="ko-KR" sz="2800" b="1" dirty="0"/>
           </a:p>
         </p:txBody>
       </p:sp>
@@ -21371,7 +22451,15 @@
                   <a:schemeClr val="tx1"/>
                 </a:solidFill>
               </a:rPr>
-              <a:t>As a student I want to be able to view library information so that I can find books for research</a:t>
+              <a:t>As a student I want to be able to view library information so that I can find books for </a:t>
+            </a:r>
+            <a:r>
+              <a:rPr lang="en-US" sz="2000" b="1" dirty="0" smtClean="0">
+                <a:solidFill>
+                  <a:schemeClr val="tx1"/>
+                </a:solidFill>
+              </a:rPr>
+              <a:t>research.</a:t>
             </a:r>
             <a:endParaRPr lang="en-AU" altLang="ko-KR" sz="2000" dirty="0">
               <a:solidFill>
